--- a/2017/diploma/ShalamovRoman/slides/slides.pptx
+++ b/2017/diploma/ShalamovRoman/slides/slides.pptx
@@ -1,46 +1,47 @@
 
 <file path=ppt/presentation.xml><?xml version="1.0" encoding="utf-8"?>
-<p:presentation xmlns:a="http://schemas.openxmlformats.org/drawingml/2006/main" xmlns:r="http://schemas.openxmlformats.org/officeDocument/2006/relationships" xmlns:mc="http://schemas.openxmlformats.org/markup-compatibility/2006" xmlns:mv="urn:schemas-microsoft-com:mac:vml" xmlns:p="http://schemas.openxmlformats.org/presentationml/2006/main" xmlns:c="http://schemas.openxmlformats.org/drawingml/2006/chart" xmlns:dgm="http://schemas.openxmlformats.org/drawingml/2006/diagram" xmlns:o="urn:schemas-microsoft-com:office:office" xmlns:v="urn:schemas-microsoft-com:vml" xmlns:pvml="urn:schemas-microsoft-com:office:powerpoint" xmlns:com="http://schemas.openxmlformats.org/drawingml/2006/compatibility" xmlns:p14="http://schemas.microsoft.com/office/powerpoint/2010/main" xmlns:p15="http://schemas.microsoft.com/office/powerpoint/2012/main" autoCompressPictures="0" embedTrueTypeFonts="1" strictFirstAndLastChars="0" saveSubsetFonts="1">
+<p:presentation xmlns:a="http://schemas.openxmlformats.org/drawingml/2006/main" xmlns:r="http://schemas.openxmlformats.org/officeDocument/2006/relationships" xmlns:p="http://schemas.openxmlformats.org/presentationml/2006/main" strictFirstAndLastChars="0" embedTrueTypeFonts="1" saveSubsetFonts="1" autoCompressPictures="0">
   <p:sldMasterIdLst>
-    <p:sldMasterId id="2147483659" r:id="rId3"/>
+    <p:sldMasterId id="2147483659" r:id="rId1"/>
   </p:sldMasterIdLst>
   <p:notesMasterIdLst>
-    <p:notesMasterId r:id="rId4"/>
+    <p:notesMasterId r:id="rId15"/>
   </p:notesMasterIdLst>
   <p:sldIdLst>
-    <p:sldId id="256" r:id="rId5"/>
-    <p:sldId id="257" r:id="rId6"/>
-    <p:sldId id="258" r:id="rId7"/>
-    <p:sldId id="259" r:id="rId8"/>
-    <p:sldId id="260" r:id="rId9"/>
-    <p:sldId id="261" r:id="rId10"/>
-    <p:sldId id="262" r:id="rId11"/>
-    <p:sldId id="263" r:id="rId12"/>
-    <p:sldId id="264" r:id="rId13"/>
-    <p:sldId id="265" r:id="rId14"/>
-    <p:sldId id="266" r:id="rId15"/>
-    <p:sldId id="267" r:id="rId16"/>
+    <p:sldId id="256" r:id="rId2"/>
+    <p:sldId id="257" r:id="rId3"/>
+    <p:sldId id="258" r:id="rId4"/>
+    <p:sldId id="259" r:id="rId5"/>
+    <p:sldId id="260" r:id="rId6"/>
+    <p:sldId id="261" r:id="rId7"/>
+    <p:sldId id="262" r:id="rId8"/>
+    <p:sldId id="268" r:id="rId9"/>
+    <p:sldId id="263" r:id="rId10"/>
+    <p:sldId id="264" r:id="rId11"/>
+    <p:sldId id="265" r:id="rId12"/>
+    <p:sldId id="266" r:id="rId13"/>
+    <p:sldId id="267" r:id="rId14"/>
   </p:sldIdLst>
-  <p:sldSz cy="5143500" cx="9144000"/>
+  <p:sldSz cx="9144000" cy="5143500" type="screen16x9"/>
   <p:notesSz cx="6858000" cy="9144000"/>
   <p:embeddedFontLst>
     <p:embeddedFont>
-      <p:font typeface="Montserrat"/>
-      <p:regular r:id="rId17"/>
-      <p:bold r:id="rId18"/>
-      <p:italic r:id="rId19"/>
-      <p:boldItalic r:id="rId20"/>
+      <p:font typeface="Montserrat" panose="020B0604020202020204" charset="0"/>
+      <p:regular r:id="rId16"/>
+      <p:bold r:id="rId17"/>
+      <p:italic r:id="rId18"/>
+      <p:boldItalic r:id="rId19"/>
     </p:embeddedFont>
     <p:embeddedFont>
-      <p:font typeface="Lato"/>
-      <p:regular r:id="rId21"/>
-      <p:bold r:id="rId22"/>
-      <p:italic r:id="rId23"/>
-      <p:boldItalic r:id="rId24"/>
+      <p:font typeface="Lato" panose="020B0604020202020204" charset="0"/>
+      <p:regular r:id="rId20"/>
+      <p:bold r:id="rId21"/>
+      <p:italic r:id="rId22"/>
+      <p:boldItalic r:id="rId23"/>
     </p:embeddedFont>
   </p:embeddedFontLst>
   <p:defaultTextStyle>
-    <a:defPPr lvl="0" marR="0" rtl="0" algn="l">
+    <a:defPPr marR="0" lvl="0" algn="l" rtl="0">
       <a:lnSpc>
         <a:spcPct val="100000"/>
       </a:lnSpc>
@@ -51,7 +52,7 @@
         <a:spcPts val="0"/>
       </a:spcAft>
     </a:defPPr>
-    <a:lvl1pPr lvl="0" marR="0" rtl="0" algn="l">
+    <a:lvl1pPr marR="0" lvl="0" algn="l" rtl="0">
       <a:lnSpc>
         <a:spcPct val="100000"/>
       </a:lnSpc>
@@ -62,7 +63,7 @@
         <a:spcPts val="0"/>
       </a:spcAft>
       <a:buNone/>
-      <a:defRPr b="0" i="0" sz="1400" u="none" cap="none" strike="noStrike">
+      <a:defRPr sz="1400" b="0" i="0" u="none" strike="noStrike" cap="none">
         <a:solidFill>
           <a:srgbClr val="000000"/>
         </a:solidFill>
@@ -72,7 +73,7 @@
         <a:sym typeface="Arial"/>
       </a:defRPr>
     </a:lvl1pPr>
-    <a:lvl2pPr lvl="1" marR="0" rtl="0" algn="l">
+    <a:lvl2pPr marR="0" lvl="1" algn="l" rtl="0">
       <a:lnSpc>
         <a:spcPct val="100000"/>
       </a:lnSpc>
@@ -83,7 +84,7 @@
         <a:spcPts val="0"/>
       </a:spcAft>
       <a:buNone/>
-      <a:defRPr b="0" i="0" sz="1400" u="none" cap="none" strike="noStrike">
+      <a:defRPr sz="1400" b="0" i="0" u="none" strike="noStrike" cap="none">
         <a:solidFill>
           <a:srgbClr val="000000"/>
         </a:solidFill>
@@ -93,7 +94,7 @@
         <a:sym typeface="Arial"/>
       </a:defRPr>
     </a:lvl2pPr>
-    <a:lvl3pPr lvl="2" marR="0" rtl="0" algn="l">
+    <a:lvl3pPr marR="0" lvl="2" algn="l" rtl="0">
       <a:lnSpc>
         <a:spcPct val="100000"/>
       </a:lnSpc>
@@ -104,7 +105,7 @@
         <a:spcPts val="0"/>
       </a:spcAft>
       <a:buNone/>
-      <a:defRPr b="0" i="0" sz="1400" u="none" cap="none" strike="noStrike">
+      <a:defRPr sz="1400" b="0" i="0" u="none" strike="noStrike" cap="none">
         <a:solidFill>
           <a:srgbClr val="000000"/>
         </a:solidFill>
@@ -114,7 +115,7 @@
         <a:sym typeface="Arial"/>
       </a:defRPr>
     </a:lvl3pPr>
-    <a:lvl4pPr lvl="3" marR="0" rtl="0" algn="l">
+    <a:lvl4pPr marR="0" lvl="3" algn="l" rtl="0">
       <a:lnSpc>
         <a:spcPct val="100000"/>
       </a:lnSpc>
@@ -125,7 +126,7 @@
         <a:spcPts val="0"/>
       </a:spcAft>
       <a:buNone/>
-      <a:defRPr b="0" i="0" sz="1400" u="none" cap="none" strike="noStrike">
+      <a:defRPr sz="1400" b="0" i="0" u="none" strike="noStrike" cap="none">
         <a:solidFill>
           <a:srgbClr val="000000"/>
         </a:solidFill>
@@ -135,7 +136,7 @@
         <a:sym typeface="Arial"/>
       </a:defRPr>
     </a:lvl4pPr>
-    <a:lvl5pPr lvl="4" marR="0" rtl="0" algn="l">
+    <a:lvl5pPr marR="0" lvl="4" algn="l" rtl="0">
       <a:lnSpc>
         <a:spcPct val="100000"/>
       </a:lnSpc>
@@ -146,7 +147,7 @@
         <a:spcPts val="0"/>
       </a:spcAft>
       <a:buNone/>
-      <a:defRPr b="0" i="0" sz="1400" u="none" cap="none" strike="noStrike">
+      <a:defRPr sz="1400" b="0" i="0" u="none" strike="noStrike" cap="none">
         <a:solidFill>
           <a:srgbClr val="000000"/>
         </a:solidFill>
@@ -156,7 +157,7 @@
         <a:sym typeface="Arial"/>
       </a:defRPr>
     </a:lvl5pPr>
-    <a:lvl6pPr lvl="5" marR="0" rtl="0" algn="l">
+    <a:lvl6pPr marR="0" lvl="5" algn="l" rtl="0">
       <a:lnSpc>
         <a:spcPct val="100000"/>
       </a:lnSpc>
@@ -167,7 +168,7 @@
         <a:spcPts val="0"/>
       </a:spcAft>
       <a:buNone/>
-      <a:defRPr b="0" i="0" sz="1400" u="none" cap="none" strike="noStrike">
+      <a:defRPr sz="1400" b="0" i="0" u="none" strike="noStrike" cap="none">
         <a:solidFill>
           <a:srgbClr val="000000"/>
         </a:solidFill>
@@ -177,7 +178,7 @@
         <a:sym typeface="Arial"/>
       </a:defRPr>
     </a:lvl6pPr>
-    <a:lvl7pPr lvl="6" marR="0" rtl="0" algn="l">
+    <a:lvl7pPr marR="0" lvl="6" algn="l" rtl="0">
       <a:lnSpc>
         <a:spcPct val="100000"/>
       </a:lnSpc>
@@ -188,7 +189,7 @@
         <a:spcPts val="0"/>
       </a:spcAft>
       <a:buNone/>
-      <a:defRPr b="0" i="0" sz="1400" u="none" cap="none" strike="noStrike">
+      <a:defRPr sz="1400" b="0" i="0" u="none" strike="noStrike" cap="none">
         <a:solidFill>
           <a:srgbClr val="000000"/>
         </a:solidFill>
@@ -198,7 +199,7 @@
         <a:sym typeface="Arial"/>
       </a:defRPr>
     </a:lvl7pPr>
-    <a:lvl8pPr lvl="7" marR="0" rtl="0" algn="l">
+    <a:lvl8pPr marR="0" lvl="7" algn="l" rtl="0">
       <a:lnSpc>
         <a:spcPct val="100000"/>
       </a:lnSpc>
@@ -209,7 +210,7 @@
         <a:spcPts val="0"/>
       </a:spcAft>
       <a:buNone/>
-      <a:defRPr b="0" i="0" sz="1400" u="none" cap="none" strike="noStrike">
+      <a:defRPr sz="1400" b="0" i="0" u="none" strike="noStrike" cap="none">
         <a:solidFill>
           <a:srgbClr val="000000"/>
         </a:solidFill>
@@ -219,7 +220,7 @@
         <a:sym typeface="Arial"/>
       </a:defRPr>
     </a:lvl8pPr>
-    <a:lvl9pPr lvl="8" marR="0" rtl="0" algn="l">
+    <a:lvl9pPr marR="0" lvl="8" algn="l" rtl="0">
       <a:lnSpc>
         <a:spcPct val="100000"/>
       </a:lnSpc>
@@ -230,7 +231,7 @@
         <a:spcPts val="0"/>
       </a:spcAft>
       <a:buNone/>
-      <a:defRPr b="0" i="0" sz="1400" u="none" cap="none" strike="noStrike">
+      <a:defRPr sz="1400" b="0" i="0" u="none" strike="noStrike" cap="none">
         <a:solidFill>
           <a:srgbClr val="000000"/>
         </a:solidFill>
@@ -241,15 +242,29 @@
       </a:defRPr>
     </a:lvl9pPr>
   </p:defaultTextStyle>
+  <p:extLst>
+    <p:ext uri="{EFAFB233-063F-42B5-8137-9DF3F51BA10A}">
+      <p15:sldGuideLst xmlns:p15="http://schemas.microsoft.com/office/powerpoint/2012/main"/>
+    </p:ext>
+  </p:extLst>
 </p:presentation>
 </file>
 
+<file path=ppt/revisionInfo.xml><?xml version="1.0" encoding="utf-8"?>
+<p1510:revInfo xmlns:a="http://schemas.openxmlformats.org/drawingml/2006/main" xmlns:r="http://schemas.openxmlformats.org/officeDocument/2006/relationships" xmlns:p1510="http://schemas.microsoft.com/office/powerpoint/2015/10/main"/>
+</file>
+
 <file path=ppt/notesMasters/notesMaster1.xml><?xml version="1.0" encoding="utf-8"?>
-<p:notesMaster xmlns:a="http://schemas.openxmlformats.org/drawingml/2006/main" xmlns:r="http://schemas.openxmlformats.org/officeDocument/2006/relationships" xmlns:mc="http://schemas.openxmlformats.org/markup-compatibility/2006" xmlns:mv="urn:schemas-microsoft-com:mac:vml" xmlns:p="http://schemas.openxmlformats.org/presentationml/2006/main" xmlns:c="http://schemas.openxmlformats.org/drawingml/2006/chart" xmlns:dgm="http://schemas.openxmlformats.org/drawingml/2006/diagram" xmlns:o="urn:schemas-microsoft-com:office:office" xmlns:v="urn:schemas-microsoft-com:vml" xmlns:pvml="urn:schemas-microsoft-com:office:powerpoint" xmlns:com="http://schemas.openxmlformats.org/drawingml/2006/compatibility" xmlns:p14="http://schemas.microsoft.com/office/powerpoint/2010/main" xmlns:p15="http://schemas.microsoft.com/office/powerpoint/2012/main">
+<p:notesMaster xmlns:a="http://schemas.openxmlformats.org/drawingml/2006/main" xmlns:r="http://schemas.openxmlformats.org/officeDocument/2006/relationships" xmlns:p="http://schemas.openxmlformats.org/presentationml/2006/main">
   <p:cSld>
+    <p:bg>
+      <p:bgRef idx="1001">
+        <a:schemeClr val="bg1"/>
+      </p:bgRef>
+    </p:bg>
     <p:spTree>
       <p:nvGrpSpPr>
-        <p:cNvPr id="2" name="Shape 2"/>
+        <p:cNvPr id="1" name="Shape 2"/>
         <p:cNvGrpSpPr/>
         <p:nvPr/>
       </p:nvGrpSpPr>
@@ -264,9 +279,11 @@
       <p:sp>
         <p:nvSpPr>
           <p:cNvPr id="3" name="Shape 3"/>
-          <p:cNvSpPr/>
+          <p:cNvSpPr>
+            <a:spLocks noGrp="1" noRot="1" noChangeAspect="1"/>
+          </p:cNvSpPr>
           <p:nvPr>
-            <p:ph idx="2" type="sldImg"/>
+            <p:ph type="sldImg" idx="2"/>
           </p:nvPr>
         </p:nvSpPr>
         <p:spPr>
@@ -275,8 +292,13 @@
             <a:ext cx="6096075" cy="3429000"/>
           </a:xfrm>
           <a:custGeom>
+            <a:avLst/>
+            <a:gdLst/>
+            <a:ahLst/>
+            <a:cxnLst/>
+            <a:rect l="0" t="0" r="0" b="0"/>
             <a:pathLst>
-              <a:path extrusionOk="0" h="120000" w="120000">
+              <a:path w="120000" h="120000" extrusionOk="0">
                 <a:moveTo>
                   <a:pt x="0" y="0"/>
                 </a:moveTo>
@@ -294,23 +316,25 @@
             </a:pathLst>
           </a:custGeom>
           <a:noFill/>
-          <a:ln cap="flat" cmpd="sng" w="9525">
+          <a:ln w="9525" cap="flat" cmpd="sng">
             <a:solidFill>
               <a:srgbClr val="000000"/>
             </a:solidFill>
             <a:prstDash val="solid"/>
             <a:round/>
-            <a:headEnd len="med" w="med" type="none"/>
-            <a:tailEnd len="med" w="med" type="none"/>
+            <a:headEnd type="none" w="med" len="med"/>
+            <a:tailEnd type="none" w="med" len="med"/>
           </a:ln>
         </p:spPr>
       </p:sp>
       <p:sp>
         <p:nvSpPr>
           <p:cNvPr id="4" name="Shape 4"/>
-          <p:cNvSpPr txBox="1"/>
+          <p:cNvSpPr txBox="1">
+            <a:spLocks noGrp="1"/>
+          </p:cNvSpPr>
           <p:nvPr>
-            <p:ph idx="1" type="body"/>
+            <p:ph type="body" idx="1"/>
           </p:nvPr>
         </p:nvSpPr>
         <p:spPr>
@@ -327,7 +351,7 @@
           </a:ln>
         </p:spPr>
         <p:txBody>
-          <a:bodyPr anchorCtr="0" anchor="t" bIns="91425" lIns="91425" rIns="91425" wrap="square" tIns="91425"/>
+          <a:bodyPr wrap="square" lIns="91425" tIns="91425" rIns="91425" bIns="91425" anchor="t" anchorCtr="0"/>
           <a:lstStyle>
             <a:lvl1pPr lvl="0">
               <a:spcBef>
@@ -402,21 +426,115 @@
               <a:defRPr sz="1100"/>
             </a:lvl9pPr>
           </a:lstStyle>
-          <a:p/>
+          <a:p>
+            <a:endParaRPr/>
+          </a:p>
         </p:txBody>
       </p:sp>
     </p:spTree>
   </p:cSld>
-  <p:clrMap accent1="accent1" accent2="accent2" accent3="accent3" accent4="accent4" accent5="accent5" accent6="accent6" bg1="lt1" bg2="dk2" tx1="dk1" tx2="lt2" folHlink="folHlink" hlink="hlink"/>
+  <p:clrMap bg1="lt1" tx1="dk1" bg2="dk2" tx2="lt2" accent1="accent1" accent2="accent2" accent3="accent3" accent4="accent4" accent5="accent5" accent6="accent6" hlink="hlink" folHlink="folHlink"/>
+  <p:notesStyle>
+    <a:lvl1pPr marL="0" algn="l" defTabSz="914400" rtl="0" eaLnBrk="1" latinLnBrk="0" hangingPunct="1">
+      <a:defRPr sz="1200" kern="1200">
+        <a:solidFill>
+          <a:schemeClr val="tx1"/>
+        </a:solidFill>
+        <a:latin typeface="+mn-lt"/>
+        <a:ea typeface="+mn-ea"/>
+        <a:cs typeface="+mn-cs"/>
+      </a:defRPr>
+    </a:lvl1pPr>
+    <a:lvl2pPr marL="457200" algn="l" defTabSz="914400" rtl="0" eaLnBrk="1" latinLnBrk="0" hangingPunct="1">
+      <a:defRPr sz="1200" kern="1200">
+        <a:solidFill>
+          <a:schemeClr val="tx1"/>
+        </a:solidFill>
+        <a:latin typeface="+mn-lt"/>
+        <a:ea typeface="+mn-ea"/>
+        <a:cs typeface="+mn-cs"/>
+      </a:defRPr>
+    </a:lvl2pPr>
+    <a:lvl3pPr marL="914400" algn="l" defTabSz="914400" rtl="0" eaLnBrk="1" latinLnBrk="0" hangingPunct="1">
+      <a:defRPr sz="1200" kern="1200">
+        <a:solidFill>
+          <a:schemeClr val="tx1"/>
+        </a:solidFill>
+        <a:latin typeface="+mn-lt"/>
+        <a:ea typeface="+mn-ea"/>
+        <a:cs typeface="+mn-cs"/>
+      </a:defRPr>
+    </a:lvl3pPr>
+    <a:lvl4pPr marL="1371600" algn="l" defTabSz="914400" rtl="0" eaLnBrk="1" latinLnBrk="0" hangingPunct="1">
+      <a:defRPr sz="1200" kern="1200">
+        <a:solidFill>
+          <a:schemeClr val="tx1"/>
+        </a:solidFill>
+        <a:latin typeface="+mn-lt"/>
+        <a:ea typeface="+mn-ea"/>
+        <a:cs typeface="+mn-cs"/>
+      </a:defRPr>
+    </a:lvl4pPr>
+    <a:lvl5pPr marL="1828800" algn="l" defTabSz="914400" rtl="0" eaLnBrk="1" latinLnBrk="0" hangingPunct="1">
+      <a:defRPr sz="1200" kern="1200">
+        <a:solidFill>
+          <a:schemeClr val="tx1"/>
+        </a:solidFill>
+        <a:latin typeface="+mn-lt"/>
+        <a:ea typeface="+mn-ea"/>
+        <a:cs typeface="+mn-cs"/>
+      </a:defRPr>
+    </a:lvl5pPr>
+    <a:lvl6pPr marL="2286000" algn="l" defTabSz="914400" rtl="0" eaLnBrk="1" latinLnBrk="0" hangingPunct="1">
+      <a:defRPr sz="1200" kern="1200">
+        <a:solidFill>
+          <a:schemeClr val="tx1"/>
+        </a:solidFill>
+        <a:latin typeface="+mn-lt"/>
+        <a:ea typeface="+mn-ea"/>
+        <a:cs typeface="+mn-cs"/>
+      </a:defRPr>
+    </a:lvl6pPr>
+    <a:lvl7pPr marL="2743200" algn="l" defTabSz="914400" rtl="0" eaLnBrk="1" latinLnBrk="0" hangingPunct="1">
+      <a:defRPr sz="1200" kern="1200">
+        <a:solidFill>
+          <a:schemeClr val="tx1"/>
+        </a:solidFill>
+        <a:latin typeface="+mn-lt"/>
+        <a:ea typeface="+mn-ea"/>
+        <a:cs typeface="+mn-cs"/>
+      </a:defRPr>
+    </a:lvl7pPr>
+    <a:lvl8pPr marL="3200400" algn="l" defTabSz="914400" rtl="0" eaLnBrk="1" latinLnBrk="0" hangingPunct="1">
+      <a:defRPr sz="1200" kern="1200">
+        <a:solidFill>
+          <a:schemeClr val="tx1"/>
+        </a:solidFill>
+        <a:latin typeface="+mn-lt"/>
+        <a:ea typeface="+mn-ea"/>
+        <a:cs typeface="+mn-cs"/>
+      </a:defRPr>
+    </a:lvl8pPr>
+    <a:lvl9pPr marL="3657600" algn="l" defTabSz="914400" rtl="0" eaLnBrk="1" latinLnBrk="0" hangingPunct="1">
+      <a:defRPr sz="1200" kern="1200">
+        <a:solidFill>
+          <a:schemeClr val="tx1"/>
+        </a:solidFill>
+        <a:latin typeface="+mn-lt"/>
+        <a:ea typeface="+mn-ea"/>
+        <a:cs typeface="+mn-cs"/>
+      </a:defRPr>
+    </a:lvl9pPr>
+  </p:notesStyle>
 </p:notesMaster>
 </file>
 
 <file path=ppt/notesSlides/notesSlide1.xml><?xml version="1.0" encoding="utf-8"?>
-<p:notes xmlns:a="http://schemas.openxmlformats.org/drawingml/2006/main" xmlns:r="http://schemas.openxmlformats.org/officeDocument/2006/relationships" xmlns:mc="http://schemas.openxmlformats.org/markup-compatibility/2006" xmlns:mv="urn:schemas-microsoft-com:mac:vml" xmlns:p="http://schemas.openxmlformats.org/presentationml/2006/main" xmlns:c="http://schemas.openxmlformats.org/drawingml/2006/chart" xmlns:dgm="http://schemas.openxmlformats.org/drawingml/2006/diagram" xmlns:o="urn:schemas-microsoft-com:office:office" xmlns:v="urn:schemas-microsoft-com:vml" xmlns:pvml="urn:schemas-microsoft-com:office:powerpoint" xmlns:com="http://schemas.openxmlformats.org/drawingml/2006/compatibility" xmlns:p14="http://schemas.microsoft.com/office/powerpoint/2010/main" xmlns:p15="http://schemas.microsoft.com/office/powerpoint/2012/main" showMasterPhAnim="0" showMasterSp="0">
+<p:notes xmlns:a="http://schemas.openxmlformats.org/drawingml/2006/main" xmlns:r="http://schemas.openxmlformats.org/officeDocument/2006/relationships" xmlns:p="http://schemas.openxmlformats.org/presentationml/2006/main" showMasterSp="0" showMasterPhAnim="0">
   <p:cSld>
     <p:spTree>
       <p:nvGrpSpPr>
-        <p:cNvPr id="130" name="Shape 130"/>
+        <p:cNvPr id="1" name="Shape 130"/>
         <p:cNvGrpSpPr/>
         <p:nvPr/>
       </p:nvGrpSpPr>
@@ -431,9 +549,11 @@
       <p:sp>
         <p:nvSpPr>
           <p:cNvPr id="131" name="Shape 131"/>
-          <p:cNvSpPr/>
+          <p:cNvSpPr>
+            <a:spLocks noGrp="1" noRot="1" noChangeAspect="1"/>
+          </p:cNvSpPr>
           <p:nvPr>
-            <p:ph idx="2" type="sldImg"/>
+            <p:ph type="sldImg" idx="2"/>
           </p:nvPr>
         </p:nvSpPr>
         <p:spPr>
@@ -442,8 +562,13 @@
             <a:ext cx="6096075" cy="3429000"/>
           </a:xfrm>
           <a:custGeom>
+            <a:avLst/>
+            <a:gdLst/>
+            <a:ahLst/>
+            <a:cxnLst/>
+            <a:rect l="0" t="0" r="0" b="0"/>
             <a:pathLst>
-              <a:path extrusionOk="0" h="120000" w="120000">
+              <a:path w="120000" h="120000" extrusionOk="0">
                 <a:moveTo>
                   <a:pt x="0" y="0"/>
                 </a:moveTo>
@@ -465,9 +590,11 @@
       <p:sp>
         <p:nvSpPr>
           <p:cNvPr id="132" name="Shape 132"/>
-          <p:cNvSpPr txBox="1"/>
+          <p:cNvSpPr txBox="1">
+            <a:spLocks noGrp="1"/>
+          </p:cNvSpPr>
           <p:nvPr>
-            <p:ph idx="1" type="body"/>
+            <p:ph type="body" idx="1"/>
           </p:nvPr>
         </p:nvSpPr>
         <p:spPr>
@@ -480,7 +607,7 @@
           </a:prstGeom>
         </p:spPr>
         <p:txBody>
-          <a:bodyPr anchorCtr="0" anchor="t" bIns="91425" lIns="91425" rIns="91425" wrap="square" tIns="91425">
+          <a:bodyPr wrap="square" lIns="91425" tIns="91425" rIns="91425" bIns="91425" anchor="t" anchorCtr="0">
             <a:noAutofit/>
           </a:bodyPr>
           <a:lstStyle/>
@@ -491,9 +618,6 @@
               </a:spcBef>
               <a:buNone/>
             </a:pPr>
-            <a:r>
-              <a:t/>
-            </a:r>
             <a:endParaRPr/>
           </a:p>
         </p:txBody>
@@ -507,11 +631,11 @@
 </file>
 
 <file path=ppt/notesSlides/notesSlide10.xml><?xml version="1.0" encoding="utf-8"?>
-<p:notes xmlns:a="http://schemas.openxmlformats.org/drawingml/2006/main" xmlns:r="http://schemas.openxmlformats.org/officeDocument/2006/relationships" xmlns:mc="http://schemas.openxmlformats.org/markup-compatibility/2006" xmlns:mv="urn:schemas-microsoft-com:mac:vml" xmlns:p="http://schemas.openxmlformats.org/presentationml/2006/main" xmlns:c="http://schemas.openxmlformats.org/drawingml/2006/chart" xmlns:dgm="http://schemas.openxmlformats.org/drawingml/2006/diagram" xmlns:o="urn:schemas-microsoft-com:office:office" xmlns:v="urn:schemas-microsoft-com:vml" xmlns:pvml="urn:schemas-microsoft-com:office:powerpoint" xmlns:com="http://schemas.openxmlformats.org/drawingml/2006/compatibility" xmlns:p14="http://schemas.microsoft.com/office/powerpoint/2010/main" xmlns:p15="http://schemas.microsoft.com/office/powerpoint/2012/main" showMasterPhAnim="0" showMasterSp="0">
+<p:notes xmlns:a="http://schemas.openxmlformats.org/drawingml/2006/main" xmlns:r="http://schemas.openxmlformats.org/officeDocument/2006/relationships" xmlns:p="http://schemas.openxmlformats.org/presentationml/2006/main" showMasterSp="0" showMasterPhAnim="0">
   <p:cSld>
     <p:spTree>
       <p:nvGrpSpPr>
-        <p:cNvPr id="186" name="Shape 186"/>
+        <p:cNvPr id="1" name="Shape 186"/>
         <p:cNvGrpSpPr/>
         <p:nvPr/>
       </p:nvGrpSpPr>
@@ -526,19 +650,26 @@
       <p:sp>
         <p:nvSpPr>
           <p:cNvPr id="187" name="Shape 187"/>
-          <p:cNvSpPr/>
+          <p:cNvSpPr>
+            <a:spLocks noGrp="1" noRot="1" noChangeAspect="1"/>
+          </p:cNvSpPr>
           <p:nvPr>
-            <p:ph idx="2" type="sldImg"/>
+            <p:ph type="sldImg" idx="2"/>
           </p:nvPr>
         </p:nvSpPr>
         <p:spPr>
           <a:xfrm>
-            <a:off x="381300" y="685800"/>
+            <a:off x="381000" y="685800"/>
             <a:ext cx="6096000" cy="3429000"/>
           </a:xfrm>
           <a:custGeom>
+            <a:avLst/>
+            <a:gdLst/>
+            <a:ahLst/>
+            <a:cxnLst/>
+            <a:rect l="0" t="0" r="0" b="0"/>
             <a:pathLst>
-              <a:path extrusionOk="0" h="120000" w="120000">
+              <a:path w="120000" h="120000" extrusionOk="0">
                 <a:moveTo>
                   <a:pt x="0" y="0"/>
                 </a:moveTo>
@@ -560,9 +691,11 @@
       <p:sp>
         <p:nvSpPr>
           <p:cNvPr id="188" name="Shape 188"/>
-          <p:cNvSpPr txBox="1"/>
+          <p:cNvSpPr txBox="1">
+            <a:spLocks noGrp="1"/>
+          </p:cNvSpPr>
           <p:nvPr>
-            <p:ph idx="1" type="body"/>
+            <p:ph type="body" idx="1"/>
           </p:nvPr>
         </p:nvSpPr>
         <p:spPr>
@@ -575,7 +708,7 @@
           </a:prstGeom>
         </p:spPr>
         <p:txBody>
-          <a:bodyPr anchorCtr="0" anchor="t" bIns="91425" lIns="91425" rIns="91425" wrap="square" tIns="91425">
+          <a:bodyPr wrap="square" lIns="91425" tIns="91425" rIns="91425" bIns="91425" anchor="t" anchorCtr="0">
             <a:noAutofit/>
           </a:bodyPr>
           <a:lstStyle/>
@@ -586,9 +719,6 @@
               </a:spcBef>
               <a:buNone/>
             </a:pPr>
-            <a:r>
-              <a:t/>
-            </a:r>
             <a:endParaRPr/>
           </a:p>
         </p:txBody>
@@ -602,11 +732,11 @@
 </file>
 
 <file path=ppt/notesSlides/notesSlide11.xml><?xml version="1.0" encoding="utf-8"?>
-<p:notes xmlns:a="http://schemas.openxmlformats.org/drawingml/2006/main" xmlns:r="http://schemas.openxmlformats.org/officeDocument/2006/relationships" xmlns:mc="http://schemas.openxmlformats.org/markup-compatibility/2006" xmlns:mv="urn:schemas-microsoft-com:mac:vml" xmlns:p="http://schemas.openxmlformats.org/presentationml/2006/main" xmlns:c="http://schemas.openxmlformats.org/drawingml/2006/chart" xmlns:dgm="http://schemas.openxmlformats.org/drawingml/2006/diagram" xmlns:o="urn:schemas-microsoft-com:office:office" xmlns:v="urn:schemas-microsoft-com:vml" xmlns:pvml="urn:schemas-microsoft-com:office:powerpoint" xmlns:com="http://schemas.openxmlformats.org/drawingml/2006/compatibility" xmlns:p14="http://schemas.microsoft.com/office/powerpoint/2010/main" xmlns:p15="http://schemas.microsoft.com/office/powerpoint/2012/main" showMasterPhAnim="0" showMasterSp="0">
+<p:notes xmlns:a="http://schemas.openxmlformats.org/drawingml/2006/main" xmlns:r="http://schemas.openxmlformats.org/officeDocument/2006/relationships" xmlns:p="http://schemas.openxmlformats.org/presentationml/2006/main" showMasterSp="0" showMasterPhAnim="0">
   <p:cSld>
     <p:spTree>
       <p:nvGrpSpPr>
-        <p:cNvPr id="193" name="Shape 193"/>
+        <p:cNvPr id="1" name="Shape 193"/>
         <p:cNvGrpSpPr/>
         <p:nvPr/>
       </p:nvGrpSpPr>
@@ -621,19 +751,26 @@
       <p:sp>
         <p:nvSpPr>
           <p:cNvPr id="194" name="Shape 194"/>
-          <p:cNvSpPr/>
+          <p:cNvSpPr>
+            <a:spLocks noGrp="1" noRot="1" noChangeAspect="1"/>
+          </p:cNvSpPr>
           <p:nvPr>
-            <p:ph idx="2" type="sldImg"/>
+            <p:ph type="sldImg" idx="2"/>
           </p:nvPr>
         </p:nvSpPr>
         <p:spPr>
           <a:xfrm>
-            <a:off x="381300" y="685800"/>
+            <a:off x="381000" y="685800"/>
             <a:ext cx="6096000" cy="3429000"/>
           </a:xfrm>
           <a:custGeom>
+            <a:avLst/>
+            <a:gdLst/>
+            <a:ahLst/>
+            <a:cxnLst/>
+            <a:rect l="0" t="0" r="0" b="0"/>
             <a:pathLst>
-              <a:path extrusionOk="0" h="120000" w="120000">
+              <a:path w="120000" h="120000" extrusionOk="0">
                 <a:moveTo>
                   <a:pt x="0" y="0"/>
                 </a:moveTo>
@@ -655,9 +792,11 @@
       <p:sp>
         <p:nvSpPr>
           <p:cNvPr id="195" name="Shape 195"/>
-          <p:cNvSpPr txBox="1"/>
+          <p:cNvSpPr txBox="1">
+            <a:spLocks noGrp="1"/>
+          </p:cNvSpPr>
           <p:nvPr>
-            <p:ph idx="1" type="body"/>
+            <p:ph type="body" idx="1"/>
           </p:nvPr>
         </p:nvSpPr>
         <p:spPr>
@@ -670,7 +809,7 @@
           </a:prstGeom>
         </p:spPr>
         <p:txBody>
-          <a:bodyPr anchorCtr="0" anchor="t" bIns="91425" lIns="91425" rIns="91425" wrap="square" tIns="91425">
+          <a:bodyPr wrap="square" lIns="91425" tIns="91425" rIns="91425" bIns="91425" anchor="t" anchorCtr="0">
             <a:noAutofit/>
           </a:bodyPr>
           <a:lstStyle/>
@@ -681,9 +820,6 @@
               </a:spcBef>
               <a:buNone/>
             </a:pPr>
-            <a:r>
-              <a:t/>
-            </a:r>
             <a:endParaRPr/>
           </a:p>
         </p:txBody>
@@ -697,11 +833,11 @@
 </file>
 
 <file path=ppt/notesSlides/notesSlide12.xml><?xml version="1.0" encoding="utf-8"?>
-<p:notes xmlns:a="http://schemas.openxmlformats.org/drawingml/2006/main" xmlns:r="http://schemas.openxmlformats.org/officeDocument/2006/relationships" xmlns:mc="http://schemas.openxmlformats.org/markup-compatibility/2006" xmlns:mv="urn:schemas-microsoft-com:mac:vml" xmlns:p="http://schemas.openxmlformats.org/presentationml/2006/main" xmlns:c="http://schemas.openxmlformats.org/drawingml/2006/chart" xmlns:dgm="http://schemas.openxmlformats.org/drawingml/2006/diagram" xmlns:o="urn:schemas-microsoft-com:office:office" xmlns:v="urn:schemas-microsoft-com:vml" xmlns:pvml="urn:schemas-microsoft-com:office:powerpoint" xmlns:com="http://schemas.openxmlformats.org/drawingml/2006/compatibility" xmlns:p14="http://schemas.microsoft.com/office/powerpoint/2010/main" xmlns:p15="http://schemas.microsoft.com/office/powerpoint/2012/main" showMasterPhAnim="0" showMasterSp="0">
+<p:notes xmlns:a="http://schemas.openxmlformats.org/drawingml/2006/main" xmlns:r="http://schemas.openxmlformats.org/officeDocument/2006/relationships" xmlns:p="http://schemas.openxmlformats.org/presentationml/2006/main" showMasterSp="0" showMasterPhAnim="0">
   <p:cSld>
     <p:spTree>
       <p:nvGrpSpPr>
-        <p:cNvPr id="200" name="Shape 200"/>
+        <p:cNvPr id="1" name="Shape 200"/>
         <p:cNvGrpSpPr/>
         <p:nvPr/>
       </p:nvGrpSpPr>
@@ -716,19 +852,26 @@
       <p:sp>
         <p:nvSpPr>
           <p:cNvPr id="201" name="Shape 201"/>
-          <p:cNvSpPr/>
+          <p:cNvSpPr>
+            <a:spLocks noGrp="1" noRot="1" noChangeAspect="1"/>
+          </p:cNvSpPr>
           <p:nvPr>
-            <p:ph idx="2" type="sldImg"/>
+            <p:ph type="sldImg" idx="2"/>
           </p:nvPr>
         </p:nvSpPr>
         <p:spPr>
           <a:xfrm>
-            <a:off x="381300" y="685800"/>
+            <a:off x="381000" y="685800"/>
             <a:ext cx="6096000" cy="3429000"/>
           </a:xfrm>
           <a:custGeom>
+            <a:avLst/>
+            <a:gdLst/>
+            <a:ahLst/>
+            <a:cxnLst/>
+            <a:rect l="0" t="0" r="0" b="0"/>
             <a:pathLst>
-              <a:path extrusionOk="0" h="120000" w="120000">
+              <a:path w="120000" h="120000" extrusionOk="0">
                 <a:moveTo>
                   <a:pt x="0" y="0"/>
                 </a:moveTo>
@@ -750,9 +893,11 @@
       <p:sp>
         <p:nvSpPr>
           <p:cNvPr id="202" name="Shape 202"/>
-          <p:cNvSpPr txBox="1"/>
+          <p:cNvSpPr txBox="1">
+            <a:spLocks noGrp="1"/>
+          </p:cNvSpPr>
           <p:nvPr>
-            <p:ph idx="1" type="body"/>
+            <p:ph type="body" idx="1"/>
           </p:nvPr>
         </p:nvSpPr>
         <p:spPr>
@@ -765,7 +910,7 @@
           </a:prstGeom>
         </p:spPr>
         <p:txBody>
-          <a:bodyPr anchorCtr="0" anchor="t" bIns="91425" lIns="91425" rIns="91425" wrap="square" tIns="91425">
+          <a:bodyPr wrap="square" lIns="91425" tIns="91425" rIns="91425" bIns="91425" anchor="t" anchorCtr="0">
             <a:noAutofit/>
           </a:bodyPr>
           <a:lstStyle/>
@@ -776,9 +921,6 @@
               </a:spcBef>
               <a:buNone/>
             </a:pPr>
-            <a:r>
-              <a:t/>
-            </a:r>
             <a:endParaRPr/>
           </a:p>
         </p:txBody>
@@ -792,11 +934,11 @@
 </file>
 
 <file path=ppt/notesSlides/notesSlide2.xml><?xml version="1.0" encoding="utf-8"?>
-<p:notes xmlns:a="http://schemas.openxmlformats.org/drawingml/2006/main" xmlns:r="http://schemas.openxmlformats.org/officeDocument/2006/relationships" xmlns:mc="http://schemas.openxmlformats.org/markup-compatibility/2006" xmlns:mv="urn:schemas-microsoft-com:mac:vml" xmlns:p="http://schemas.openxmlformats.org/presentationml/2006/main" xmlns:c="http://schemas.openxmlformats.org/drawingml/2006/chart" xmlns:dgm="http://schemas.openxmlformats.org/drawingml/2006/diagram" xmlns:o="urn:schemas-microsoft-com:office:office" xmlns:v="urn:schemas-microsoft-com:vml" xmlns:pvml="urn:schemas-microsoft-com:office:powerpoint" xmlns:com="http://schemas.openxmlformats.org/drawingml/2006/compatibility" xmlns:p14="http://schemas.microsoft.com/office/powerpoint/2010/main" xmlns:p15="http://schemas.microsoft.com/office/powerpoint/2012/main" showMasterPhAnim="0" showMasterSp="0">
+<p:notes xmlns:a="http://schemas.openxmlformats.org/drawingml/2006/main" xmlns:r="http://schemas.openxmlformats.org/officeDocument/2006/relationships" xmlns:p="http://schemas.openxmlformats.org/presentationml/2006/main" showMasterSp="0" showMasterPhAnim="0">
   <p:cSld>
     <p:spTree>
       <p:nvGrpSpPr>
-        <p:cNvPr id="137" name="Shape 137"/>
+        <p:cNvPr id="1" name="Shape 137"/>
         <p:cNvGrpSpPr/>
         <p:nvPr/>
       </p:nvGrpSpPr>
@@ -811,9 +953,11 @@
       <p:sp>
         <p:nvSpPr>
           <p:cNvPr id="138" name="Shape 138"/>
-          <p:cNvSpPr/>
+          <p:cNvSpPr>
+            <a:spLocks noGrp="1" noRot="1" noChangeAspect="1"/>
+          </p:cNvSpPr>
           <p:nvPr>
-            <p:ph idx="2" type="sldImg"/>
+            <p:ph type="sldImg" idx="2"/>
           </p:nvPr>
         </p:nvSpPr>
         <p:spPr>
@@ -822,8 +966,13 @@
             <a:ext cx="6096000" cy="3429000"/>
           </a:xfrm>
           <a:custGeom>
+            <a:avLst/>
+            <a:gdLst/>
+            <a:ahLst/>
+            <a:cxnLst/>
+            <a:rect l="0" t="0" r="0" b="0"/>
             <a:pathLst>
-              <a:path extrusionOk="0" h="120000" w="120000">
+              <a:path w="120000" h="120000" extrusionOk="0">
                 <a:moveTo>
                   <a:pt x="0" y="0"/>
                 </a:moveTo>
@@ -845,9 +994,11 @@
       <p:sp>
         <p:nvSpPr>
           <p:cNvPr id="139" name="Shape 139"/>
-          <p:cNvSpPr txBox="1"/>
+          <p:cNvSpPr txBox="1">
+            <a:spLocks noGrp="1"/>
+          </p:cNvSpPr>
           <p:nvPr>
-            <p:ph idx="1" type="body"/>
+            <p:ph type="body" idx="1"/>
           </p:nvPr>
         </p:nvSpPr>
         <p:spPr>
@@ -860,7 +1011,7 @@
           </a:prstGeom>
         </p:spPr>
         <p:txBody>
-          <a:bodyPr anchorCtr="0" anchor="t" bIns="91425" lIns="91425" rIns="91425" wrap="square" tIns="91425">
+          <a:bodyPr wrap="square" lIns="91425" tIns="91425" rIns="91425" bIns="91425" anchor="t" anchorCtr="0">
             <a:noAutofit/>
           </a:bodyPr>
           <a:lstStyle/>
@@ -871,9 +1022,6 @@
               </a:spcBef>
               <a:buNone/>
             </a:pPr>
-            <a:r>
-              <a:t/>
-            </a:r>
             <a:endParaRPr/>
           </a:p>
         </p:txBody>
@@ -887,11 +1035,11 @@
 </file>
 
 <file path=ppt/notesSlides/notesSlide3.xml><?xml version="1.0" encoding="utf-8"?>
-<p:notes xmlns:a="http://schemas.openxmlformats.org/drawingml/2006/main" xmlns:r="http://schemas.openxmlformats.org/officeDocument/2006/relationships" xmlns:mc="http://schemas.openxmlformats.org/markup-compatibility/2006" xmlns:mv="urn:schemas-microsoft-com:mac:vml" xmlns:p="http://schemas.openxmlformats.org/presentationml/2006/main" xmlns:c="http://schemas.openxmlformats.org/drawingml/2006/chart" xmlns:dgm="http://schemas.openxmlformats.org/drawingml/2006/diagram" xmlns:o="urn:schemas-microsoft-com:office:office" xmlns:v="urn:schemas-microsoft-com:vml" xmlns:pvml="urn:schemas-microsoft-com:office:powerpoint" xmlns:com="http://schemas.openxmlformats.org/drawingml/2006/compatibility" xmlns:p14="http://schemas.microsoft.com/office/powerpoint/2010/main" xmlns:p15="http://schemas.microsoft.com/office/powerpoint/2012/main" showMasterPhAnim="0" showMasterSp="0">
+<p:notes xmlns:a="http://schemas.openxmlformats.org/drawingml/2006/main" xmlns:r="http://schemas.openxmlformats.org/officeDocument/2006/relationships" xmlns:p="http://schemas.openxmlformats.org/presentationml/2006/main" showMasterSp="0" showMasterPhAnim="0">
   <p:cSld>
     <p:spTree>
       <p:nvGrpSpPr>
-        <p:cNvPr id="143" name="Shape 143"/>
+        <p:cNvPr id="1" name="Shape 143"/>
         <p:cNvGrpSpPr/>
         <p:nvPr/>
       </p:nvGrpSpPr>
@@ -906,19 +1054,26 @@
       <p:sp>
         <p:nvSpPr>
           <p:cNvPr id="144" name="Shape 144"/>
-          <p:cNvSpPr/>
+          <p:cNvSpPr>
+            <a:spLocks noGrp="1" noRot="1" noChangeAspect="1"/>
+          </p:cNvSpPr>
           <p:nvPr>
-            <p:ph idx="2" type="sldImg"/>
+            <p:ph type="sldImg" idx="2"/>
           </p:nvPr>
         </p:nvSpPr>
         <p:spPr>
           <a:xfrm>
-            <a:off x="381300" y="685800"/>
+            <a:off x="381000" y="685800"/>
             <a:ext cx="6096000" cy="3429000"/>
           </a:xfrm>
           <a:custGeom>
+            <a:avLst/>
+            <a:gdLst/>
+            <a:ahLst/>
+            <a:cxnLst/>
+            <a:rect l="0" t="0" r="0" b="0"/>
             <a:pathLst>
-              <a:path extrusionOk="0" h="120000" w="120000">
+              <a:path w="120000" h="120000" extrusionOk="0">
                 <a:moveTo>
                   <a:pt x="0" y="0"/>
                 </a:moveTo>
@@ -940,9 +1095,11 @@
       <p:sp>
         <p:nvSpPr>
           <p:cNvPr id="145" name="Shape 145"/>
-          <p:cNvSpPr txBox="1"/>
+          <p:cNvSpPr txBox="1">
+            <a:spLocks noGrp="1"/>
+          </p:cNvSpPr>
           <p:nvPr>
-            <p:ph idx="1" type="body"/>
+            <p:ph type="body" idx="1"/>
           </p:nvPr>
         </p:nvSpPr>
         <p:spPr>
@@ -955,7 +1112,7 @@
           </a:prstGeom>
         </p:spPr>
         <p:txBody>
-          <a:bodyPr anchorCtr="0" anchor="t" bIns="91425" lIns="91425" rIns="91425" wrap="square" tIns="91425">
+          <a:bodyPr wrap="square" lIns="91425" tIns="91425" rIns="91425" bIns="91425" anchor="t" anchorCtr="0">
             <a:noAutofit/>
           </a:bodyPr>
           <a:lstStyle/>
@@ -966,9 +1123,6 @@
               </a:spcBef>
               <a:buNone/>
             </a:pPr>
-            <a:r>
-              <a:t/>
-            </a:r>
             <a:endParaRPr/>
           </a:p>
         </p:txBody>
@@ -982,11 +1136,11 @@
 </file>
 
 <file path=ppt/notesSlides/notesSlide4.xml><?xml version="1.0" encoding="utf-8"?>
-<p:notes xmlns:a="http://schemas.openxmlformats.org/drawingml/2006/main" xmlns:r="http://schemas.openxmlformats.org/officeDocument/2006/relationships" xmlns:mc="http://schemas.openxmlformats.org/markup-compatibility/2006" xmlns:mv="urn:schemas-microsoft-com:mac:vml" xmlns:p="http://schemas.openxmlformats.org/presentationml/2006/main" xmlns:c="http://schemas.openxmlformats.org/drawingml/2006/chart" xmlns:dgm="http://schemas.openxmlformats.org/drawingml/2006/diagram" xmlns:o="urn:schemas-microsoft-com:office:office" xmlns:v="urn:schemas-microsoft-com:vml" xmlns:pvml="urn:schemas-microsoft-com:office:powerpoint" xmlns:com="http://schemas.openxmlformats.org/drawingml/2006/compatibility" xmlns:p14="http://schemas.microsoft.com/office/powerpoint/2010/main" xmlns:p15="http://schemas.microsoft.com/office/powerpoint/2012/main" showMasterPhAnim="0" showMasterSp="0">
+<p:notes xmlns:a="http://schemas.openxmlformats.org/drawingml/2006/main" xmlns:r="http://schemas.openxmlformats.org/officeDocument/2006/relationships" xmlns:p="http://schemas.openxmlformats.org/presentationml/2006/main" showMasterSp="0" showMasterPhAnim="0">
   <p:cSld>
     <p:spTree>
       <p:nvGrpSpPr>
-        <p:cNvPr id="149" name="Shape 149"/>
+        <p:cNvPr id="1" name="Shape 149"/>
         <p:cNvGrpSpPr/>
         <p:nvPr/>
       </p:nvGrpSpPr>
@@ -1001,19 +1155,26 @@
       <p:sp>
         <p:nvSpPr>
           <p:cNvPr id="150" name="Shape 150"/>
-          <p:cNvSpPr/>
+          <p:cNvSpPr>
+            <a:spLocks noGrp="1" noRot="1" noChangeAspect="1"/>
+          </p:cNvSpPr>
           <p:nvPr>
-            <p:ph idx="2" type="sldImg"/>
+            <p:ph type="sldImg" idx="2"/>
           </p:nvPr>
         </p:nvSpPr>
         <p:spPr>
           <a:xfrm>
-            <a:off x="381300" y="685800"/>
+            <a:off x="381000" y="685800"/>
             <a:ext cx="6096000" cy="3429000"/>
           </a:xfrm>
           <a:custGeom>
+            <a:avLst/>
+            <a:gdLst/>
+            <a:ahLst/>
+            <a:cxnLst/>
+            <a:rect l="0" t="0" r="0" b="0"/>
             <a:pathLst>
-              <a:path extrusionOk="0" h="120000" w="120000">
+              <a:path w="120000" h="120000" extrusionOk="0">
                 <a:moveTo>
                   <a:pt x="0" y="0"/>
                 </a:moveTo>
@@ -1035,9 +1196,11 @@
       <p:sp>
         <p:nvSpPr>
           <p:cNvPr id="151" name="Shape 151"/>
-          <p:cNvSpPr txBox="1"/>
+          <p:cNvSpPr txBox="1">
+            <a:spLocks noGrp="1"/>
+          </p:cNvSpPr>
           <p:nvPr>
-            <p:ph idx="1" type="body"/>
+            <p:ph type="body" idx="1"/>
           </p:nvPr>
         </p:nvSpPr>
         <p:spPr>
@@ -1050,7 +1213,7 @@
           </a:prstGeom>
         </p:spPr>
         <p:txBody>
-          <a:bodyPr anchorCtr="0" anchor="t" bIns="91425" lIns="91425" rIns="91425" wrap="square" tIns="91425">
+          <a:bodyPr wrap="square" lIns="91425" tIns="91425" rIns="91425" bIns="91425" anchor="t" anchorCtr="0">
             <a:noAutofit/>
           </a:bodyPr>
           <a:lstStyle/>
@@ -1061,9 +1224,6 @@
               </a:spcBef>
               <a:buNone/>
             </a:pPr>
-            <a:r>
-              <a:t/>
-            </a:r>
             <a:endParaRPr/>
           </a:p>
         </p:txBody>
@@ -1077,11 +1237,11 @@
 </file>
 
 <file path=ppt/notesSlides/notesSlide5.xml><?xml version="1.0" encoding="utf-8"?>
-<p:notes xmlns:a="http://schemas.openxmlformats.org/drawingml/2006/main" xmlns:r="http://schemas.openxmlformats.org/officeDocument/2006/relationships" xmlns:mc="http://schemas.openxmlformats.org/markup-compatibility/2006" xmlns:mv="urn:schemas-microsoft-com:mac:vml" xmlns:p="http://schemas.openxmlformats.org/presentationml/2006/main" xmlns:c="http://schemas.openxmlformats.org/drawingml/2006/chart" xmlns:dgm="http://schemas.openxmlformats.org/drawingml/2006/diagram" xmlns:o="urn:schemas-microsoft-com:office:office" xmlns:v="urn:schemas-microsoft-com:vml" xmlns:pvml="urn:schemas-microsoft-com:office:powerpoint" xmlns:com="http://schemas.openxmlformats.org/drawingml/2006/compatibility" xmlns:p14="http://schemas.microsoft.com/office/powerpoint/2010/main" xmlns:p15="http://schemas.microsoft.com/office/powerpoint/2012/main" showMasterPhAnim="0" showMasterSp="0">
+<p:notes xmlns:a="http://schemas.openxmlformats.org/drawingml/2006/main" xmlns:r="http://schemas.openxmlformats.org/officeDocument/2006/relationships" xmlns:p="http://schemas.openxmlformats.org/presentationml/2006/main" showMasterSp="0" showMasterPhAnim="0">
   <p:cSld>
     <p:spTree>
       <p:nvGrpSpPr>
-        <p:cNvPr id="155" name="Shape 155"/>
+        <p:cNvPr id="1" name="Shape 155"/>
         <p:cNvGrpSpPr/>
         <p:nvPr/>
       </p:nvGrpSpPr>
@@ -1096,19 +1256,26 @@
       <p:sp>
         <p:nvSpPr>
           <p:cNvPr id="156" name="Shape 156"/>
-          <p:cNvSpPr/>
+          <p:cNvSpPr>
+            <a:spLocks noGrp="1" noRot="1" noChangeAspect="1"/>
+          </p:cNvSpPr>
           <p:nvPr>
-            <p:ph idx="2" type="sldImg"/>
+            <p:ph type="sldImg" idx="2"/>
           </p:nvPr>
         </p:nvSpPr>
         <p:spPr>
           <a:xfrm>
-            <a:off x="381300" y="685800"/>
+            <a:off x="381000" y="685800"/>
             <a:ext cx="6096000" cy="3429000"/>
           </a:xfrm>
           <a:custGeom>
+            <a:avLst/>
+            <a:gdLst/>
+            <a:ahLst/>
+            <a:cxnLst/>
+            <a:rect l="0" t="0" r="0" b="0"/>
             <a:pathLst>
-              <a:path extrusionOk="0" h="120000" w="120000">
+              <a:path w="120000" h="120000" extrusionOk="0">
                 <a:moveTo>
                   <a:pt x="0" y="0"/>
                 </a:moveTo>
@@ -1130,9 +1297,11 @@
       <p:sp>
         <p:nvSpPr>
           <p:cNvPr id="157" name="Shape 157"/>
-          <p:cNvSpPr txBox="1"/>
+          <p:cNvSpPr txBox="1">
+            <a:spLocks noGrp="1"/>
+          </p:cNvSpPr>
           <p:nvPr>
-            <p:ph idx="1" type="body"/>
+            <p:ph type="body" idx="1"/>
           </p:nvPr>
         </p:nvSpPr>
         <p:spPr>
@@ -1145,7 +1314,7 @@
           </a:prstGeom>
         </p:spPr>
         <p:txBody>
-          <a:bodyPr anchorCtr="0" anchor="t" bIns="91425" lIns="91425" rIns="91425" wrap="square" tIns="91425">
+          <a:bodyPr wrap="square" lIns="91425" tIns="91425" rIns="91425" bIns="91425" anchor="t" anchorCtr="0">
             <a:noAutofit/>
           </a:bodyPr>
           <a:lstStyle/>
@@ -1156,9 +1325,6 @@
               </a:spcBef>
               <a:buNone/>
             </a:pPr>
-            <a:r>
-              <a:t/>
-            </a:r>
             <a:endParaRPr/>
           </a:p>
         </p:txBody>
@@ -1172,11 +1338,11 @@
 </file>
 
 <file path=ppt/notesSlides/notesSlide6.xml><?xml version="1.0" encoding="utf-8"?>
-<p:notes xmlns:a="http://schemas.openxmlformats.org/drawingml/2006/main" xmlns:r="http://schemas.openxmlformats.org/officeDocument/2006/relationships" xmlns:mc="http://schemas.openxmlformats.org/markup-compatibility/2006" xmlns:mv="urn:schemas-microsoft-com:mac:vml" xmlns:p="http://schemas.openxmlformats.org/presentationml/2006/main" xmlns:c="http://schemas.openxmlformats.org/drawingml/2006/chart" xmlns:dgm="http://schemas.openxmlformats.org/drawingml/2006/diagram" xmlns:o="urn:schemas-microsoft-com:office:office" xmlns:v="urn:schemas-microsoft-com:vml" xmlns:pvml="urn:schemas-microsoft-com:office:powerpoint" xmlns:com="http://schemas.openxmlformats.org/drawingml/2006/compatibility" xmlns:p14="http://schemas.microsoft.com/office/powerpoint/2010/main" xmlns:p15="http://schemas.microsoft.com/office/powerpoint/2012/main" showMasterPhAnim="0" showMasterSp="0">
+<p:notes xmlns:a="http://schemas.openxmlformats.org/drawingml/2006/main" xmlns:r="http://schemas.openxmlformats.org/officeDocument/2006/relationships" xmlns:p="http://schemas.openxmlformats.org/presentationml/2006/main" showMasterSp="0" showMasterPhAnim="0">
   <p:cSld>
     <p:spTree>
       <p:nvGrpSpPr>
-        <p:cNvPr id="161" name="Shape 161"/>
+        <p:cNvPr id="1" name="Shape 161"/>
         <p:cNvGrpSpPr/>
         <p:nvPr/>
       </p:nvGrpSpPr>
@@ -1191,19 +1357,26 @@
       <p:sp>
         <p:nvSpPr>
           <p:cNvPr id="162" name="Shape 162"/>
-          <p:cNvSpPr/>
+          <p:cNvSpPr>
+            <a:spLocks noGrp="1" noRot="1" noChangeAspect="1"/>
+          </p:cNvSpPr>
           <p:nvPr>
-            <p:ph idx="2" type="sldImg"/>
+            <p:ph type="sldImg" idx="2"/>
           </p:nvPr>
         </p:nvSpPr>
         <p:spPr>
           <a:xfrm>
-            <a:off x="381300" y="685800"/>
+            <a:off x="381000" y="685800"/>
             <a:ext cx="6096000" cy="3429000"/>
           </a:xfrm>
           <a:custGeom>
+            <a:avLst/>
+            <a:gdLst/>
+            <a:ahLst/>
+            <a:cxnLst/>
+            <a:rect l="0" t="0" r="0" b="0"/>
             <a:pathLst>
-              <a:path extrusionOk="0" h="120000" w="120000">
+              <a:path w="120000" h="120000" extrusionOk="0">
                 <a:moveTo>
                   <a:pt x="0" y="0"/>
                 </a:moveTo>
@@ -1225,9 +1398,11 @@
       <p:sp>
         <p:nvSpPr>
           <p:cNvPr id="163" name="Shape 163"/>
-          <p:cNvSpPr txBox="1"/>
+          <p:cNvSpPr txBox="1">
+            <a:spLocks noGrp="1"/>
+          </p:cNvSpPr>
           <p:nvPr>
-            <p:ph idx="1" type="body"/>
+            <p:ph type="body" idx="1"/>
           </p:nvPr>
         </p:nvSpPr>
         <p:spPr>
@@ -1240,7 +1415,7 @@
           </a:prstGeom>
         </p:spPr>
         <p:txBody>
-          <a:bodyPr anchorCtr="0" anchor="t" bIns="91425" lIns="91425" rIns="91425" wrap="square" tIns="91425">
+          <a:bodyPr wrap="square" lIns="91425" tIns="91425" rIns="91425" bIns="91425" anchor="t" anchorCtr="0">
             <a:noAutofit/>
           </a:bodyPr>
           <a:lstStyle/>
@@ -1251,9 +1426,6 @@
               </a:spcBef>
               <a:buNone/>
             </a:pPr>
-            <a:r>
-              <a:t/>
-            </a:r>
             <a:endParaRPr/>
           </a:p>
         </p:txBody>
@@ -1267,11 +1439,11 @@
 </file>
 
 <file path=ppt/notesSlides/notesSlide7.xml><?xml version="1.0" encoding="utf-8"?>
-<p:notes xmlns:a="http://schemas.openxmlformats.org/drawingml/2006/main" xmlns:r="http://schemas.openxmlformats.org/officeDocument/2006/relationships" xmlns:mc="http://schemas.openxmlformats.org/markup-compatibility/2006" xmlns:mv="urn:schemas-microsoft-com:mac:vml" xmlns:p="http://schemas.openxmlformats.org/presentationml/2006/main" xmlns:c="http://schemas.openxmlformats.org/drawingml/2006/chart" xmlns:dgm="http://schemas.openxmlformats.org/drawingml/2006/diagram" xmlns:o="urn:schemas-microsoft-com:office:office" xmlns:v="urn:schemas-microsoft-com:vml" xmlns:pvml="urn:schemas-microsoft-com:office:powerpoint" xmlns:com="http://schemas.openxmlformats.org/drawingml/2006/compatibility" xmlns:p14="http://schemas.microsoft.com/office/powerpoint/2010/main" xmlns:p15="http://schemas.microsoft.com/office/powerpoint/2012/main" showMasterPhAnim="0" showMasterSp="0">
+<p:notes xmlns:a="http://schemas.openxmlformats.org/drawingml/2006/main" xmlns:r="http://schemas.openxmlformats.org/officeDocument/2006/relationships" xmlns:p="http://schemas.openxmlformats.org/presentationml/2006/main" showMasterSp="0" showMasterPhAnim="0">
   <p:cSld>
     <p:spTree>
       <p:nvGrpSpPr>
-        <p:cNvPr id="167" name="Shape 167"/>
+        <p:cNvPr id="1" name="Shape 167"/>
         <p:cNvGrpSpPr/>
         <p:nvPr/>
       </p:nvGrpSpPr>
@@ -1286,19 +1458,26 @@
       <p:sp>
         <p:nvSpPr>
           <p:cNvPr id="168" name="Shape 168"/>
-          <p:cNvSpPr/>
+          <p:cNvSpPr>
+            <a:spLocks noGrp="1" noRot="1" noChangeAspect="1"/>
+          </p:cNvSpPr>
           <p:nvPr>
-            <p:ph idx="2" type="sldImg"/>
+            <p:ph type="sldImg" idx="2"/>
           </p:nvPr>
         </p:nvSpPr>
         <p:spPr>
           <a:xfrm>
-            <a:off x="381300" y="685800"/>
+            <a:off x="381000" y="685800"/>
             <a:ext cx="6096000" cy="3429000"/>
           </a:xfrm>
           <a:custGeom>
+            <a:avLst/>
+            <a:gdLst/>
+            <a:ahLst/>
+            <a:cxnLst/>
+            <a:rect l="0" t="0" r="0" b="0"/>
             <a:pathLst>
-              <a:path extrusionOk="0" h="120000" w="120000">
+              <a:path w="120000" h="120000" extrusionOk="0">
                 <a:moveTo>
                   <a:pt x="0" y="0"/>
                 </a:moveTo>
@@ -1320,9 +1499,11 @@
       <p:sp>
         <p:nvSpPr>
           <p:cNvPr id="169" name="Shape 169"/>
-          <p:cNvSpPr txBox="1"/>
+          <p:cNvSpPr txBox="1">
+            <a:spLocks noGrp="1"/>
+          </p:cNvSpPr>
           <p:nvPr>
-            <p:ph idx="1" type="body"/>
+            <p:ph type="body" idx="1"/>
           </p:nvPr>
         </p:nvSpPr>
         <p:spPr>
@@ -1335,7 +1516,7 @@
           </a:prstGeom>
         </p:spPr>
         <p:txBody>
-          <a:bodyPr anchorCtr="0" anchor="t" bIns="91425" lIns="91425" rIns="91425" wrap="square" tIns="91425">
+          <a:bodyPr wrap="square" lIns="91425" tIns="91425" rIns="91425" bIns="91425" anchor="t" anchorCtr="0">
             <a:noAutofit/>
           </a:bodyPr>
           <a:lstStyle/>
@@ -1346,9 +1527,6 @@
               </a:spcBef>
               <a:buNone/>
             </a:pPr>
-            <a:r>
-              <a:t/>
-            </a:r>
             <a:endParaRPr/>
           </a:p>
         </p:txBody>
@@ -1362,11 +1540,11 @@
 </file>
 
 <file path=ppt/notesSlides/notesSlide8.xml><?xml version="1.0" encoding="utf-8"?>
-<p:notes xmlns:a="http://schemas.openxmlformats.org/drawingml/2006/main" xmlns:r="http://schemas.openxmlformats.org/officeDocument/2006/relationships" xmlns:mc="http://schemas.openxmlformats.org/markup-compatibility/2006" xmlns:mv="urn:schemas-microsoft-com:mac:vml" xmlns:p="http://schemas.openxmlformats.org/presentationml/2006/main" xmlns:c="http://schemas.openxmlformats.org/drawingml/2006/chart" xmlns:dgm="http://schemas.openxmlformats.org/drawingml/2006/diagram" xmlns:o="urn:schemas-microsoft-com:office:office" xmlns:v="urn:schemas-microsoft-com:vml" xmlns:pvml="urn:schemas-microsoft-com:office:powerpoint" xmlns:com="http://schemas.openxmlformats.org/drawingml/2006/compatibility" xmlns:p14="http://schemas.microsoft.com/office/powerpoint/2010/main" xmlns:p15="http://schemas.microsoft.com/office/powerpoint/2012/main" showMasterPhAnim="0" showMasterSp="0">
+<p:notes xmlns:a="http://schemas.openxmlformats.org/drawingml/2006/main" xmlns:r="http://schemas.openxmlformats.org/officeDocument/2006/relationships" xmlns:p="http://schemas.openxmlformats.org/presentationml/2006/main" showMasterSp="0" showMasterPhAnim="0">
   <p:cSld>
     <p:spTree>
       <p:nvGrpSpPr>
-        <p:cNvPr id="173" name="Shape 173"/>
+        <p:cNvPr id="1" name="Shape 173"/>
         <p:cNvGrpSpPr/>
         <p:nvPr/>
       </p:nvGrpSpPr>
@@ -1381,9 +1559,11 @@
       <p:sp>
         <p:nvSpPr>
           <p:cNvPr id="174" name="Shape 174"/>
-          <p:cNvSpPr/>
+          <p:cNvSpPr>
+            <a:spLocks noGrp="1" noRot="1" noChangeAspect="1"/>
+          </p:cNvSpPr>
           <p:nvPr>
-            <p:ph idx="2" type="sldImg"/>
+            <p:ph type="sldImg" idx="2"/>
           </p:nvPr>
         </p:nvSpPr>
         <p:spPr>
@@ -1392,8 +1572,13 @@
             <a:ext cx="6096000" cy="3429000"/>
           </a:xfrm>
           <a:custGeom>
+            <a:avLst/>
+            <a:gdLst/>
+            <a:ahLst/>
+            <a:cxnLst/>
+            <a:rect l="0" t="0" r="0" b="0"/>
             <a:pathLst>
-              <a:path extrusionOk="0" h="120000" w="120000">
+              <a:path w="120000" h="120000" extrusionOk="0">
                 <a:moveTo>
                   <a:pt x="0" y="0"/>
                 </a:moveTo>
@@ -1415,9 +1600,11 @@
       <p:sp>
         <p:nvSpPr>
           <p:cNvPr id="175" name="Shape 175"/>
-          <p:cNvSpPr txBox="1"/>
+          <p:cNvSpPr txBox="1">
+            <a:spLocks noGrp="1"/>
+          </p:cNvSpPr>
           <p:nvPr>
-            <p:ph idx="1" type="body"/>
+            <p:ph type="body" idx="1"/>
           </p:nvPr>
         </p:nvSpPr>
         <p:spPr>
@@ -1430,7 +1617,7 @@
           </a:prstGeom>
         </p:spPr>
         <p:txBody>
-          <a:bodyPr anchorCtr="0" anchor="t" bIns="91425" lIns="91425" rIns="91425" wrap="square" tIns="91425">
+          <a:bodyPr wrap="square" lIns="91425" tIns="91425" rIns="91425" bIns="91425" anchor="t" anchorCtr="0">
             <a:noAutofit/>
           </a:bodyPr>
           <a:lstStyle/>
@@ -1441,9 +1628,6 @@
               </a:spcBef>
               <a:buNone/>
             </a:pPr>
-            <a:r>
-              <a:t/>
-            </a:r>
             <a:endParaRPr/>
           </a:p>
         </p:txBody>
@@ -1457,11 +1641,11 @@
 </file>
 
 <file path=ppt/notesSlides/notesSlide9.xml><?xml version="1.0" encoding="utf-8"?>
-<p:notes xmlns:a="http://schemas.openxmlformats.org/drawingml/2006/main" xmlns:r="http://schemas.openxmlformats.org/officeDocument/2006/relationships" xmlns:mc="http://schemas.openxmlformats.org/markup-compatibility/2006" xmlns:mv="urn:schemas-microsoft-com:mac:vml" xmlns:p="http://schemas.openxmlformats.org/presentationml/2006/main" xmlns:c="http://schemas.openxmlformats.org/drawingml/2006/chart" xmlns:dgm="http://schemas.openxmlformats.org/drawingml/2006/diagram" xmlns:o="urn:schemas-microsoft-com:office:office" xmlns:v="urn:schemas-microsoft-com:vml" xmlns:pvml="urn:schemas-microsoft-com:office:powerpoint" xmlns:com="http://schemas.openxmlformats.org/drawingml/2006/compatibility" xmlns:p14="http://schemas.microsoft.com/office/powerpoint/2010/main" xmlns:p15="http://schemas.microsoft.com/office/powerpoint/2012/main" showMasterPhAnim="0" showMasterSp="0">
+<p:notes xmlns:a="http://schemas.openxmlformats.org/drawingml/2006/main" xmlns:r="http://schemas.openxmlformats.org/officeDocument/2006/relationships" xmlns:p="http://schemas.openxmlformats.org/presentationml/2006/main" showMasterSp="0" showMasterPhAnim="0">
   <p:cSld>
     <p:spTree>
       <p:nvGrpSpPr>
-        <p:cNvPr id="179" name="Shape 179"/>
+        <p:cNvPr id="1" name="Shape 179"/>
         <p:cNvGrpSpPr/>
         <p:nvPr/>
       </p:nvGrpSpPr>
@@ -1476,19 +1660,26 @@
       <p:sp>
         <p:nvSpPr>
           <p:cNvPr id="180" name="Shape 180"/>
-          <p:cNvSpPr/>
+          <p:cNvSpPr>
+            <a:spLocks noGrp="1" noRot="1" noChangeAspect="1"/>
+          </p:cNvSpPr>
           <p:nvPr>
-            <p:ph idx="2" type="sldImg"/>
+            <p:ph type="sldImg" idx="2"/>
           </p:nvPr>
         </p:nvSpPr>
         <p:spPr>
           <a:xfrm>
-            <a:off x="381300" y="685800"/>
+            <a:off x="381000" y="685800"/>
             <a:ext cx="6096000" cy="3429000"/>
           </a:xfrm>
           <a:custGeom>
+            <a:avLst/>
+            <a:gdLst/>
+            <a:ahLst/>
+            <a:cxnLst/>
+            <a:rect l="0" t="0" r="0" b="0"/>
             <a:pathLst>
-              <a:path extrusionOk="0" h="120000" w="120000">
+              <a:path w="120000" h="120000" extrusionOk="0">
                 <a:moveTo>
                   <a:pt x="0" y="0"/>
                 </a:moveTo>
@@ -1510,9 +1701,11 @@
       <p:sp>
         <p:nvSpPr>
           <p:cNvPr id="181" name="Shape 181"/>
-          <p:cNvSpPr txBox="1"/>
+          <p:cNvSpPr txBox="1">
+            <a:spLocks noGrp="1"/>
+          </p:cNvSpPr>
           <p:nvPr>
-            <p:ph idx="1" type="body"/>
+            <p:ph type="body" idx="1"/>
           </p:nvPr>
         </p:nvSpPr>
         <p:spPr>
@@ -1525,7 +1718,7 @@
           </a:prstGeom>
         </p:spPr>
         <p:txBody>
-          <a:bodyPr anchorCtr="0" anchor="t" bIns="91425" lIns="91425" rIns="91425" wrap="square" tIns="91425">
+          <a:bodyPr wrap="square" lIns="91425" tIns="91425" rIns="91425" bIns="91425" anchor="t" anchorCtr="0">
             <a:noAutofit/>
           </a:bodyPr>
           <a:lstStyle/>
@@ -1536,9 +1729,6 @@
               </a:spcBef>
               <a:buNone/>
             </a:pPr>
-            <a:r>
-              <a:t/>
-            </a:r>
             <a:endParaRPr/>
           </a:p>
         </p:txBody>
@@ -1552,11 +1742,11 @@
 </file>
 
 <file path=ppt/slideLayouts/slideLayout1.xml><?xml version="1.0" encoding="utf-8"?>
-<p:sldLayout xmlns:a="http://schemas.openxmlformats.org/drawingml/2006/main" xmlns:r="http://schemas.openxmlformats.org/officeDocument/2006/relationships" xmlns:mc="http://schemas.openxmlformats.org/markup-compatibility/2006" xmlns:mv="urn:schemas-microsoft-com:mac:vml" xmlns:p="http://schemas.openxmlformats.org/presentationml/2006/main" xmlns:c="http://schemas.openxmlformats.org/drawingml/2006/chart" xmlns:dgm="http://schemas.openxmlformats.org/drawingml/2006/diagram" xmlns:o="urn:schemas-microsoft-com:office:office" xmlns:v="urn:schemas-microsoft-com:vml" xmlns:pvml="urn:schemas-microsoft-com:office:powerpoint" xmlns:com="http://schemas.openxmlformats.org/drawingml/2006/compatibility" xmlns:p14="http://schemas.microsoft.com/office/powerpoint/2010/main" xmlns:p15="http://schemas.microsoft.com/office/powerpoint/2012/main" type="title">
+<p:sldLayout xmlns:a="http://schemas.openxmlformats.org/drawingml/2006/main" xmlns:r="http://schemas.openxmlformats.org/officeDocument/2006/relationships" xmlns:p="http://schemas.openxmlformats.org/presentationml/2006/main" type="title">
   <p:cSld name="Title slide">
     <p:spTree>
       <p:nvGrpSpPr>
-        <p:cNvPr id="9" name="Shape 9"/>
+        <p:cNvPr id="1" name="Shape 9"/>
         <p:cNvGrpSpPr/>
         <p:nvPr/>
       </p:nvGrpSpPr>
@@ -1581,7 +1771,7 @@
           </a:xfrm>
           <a:prstGeom prst="diagStripe">
             <a:avLst>
-              <a:gd fmla="val 0" name="adj"/>
+              <a:gd name="adj" fmla="val 0"/>
             </a:avLst>
           </a:prstGeom>
           <a:solidFill>
@@ -1594,7 +1784,7 @@
           </a:ln>
         </p:spPr>
         <p:txBody>
-          <a:bodyPr anchorCtr="0" anchor="ctr" bIns="91425" lIns="91425" rIns="91425" wrap="square" tIns="91425">
+          <a:bodyPr wrap="square" lIns="91425" tIns="91425" rIns="91425" bIns="91425" anchor="ctr" anchorCtr="0">
             <a:noAutofit/>
           </a:bodyPr>
           <a:lstStyle/>
@@ -1605,9 +1795,6 @@
               </a:spcBef>
               <a:buNone/>
             </a:pPr>
-            <a:r>
-              <a:t/>
-            </a:r>
             <a:endParaRPr/>
           </a:p>
         </p:txBody>
@@ -1639,7 +1826,7 @@
             </a:xfrm>
             <a:prstGeom prst="diagStripe">
               <a:avLst>
-                <a:gd fmla="val 50000" name="adj"/>
+                <a:gd name="adj" fmla="val 50000"/>
               </a:avLst>
             </a:prstGeom>
             <a:solidFill>
@@ -1652,7 +1839,7 @@
             </a:ln>
           </p:spPr>
           <p:txBody>
-            <a:bodyPr anchorCtr="0" anchor="ctr" bIns="91425" lIns="91425" rIns="91425" wrap="square" tIns="91425">
+            <a:bodyPr wrap="square" lIns="91425" tIns="91425" rIns="91425" bIns="91425" anchor="ctr" anchorCtr="0">
               <a:noAutofit/>
             </a:bodyPr>
             <a:lstStyle/>
@@ -1663,9 +1850,6 @@
                 </a:spcBef>
                 <a:buNone/>
               </a:pPr>
-              <a:r>
-                <a:t/>
-              </a:r>
               <a:endParaRPr/>
             </a:p>
           </p:txBody>
@@ -1683,7 +1867,7 @@
             </a:xfrm>
             <a:prstGeom prst="diagStripe">
               <a:avLst>
-                <a:gd fmla="val 58774" name="adj"/>
+                <a:gd name="adj" fmla="val 58774"/>
               </a:avLst>
             </a:prstGeom>
             <a:solidFill>
@@ -1696,7 +1880,7 @@
             </a:ln>
           </p:spPr>
           <p:txBody>
-            <a:bodyPr anchorCtr="0" anchor="ctr" bIns="91425" lIns="91425" rIns="91425" wrap="square" tIns="91425">
+            <a:bodyPr wrap="square" lIns="91425" tIns="91425" rIns="91425" bIns="91425" anchor="ctr" anchorCtr="0">
               <a:noAutofit/>
             </a:bodyPr>
             <a:lstStyle/>
@@ -1707,9 +1891,6 @@
                 </a:spcBef>
                 <a:buNone/>
               </a:pPr>
-              <a:r>
-                <a:t/>
-              </a:r>
               <a:endParaRPr/>
             </a:p>
           </p:txBody>
@@ -1727,7 +1908,7 @@
             </a:xfrm>
             <a:prstGeom prst="diagStripe">
               <a:avLst>
-                <a:gd fmla="val 50000" name="adj"/>
+                <a:gd name="adj" fmla="val 50000"/>
               </a:avLst>
             </a:prstGeom>
             <a:solidFill>
@@ -1738,7 +1919,7 @@
             </a:ln>
           </p:spPr>
           <p:txBody>
-            <a:bodyPr anchorCtr="0" anchor="ctr" bIns="91425" lIns="91425" rIns="91425" wrap="square" tIns="91425">
+            <a:bodyPr wrap="square" lIns="91425" tIns="91425" rIns="91425" bIns="91425" anchor="ctr" anchorCtr="0">
               <a:noAutofit/>
             </a:bodyPr>
             <a:lstStyle/>
@@ -1749,9 +1930,6 @@
                 </a:spcBef>
                 <a:buNone/>
               </a:pPr>
-              <a:r>
-                <a:t/>
-              </a:r>
               <a:endParaRPr/>
             </a:p>
           </p:txBody>
@@ -1769,7 +1947,7 @@
             </a:xfrm>
             <a:prstGeom prst="diagStripe">
               <a:avLst>
-                <a:gd fmla="val 50000" name="adj"/>
+                <a:gd name="adj" fmla="val 50000"/>
               </a:avLst>
             </a:prstGeom>
             <a:solidFill>
@@ -1780,7 +1958,7 @@
             </a:ln>
           </p:spPr>
           <p:txBody>
-            <a:bodyPr anchorCtr="0" anchor="ctr" bIns="91425" lIns="91425" rIns="91425" wrap="square" tIns="91425">
+            <a:bodyPr wrap="square" lIns="91425" tIns="91425" rIns="91425" bIns="91425" anchor="ctr" anchorCtr="0">
               <a:noAutofit/>
             </a:bodyPr>
             <a:lstStyle/>
@@ -1791,9 +1969,6 @@
                 </a:spcBef>
                 <a:buNone/>
               </a:pPr>
-              <a:r>
-                <a:t/>
-              </a:r>
               <a:endParaRPr/>
             </a:p>
           </p:txBody>
@@ -1802,7 +1977,9 @@
       <p:sp>
         <p:nvSpPr>
           <p:cNvPr id="16" name="Shape 16"/>
-          <p:cNvSpPr txBox="1"/>
+          <p:cNvSpPr txBox="1">
+            <a:spLocks noGrp="1"/>
+          </p:cNvSpPr>
           <p:nvPr>
             <p:ph type="ctrTitle"/>
           </p:nvPr>
@@ -1817,7 +1994,7 @@
           </a:prstGeom>
         </p:spPr>
         <p:txBody>
-          <a:bodyPr anchorCtr="0" anchor="t" bIns="91425" lIns="91425" rIns="91425" wrap="square" tIns="91425"/>
+          <a:bodyPr wrap="square" lIns="91425" tIns="91425" rIns="91425" bIns="91425" anchor="t" anchorCtr="0"/>
           <a:lstStyle>
             <a:lvl1pPr lvl="0">
               <a:spcBef>
@@ -1883,15 +2060,19 @@
               <a:defRPr sz="4000"/>
             </a:lvl9pPr>
           </a:lstStyle>
-          <a:p/>
+          <a:p>
+            <a:endParaRPr/>
+          </a:p>
         </p:txBody>
       </p:sp>
       <p:sp>
         <p:nvSpPr>
           <p:cNvPr id="17" name="Shape 17"/>
-          <p:cNvSpPr txBox="1"/>
+          <p:cNvSpPr txBox="1">
+            <a:spLocks noGrp="1"/>
+          </p:cNvSpPr>
           <p:nvPr>
-            <p:ph idx="1" type="subTitle"/>
+            <p:ph type="subTitle" idx="1"/>
           </p:nvPr>
         </p:nvSpPr>
         <p:spPr>
@@ -1904,7 +2085,7 @@
           </a:prstGeom>
         </p:spPr>
         <p:txBody>
-          <a:bodyPr anchorCtr="0" anchor="t" bIns="91425" lIns="91425" rIns="91425" wrap="square" tIns="91425"/>
+          <a:bodyPr wrap="square" lIns="91425" tIns="91425" rIns="91425" bIns="91425" anchor="t" anchorCtr="0"/>
           <a:lstStyle>
             <a:lvl1pPr lvl="0">
               <a:lnSpc>
@@ -2032,15 +2213,19 @@
               <a:defRPr sz="1300"/>
             </a:lvl9pPr>
           </a:lstStyle>
-          <a:p/>
+          <a:p>
+            <a:endParaRPr/>
+          </a:p>
         </p:txBody>
       </p:sp>
       <p:sp>
         <p:nvSpPr>
           <p:cNvPr id="18" name="Shape 18"/>
-          <p:cNvSpPr txBox="1"/>
+          <p:cNvSpPr txBox="1">
+            <a:spLocks noGrp="1"/>
+          </p:cNvSpPr>
           <p:nvPr>
-            <p:ph idx="12" type="sldNum"/>
+            <p:ph type="sldNum" idx="12"/>
           </p:nvPr>
         </p:nvSpPr>
         <p:spPr>
@@ -2053,7 +2238,7 @@
           </a:prstGeom>
         </p:spPr>
         <p:txBody>
-          <a:bodyPr anchorCtr="0" anchor="ctr" bIns="91425" lIns="91425" rIns="91425" wrap="square" tIns="91425">
+          <a:bodyPr wrap="square" lIns="91425" tIns="91425" rIns="91425" bIns="91425" anchor="ctr" anchorCtr="0">
             <a:noAutofit/>
           </a:bodyPr>
           <a:lstStyle/>
@@ -2068,6 +2253,7 @@
               <a:rPr lang="ru"/>
               <a:t>‹#›</a:t>
             </a:fld>
+            <a:endParaRPr lang="ru"/>
           </a:p>
         </p:txBody>
       </p:sp>
@@ -2080,11 +2266,11 @@
 </file>
 
 <file path=ppt/slideLayouts/slideLayout10.xml><?xml version="1.0" encoding="utf-8"?>
-<p:sldLayout xmlns:a="http://schemas.openxmlformats.org/drawingml/2006/main" xmlns:r="http://schemas.openxmlformats.org/officeDocument/2006/relationships" xmlns:mc="http://schemas.openxmlformats.org/markup-compatibility/2006" xmlns:mv="urn:schemas-microsoft-com:mac:vml" xmlns:p="http://schemas.openxmlformats.org/presentationml/2006/main" xmlns:c="http://schemas.openxmlformats.org/drawingml/2006/chart" xmlns:dgm="http://schemas.openxmlformats.org/drawingml/2006/diagram" xmlns:o="urn:schemas-microsoft-com:office:office" xmlns:v="urn:schemas-microsoft-com:vml" xmlns:pvml="urn:schemas-microsoft-com:office:powerpoint" xmlns:com="http://schemas.openxmlformats.org/drawingml/2006/compatibility" xmlns:p14="http://schemas.microsoft.com/office/powerpoint/2010/main" xmlns:p15="http://schemas.microsoft.com/office/powerpoint/2012/main">
+<p:sldLayout xmlns:a="http://schemas.openxmlformats.org/drawingml/2006/main" xmlns:r="http://schemas.openxmlformats.org/officeDocument/2006/relationships" xmlns:p="http://schemas.openxmlformats.org/presentationml/2006/main">
   <p:cSld name="Big number">
     <p:spTree>
       <p:nvGrpSpPr>
-        <p:cNvPr id="105" name="Shape 105"/>
+        <p:cNvPr id="1" name="Shape 105"/>
         <p:cNvGrpSpPr/>
         <p:nvPr/>
       </p:nvGrpSpPr>
@@ -2123,7 +2309,7 @@
             </a:xfrm>
             <a:prstGeom prst="diagStripe">
               <a:avLst>
-                <a:gd fmla="val 49469" name="adj"/>
+                <a:gd name="adj" fmla="val 49469"/>
               </a:avLst>
             </a:prstGeom>
             <a:solidFill>
@@ -2136,7 +2322,7 @@
             </a:ln>
           </p:spPr>
           <p:txBody>
-            <a:bodyPr anchorCtr="0" anchor="ctr" bIns="91425" lIns="91425" rIns="91425" wrap="square" tIns="91425">
+            <a:bodyPr wrap="square" lIns="91425" tIns="91425" rIns="91425" bIns="91425" anchor="ctr" anchorCtr="0">
               <a:noAutofit/>
             </a:bodyPr>
             <a:lstStyle/>
@@ -2147,9 +2333,6 @@
                 </a:spcBef>
                 <a:buNone/>
               </a:pPr>
-              <a:r>
-                <a:t/>
-              </a:r>
               <a:endParaRPr/>
             </a:p>
           </p:txBody>
@@ -2167,7 +2350,7 @@
             </a:xfrm>
             <a:prstGeom prst="diagStripe">
               <a:avLst>
-                <a:gd fmla="val 0" name="adj"/>
+                <a:gd name="adj" fmla="val 0"/>
               </a:avLst>
             </a:prstGeom>
             <a:solidFill>
@@ -2180,7 +2363,7 @@
             </a:ln>
           </p:spPr>
           <p:txBody>
-            <a:bodyPr anchorCtr="0" anchor="ctr" bIns="91425" lIns="91425" rIns="91425" wrap="square" tIns="91425">
+            <a:bodyPr wrap="square" lIns="91425" tIns="91425" rIns="91425" bIns="91425" anchor="ctr" anchorCtr="0">
               <a:noAutofit/>
             </a:bodyPr>
             <a:lstStyle/>
@@ -2191,9 +2374,6 @@
                 </a:spcBef>
                 <a:buNone/>
               </a:pPr>
-              <a:r>
-                <a:t/>
-              </a:r>
               <a:endParaRPr/>
             </a:p>
           </p:txBody>
@@ -2211,7 +2391,7 @@
             </a:xfrm>
             <a:prstGeom prst="diagStripe">
               <a:avLst>
-                <a:gd fmla="val 50000" name="adj"/>
+                <a:gd name="adj" fmla="val 50000"/>
               </a:avLst>
             </a:prstGeom>
             <a:solidFill>
@@ -2224,7 +2404,7 @@
             </a:ln>
           </p:spPr>
           <p:txBody>
-            <a:bodyPr anchorCtr="0" anchor="ctr" bIns="91425" lIns="91425" rIns="91425" wrap="square" tIns="91425">
+            <a:bodyPr wrap="square" lIns="91425" tIns="91425" rIns="91425" bIns="91425" anchor="ctr" anchorCtr="0">
               <a:noAutofit/>
             </a:bodyPr>
             <a:lstStyle/>
@@ -2235,9 +2415,6 @@
                 </a:spcBef>
                 <a:buNone/>
               </a:pPr>
-              <a:r>
-                <a:t/>
-              </a:r>
               <a:endParaRPr/>
             </a:p>
           </p:txBody>
@@ -2255,7 +2432,7 @@
             </a:xfrm>
             <a:prstGeom prst="diagStripe">
               <a:avLst>
-                <a:gd fmla="val 50000" name="adj"/>
+                <a:gd name="adj" fmla="val 50000"/>
               </a:avLst>
             </a:prstGeom>
             <a:solidFill>
@@ -2268,7 +2445,7 @@
             </a:ln>
           </p:spPr>
           <p:txBody>
-            <a:bodyPr anchorCtr="0" anchor="ctr" bIns="91425" lIns="91425" rIns="91425" wrap="square" tIns="91425">
+            <a:bodyPr wrap="square" lIns="91425" tIns="91425" rIns="91425" bIns="91425" anchor="ctr" anchorCtr="0">
               <a:noAutofit/>
             </a:bodyPr>
             <a:lstStyle/>
@@ -2279,9 +2456,6 @@
                 </a:spcBef>
                 <a:buNone/>
               </a:pPr>
-              <a:r>
-                <a:t/>
-              </a:r>
               <a:endParaRPr/>
             </a:p>
           </p:txBody>
@@ -2299,7 +2473,7 @@
             </a:xfrm>
             <a:prstGeom prst="diagStripe">
               <a:avLst>
-                <a:gd fmla="val 50000" name="adj"/>
+                <a:gd name="adj" fmla="val 50000"/>
               </a:avLst>
             </a:prstGeom>
             <a:solidFill>
@@ -2312,7 +2486,7 @@
             </a:ln>
           </p:spPr>
           <p:txBody>
-            <a:bodyPr anchorCtr="0" anchor="ctr" bIns="91425" lIns="91425" rIns="91425" wrap="square" tIns="91425">
+            <a:bodyPr wrap="square" lIns="91425" tIns="91425" rIns="91425" bIns="91425" anchor="ctr" anchorCtr="0">
               <a:noAutofit/>
             </a:bodyPr>
             <a:lstStyle/>
@@ -2323,9 +2497,6 @@
                 </a:spcBef>
                 <a:buNone/>
               </a:pPr>
-              <a:r>
-                <a:t/>
-              </a:r>
               <a:endParaRPr/>
             </a:p>
           </p:txBody>
@@ -2343,7 +2514,7 @@
             </a:xfrm>
             <a:prstGeom prst="diagStripe">
               <a:avLst>
-                <a:gd fmla="val 50000" name="adj"/>
+                <a:gd name="adj" fmla="val 50000"/>
               </a:avLst>
             </a:prstGeom>
             <a:solidFill>
@@ -2356,7 +2527,7 @@
             </a:ln>
           </p:spPr>
           <p:txBody>
-            <a:bodyPr anchorCtr="0" anchor="ctr" bIns="91425" lIns="91425" rIns="91425" wrap="square" tIns="91425">
+            <a:bodyPr wrap="square" lIns="91425" tIns="91425" rIns="91425" bIns="91425" anchor="ctr" anchorCtr="0">
               <a:noAutofit/>
             </a:bodyPr>
             <a:lstStyle/>
@@ -2367,9 +2538,6 @@
                 </a:spcBef>
                 <a:buNone/>
               </a:pPr>
-              <a:r>
-                <a:t/>
-              </a:r>
               <a:endParaRPr/>
             </a:p>
           </p:txBody>
@@ -2387,7 +2555,7 @@
             </a:xfrm>
             <a:prstGeom prst="diagStripe">
               <a:avLst>
-                <a:gd fmla="val 50000" name="adj"/>
+                <a:gd name="adj" fmla="val 50000"/>
               </a:avLst>
             </a:prstGeom>
             <a:solidFill>
@@ -2400,7 +2568,7 @@
             </a:ln>
           </p:spPr>
           <p:txBody>
-            <a:bodyPr anchorCtr="0" anchor="ctr" bIns="91425" lIns="91425" rIns="91425" wrap="square" tIns="91425">
+            <a:bodyPr wrap="square" lIns="91425" tIns="91425" rIns="91425" bIns="91425" anchor="ctr" anchorCtr="0">
               <a:noAutofit/>
             </a:bodyPr>
             <a:lstStyle/>
@@ -2411,9 +2579,6 @@
                 </a:spcBef>
                 <a:buNone/>
               </a:pPr>
-              <a:r>
-                <a:t/>
-              </a:r>
               <a:endParaRPr/>
             </a:p>
           </p:txBody>
@@ -2431,7 +2596,7 @@
             </a:xfrm>
             <a:prstGeom prst="diagStripe">
               <a:avLst>
-                <a:gd fmla="val 50000" name="adj"/>
+                <a:gd name="adj" fmla="val 50000"/>
               </a:avLst>
             </a:prstGeom>
             <a:solidFill>
@@ -2442,7 +2607,7 @@
             </a:ln>
           </p:spPr>
           <p:txBody>
-            <a:bodyPr anchorCtr="0" anchor="ctr" bIns="91425" lIns="91425" rIns="91425" wrap="square" tIns="91425">
+            <a:bodyPr wrap="square" lIns="91425" tIns="91425" rIns="91425" bIns="91425" anchor="ctr" anchorCtr="0">
               <a:noAutofit/>
             </a:bodyPr>
             <a:lstStyle/>
@@ -2453,9 +2618,6 @@
                 </a:spcBef>
                 <a:buNone/>
               </a:pPr>
-              <a:r>
-                <a:t/>
-              </a:r>
               <a:endParaRPr/>
             </a:p>
           </p:txBody>
@@ -2473,7 +2635,7 @@
             </a:xfrm>
             <a:prstGeom prst="diagStripe">
               <a:avLst>
-                <a:gd fmla="val 50000" name="adj"/>
+                <a:gd name="adj" fmla="val 50000"/>
               </a:avLst>
             </a:prstGeom>
             <a:solidFill>
@@ -2486,7 +2648,7 @@
             </a:ln>
           </p:spPr>
           <p:txBody>
-            <a:bodyPr anchorCtr="0" anchor="ctr" bIns="91425" lIns="91425" rIns="91425" wrap="square" tIns="91425">
+            <a:bodyPr wrap="square" lIns="91425" tIns="91425" rIns="91425" bIns="91425" anchor="ctr" anchorCtr="0">
               <a:noAutofit/>
             </a:bodyPr>
             <a:lstStyle/>
@@ -2497,9 +2659,6 @@
                 </a:spcBef>
                 <a:buNone/>
               </a:pPr>
-              <a:r>
-                <a:t/>
-              </a:r>
               <a:endParaRPr/>
             </a:p>
           </p:txBody>
@@ -2517,7 +2676,7 @@
             </a:xfrm>
             <a:prstGeom prst="diagStripe">
               <a:avLst>
-                <a:gd fmla="val 50000" name="adj"/>
+                <a:gd name="adj" fmla="val 50000"/>
               </a:avLst>
             </a:prstGeom>
             <a:solidFill>
@@ -2530,7 +2689,7 @@
             </a:ln>
           </p:spPr>
           <p:txBody>
-            <a:bodyPr anchorCtr="0" anchor="ctr" bIns="91425" lIns="91425" rIns="91425" wrap="square" tIns="91425">
+            <a:bodyPr wrap="square" lIns="91425" tIns="91425" rIns="91425" bIns="91425" anchor="ctr" anchorCtr="0">
               <a:noAutofit/>
             </a:bodyPr>
             <a:lstStyle/>
@@ -2541,9 +2700,6 @@
                 </a:spcBef>
                 <a:buNone/>
               </a:pPr>
-              <a:r>
-                <a:t/>
-              </a:r>
               <a:endParaRPr/>
             </a:p>
           </p:txBody>
@@ -2561,7 +2717,7 @@
             </a:xfrm>
             <a:prstGeom prst="diagStripe">
               <a:avLst>
-                <a:gd fmla="val 50000" name="adj"/>
+                <a:gd name="adj" fmla="val 50000"/>
               </a:avLst>
             </a:prstGeom>
             <a:solidFill>
@@ -2574,7 +2730,7 @@
             </a:ln>
           </p:spPr>
           <p:txBody>
-            <a:bodyPr anchorCtr="0" anchor="ctr" bIns="91425" lIns="91425" rIns="91425" wrap="square" tIns="91425">
+            <a:bodyPr wrap="square" lIns="91425" tIns="91425" rIns="91425" bIns="91425" anchor="ctr" anchorCtr="0">
               <a:noAutofit/>
             </a:bodyPr>
             <a:lstStyle/>
@@ -2585,9 +2741,6 @@
                 </a:spcBef>
                 <a:buNone/>
               </a:pPr>
-              <a:r>
-                <a:t/>
-              </a:r>
               <a:endParaRPr/>
             </a:p>
           </p:txBody>
@@ -2605,7 +2758,7 @@
             </a:xfrm>
             <a:prstGeom prst="diagStripe">
               <a:avLst>
-                <a:gd fmla="val 50000" name="adj"/>
+                <a:gd name="adj" fmla="val 50000"/>
               </a:avLst>
             </a:prstGeom>
             <a:solidFill>
@@ -2618,7 +2771,7 @@
             </a:ln>
           </p:spPr>
           <p:txBody>
-            <a:bodyPr anchorCtr="0" anchor="ctr" bIns="91425" lIns="91425" rIns="91425" wrap="square" tIns="91425">
+            <a:bodyPr wrap="square" lIns="91425" tIns="91425" rIns="91425" bIns="91425" anchor="ctr" anchorCtr="0">
               <a:noAutofit/>
             </a:bodyPr>
             <a:lstStyle/>
@@ -2629,9 +2782,6 @@
                 </a:spcBef>
                 <a:buNone/>
               </a:pPr>
-              <a:r>
-                <a:t/>
-              </a:r>
               <a:endParaRPr/>
             </a:p>
           </p:txBody>
@@ -2649,7 +2799,7 @@
             </a:xfrm>
             <a:prstGeom prst="diagStripe">
               <a:avLst>
-                <a:gd fmla="val 50000" name="adj"/>
+                <a:gd name="adj" fmla="val 50000"/>
               </a:avLst>
             </a:prstGeom>
             <a:solidFill>
@@ -2662,7 +2812,7 @@
             </a:ln>
           </p:spPr>
           <p:txBody>
-            <a:bodyPr anchorCtr="0" anchor="ctr" bIns="91425" lIns="91425" rIns="91425" wrap="square" tIns="91425">
+            <a:bodyPr wrap="square" lIns="91425" tIns="91425" rIns="91425" bIns="91425" anchor="ctr" anchorCtr="0">
               <a:noAutofit/>
             </a:bodyPr>
             <a:lstStyle/>
@@ -2673,9 +2823,6 @@
                 </a:spcBef>
                 <a:buNone/>
               </a:pPr>
-              <a:r>
-                <a:t/>
-              </a:r>
               <a:endParaRPr/>
             </a:p>
           </p:txBody>
@@ -2693,7 +2840,7 @@
             </a:xfrm>
             <a:prstGeom prst="diagStripe">
               <a:avLst>
-                <a:gd fmla="val 50000" name="adj"/>
+                <a:gd name="adj" fmla="val 50000"/>
               </a:avLst>
             </a:prstGeom>
             <a:solidFill>
@@ -2704,7 +2851,7 @@
             </a:ln>
           </p:spPr>
           <p:txBody>
-            <a:bodyPr anchorCtr="0" anchor="ctr" bIns="91425" lIns="91425" rIns="91425" wrap="square" tIns="91425">
+            <a:bodyPr wrap="square" lIns="91425" tIns="91425" rIns="91425" bIns="91425" anchor="ctr" anchorCtr="0">
               <a:noAutofit/>
             </a:bodyPr>
             <a:lstStyle/>
@@ -2715,9 +2862,6 @@
                 </a:spcBef>
                 <a:buNone/>
               </a:pPr>
-              <a:r>
-                <a:t/>
-              </a:r>
               <a:endParaRPr/>
             </a:p>
           </p:txBody>
@@ -2735,7 +2879,7 @@
             </a:xfrm>
             <a:prstGeom prst="diagStripe">
               <a:avLst>
-                <a:gd fmla="val 50000" name="adj"/>
+                <a:gd name="adj" fmla="val 50000"/>
               </a:avLst>
             </a:prstGeom>
             <a:solidFill>
@@ -2748,7 +2892,7 @@
             </a:ln>
           </p:spPr>
           <p:txBody>
-            <a:bodyPr anchorCtr="0" anchor="ctr" bIns="91425" lIns="91425" rIns="91425" wrap="square" tIns="91425">
+            <a:bodyPr wrap="square" lIns="91425" tIns="91425" rIns="91425" bIns="91425" anchor="ctr" anchorCtr="0">
               <a:noAutofit/>
             </a:bodyPr>
             <a:lstStyle/>
@@ -2759,9 +2903,6 @@
                 </a:spcBef>
                 <a:buNone/>
               </a:pPr>
-              <a:r>
-                <a:t/>
-              </a:r>
               <a:endParaRPr/>
             </a:p>
           </p:txBody>
@@ -2779,7 +2920,7 @@
             </a:xfrm>
             <a:prstGeom prst="diagStripe">
               <a:avLst>
-                <a:gd fmla="val 50000" name="adj"/>
+                <a:gd name="adj" fmla="val 50000"/>
               </a:avLst>
             </a:prstGeom>
             <a:solidFill>
@@ -2792,7 +2933,7 @@
             </a:ln>
           </p:spPr>
           <p:txBody>
-            <a:bodyPr anchorCtr="0" anchor="ctr" bIns="91425" lIns="91425" rIns="91425" wrap="square" tIns="91425">
+            <a:bodyPr wrap="square" lIns="91425" tIns="91425" rIns="91425" bIns="91425" anchor="ctr" anchorCtr="0">
               <a:noAutofit/>
             </a:bodyPr>
             <a:lstStyle/>
@@ -2803,9 +2944,6 @@
                 </a:spcBef>
                 <a:buNone/>
               </a:pPr>
-              <a:r>
-                <a:t/>
-              </a:r>
               <a:endParaRPr/>
             </a:p>
           </p:txBody>
@@ -2823,7 +2961,7 @@
             </a:xfrm>
             <a:prstGeom prst="diagStripe">
               <a:avLst>
-                <a:gd fmla="val 50000" name="adj"/>
+                <a:gd name="adj" fmla="val 50000"/>
               </a:avLst>
             </a:prstGeom>
             <a:solidFill>
@@ -2836,7 +2974,7 @@
             </a:ln>
           </p:spPr>
           <p:txBody>
-            <a:bodyPr anchorCtr="0" anchor="ctr" bIns="91425" lIns="91425" rIns="91425" wrap="square" tIns="91425">
+            <a:bodyPr wrap="square" lIns="91425" tIns="91425" rIns="91425" bIns="91425" anchor="ctr" anchorCtr="0">
               <a:noAutofit/>
             </a:bodyPr>
             <a:lstStyle/>
@@ -2847,9 +2985,6 @@
                 </a:spcBef>
                 <a:buNone/>
               </a:pPr>
-              <a:r>
-                <a:t/>
-              </a:r>
               <a:endParaRPr/>
             </a:p>
           </p:txBody>
@@ -2867,7 +3002,7 @@
             </a:xfrm>
             <a:prstGeom prst="diagStripe">
               <a:avLst>
-                <a:gd fmla="val 50000" name="adj"/>
+                <a:gd name="adj" fmla="val 50000"/>
               </a:avLst>
             </a:prstGeom>
             <a:solidFill>
@@ -2880,7 +3015,7 @@
             </a:ln>
           </p:spPr>
           <p:txBody>
-            <a:bodyPr anchorCtr="0" anchor="ctr" bIns="91425" lIns="91425" rIns="91425" wrap="square" tIns="91425">
+            <a:bodyPr wrap="square" lIns="91425" tIns="91425" rIns="91425" bIns="91425" anchor="ctr" anchorCtr="0">
               <a:noAutofit/>
             </a:bodyPr>
             <a:lstStyle/>
@@ -2891,9 +3026,6 @@
                 </a:spcBef>
                 <a:buNone/>
               </a:pPr>
-              <a:r>
-                <a:t/>
-              </a:r>
               <a:endParaRPr/>
             </a:p>
           </p:txBody>
@@ -2902,7 +3034,9 @@
       <p:sp>
         <p:nvSpPr>
           <p:cNvPr id="125" name="Shape 125"/>
-          <p:cNvSpPr txBox="1"/>
+          <p:cNvSpPr txBox="1">
+            <a:spLocks noGrp="1"/>
+          </p:cNvSpPr>
           <p:nvPr>
             <p:ph type="title"/>
           </p:nvPr>
@@ -2917,7 +3051,7 @@
           </a:prstGeom>
         </p:spPr>
         <p:txBody>
-          <a:bodyPr anchorCtr="0" anchor="t" bIns="91425" lIns="91425" rIns="91425" wrap="square" tIns="91425"/>
+          <a:bodyPr wrap="square" lIns="91425" tIns="91425" rIns="91425" bIns="91425" anchor="t" anchorCtr="0"/>
           <a:lstStyle>
             <a:lvl1pPr lvl="0">
               <a:spcBef>
@@ -2983,15 +3117,19 @@
               <a:defRPr sz="8000"/>
             </a:lvl9pPr>
           </a:lstStyle>
-          <a:p/>
+          <a:p>
+            <a:endParaRPr/>
+          </a:p>
         </p:txBody>
       </p:sp>
       <p:sp>
         <p:nvSpPr>
           <p:cNvPr id="126" name="Shape 126"/>
-          <p:cNvSpPr txBox="1"/>
+          <p:cNvSpPr txBox="1">
+            <a:spLocks noGrp="1"/>
+          </p:cNvSpPr>
           <p:nvPr>
-            <p:ph idx="1" type="body"/>
+            <p:ph type="body" idx="1"/>
           </p:nvPr>
         </p:nvSpPr>
         <p:spPr>
@@ -3004,7 +3142,7 @@
           </a:prstGeom>
         </p:spPr>
         <p:txBody>
-          <a:bodyPr anchorCtr="0" anchor="t" bIns="91425" lIns="91425" rIns="91425" wrap="square" tIns="91425"/>
+          <a:bodyPr wrap="square" lIns="91425" tIns="91425" rIns="91425" bIns="91425" anchor="t" anchorCtr="0"/>
           <a:lstStyle>
             <a:lvl1pPr lvl="0">
               <a:spcBef>
@@ -3061,15 +3199,19 @@
               <a:defRPr/>
             </a:lvl9pPr>
           </a:lstStyle>
-          <a:p/>
+          <a:p>
+            <a:endParaRPr/>
+          </a:p>
         </p:txBody>
       </p:sp>
       <p:sp>
         <p:nvSpPr>
           <p:cNvPr id="127" name="Shape 127"/>
-          <p:cNvSpPr txBox="1"/>
+          <p:cNvSpPr txBox="1">
+            <a:spLocks noGrp="1"/>
+          </p:cNvSpPr>
           <p:nvPr>
-            <p:ph idx="12" type="sldNum"/>
+            <p:ph type="sldNum" idx="12"/>
           </p:nvPr>
         </p:nvSpPr>
         <p:spPr>
@@ -3082,7 +3224,7 @@
           </a:prstGeom>
         </p:spPr>
         <p:txBody>
-          <a:bodyPr anchorCtr="0" anchor="ctr" bIns="91425" lIns="91425" rIns="91425" wrap="square" tIns="91425">
+          <a:bodyPr wrap="square" lIns="91425" tIns="91425" rIns="91425" bIns="91425" anchor="ctr" anchorCtr="0">
             <a:noAutofit/>
           </a:bodyPr>
           <a:lstStyle/>
@@ -3097,6 +3239,7 @@
               <a:rPr lang="ru"/>
               <a:t>‹#›</a:t>
             </a:fld>
+            <a:endParaRPr lang="ru"/>
           </a:p>
         </p:txBody>
       </p:sp>
@@ -3109,11 +3252,11 @@
 </file>
 
 <file path=ppt/slideLayouts/slideLayout11.xml><?xml version="1.0" encoding="utf-8"?>
-<p:sldLayout xmlns:a="http://schemas.openxmlformats.org/drawingml/2006/main" xmlns:r="http://schemas.openxmlformats.org/officeDocument/2006/relationships" xmlns:mc="http://schemas.openxmlformats.org/markup-compatibility/2006" xmlns:mv="urn:schemas-microsoft-com:mac:vml" xmlns:p="http://schemas.openxmlformats.org/presentationml/2006/main" xmlns:c="http://schemas.openxmlformats.org/drawingml/2006/chart" xmlns:dgm="http://schemas.openxmlformats.org/drawingml/2006/diagram" xmlns:o="urn:schemas-microsoft-com:office:office" xmlns:v="urn:schemas-microsoft-com:vml" xmlns:pvml="urn:schemas-microsoft-com:office:powerpoint" xmlns:com="http://schemas.openxmlformats.org/drawingml/2006/compatibility" xmlns:p14="http://schemas.microsoft.com/office/powerpoint/2010/main" xmlns:p15="http://schemas.microsoft.com/office/powerpoint/2012/main" type="blank">
+<p:sldLayout xmlns:a="http://schemas.openxmlformats.org/drawingml/2006/main" xmlns:r="http://schemas.openxmlformats.org/officeDocument/2006/relationships" xmlns:p="http://schemas.openxmlformats.org/presentationml/2006/main" type="blank">
   <p:cSld name="Blank">
     <p:spTree>
       <p:nvGrpSpPr>
-        <p:cNvPr id="128" name="Shape 128"/>
+        <p:cNvPr id="1" name="Shape 128"/>
         <p:cNvGrpSpPr/>
         <p:nvPr/>
       </p:nvGrpSpPr>
@@ -3128,9 +3271,11 @@
       <p:sp>
         <p:nvSpPr>
           <p:cNvPr id="129" name="Shape 129"/>
-          <p:cNvSpPr txBox="1"/>
+          <p:cNvSpPr txBox="1">
+            <a:spLocks noGrp="1"/>
+          </p:cNvSpPr>
           <p:nvPr>
-            <p:ph idx="12" type="sldNum"/>
+            <p:ph type="sldNum" idx="12"/>
           </p:nvPr>
         </p:nvSpPr>
         <p:spPr>
@@ -3143,7 +3288,7 @@
           </a:prstGeom>
         </p:spPr>
         <p:txBody>
-          <a:bodyPr anchorCtr="0" anchor="ctr" bIns="91425" lIns="91425" rIns="91425" wrap="square" tIns="91425">
+          <a:bodyPr wrap="square" lIns="91425" tIns="91425" rIns="91425" bIns="91425" anchor="ctr" anchorCtr="0">
             <a:noAutofit/>
           </a:bodyPr>
           <a:lstStyle/>
@@ -3158,6 +3303,7 @@
               <a:rPr lang="ru"/>
               <a:t>‹#›</a:t>
             </a:fld>
+            <a:endParaRPr lang="ru"/>
           </a:p>
         </p:txBody>
       </p:sp>
@@ -3170,11 +3316,11 @@
 </file>
 
 <file path=ppt/slideLayouts/slideLayout2.xml><?xml version="1.0" encoding="utf-8"?>
-<p:sldLayout xmlns:a="http://schemas.openxmlformats.org/drawingml/2006/main" xmlns:r="http://schemas.openxmlformats.org/officeDocument/2006/relationships" xmlns:mc="http://schemas.openxmlformats.org/markup-compatibility/2006" xmlns:mv="urn:schemas-microsoft-com:mac:vml" xmlns:p="http://schemas.openxmlformats.org/presentationml/2006/main" xmlns:c="http://schemas.openxmlformats.org/drawingml/2006/chart" xmlns:dgm="http://schemas.openxmlformats.org/drawingml/2006/diagram" xmlns:o="urn:schemas-microsoft-com:office:office" xmlns:v="urn:schemas-microsoft-com:vml" xmlns:pvml="urn:schemas-microsoft-com:office:powerpoint" xmlns:com="http://schemas.openxmlformats.org/drawingml/2006/compatibility" xmlns:p14="http://schemas.microsoft.com/office/powerpoint/2010/main" xmlns:p15="http://schemas.microsoft.com/office/powerpoint/2012/main" type="secHead">
+<p:sldLayout xmlns:a="http://schemas.openxmlformats.org/drawingml/2006/main" xmlns:r="http://schemas.openxmlformats.org/officeDocument/2006/relationships" xmlns:p="http://schemas.openxmlformats.org/presentationml/2006/main" type="secHead">
   <p:cSld name="Section header">
     <p:spTree>
       <p:nvGrpSpPr>
-        <p:cNvPr id="19" name="Shape 19"/>
+        <p:cNvPr id="1" name="Shape 19"/>
         <p:cNvGrpSpPr/>
         <p:nvPr/>
       </p:nvGrpSpPr>
@@ -3213,7 +3359,7 @@
             </a:xfrm>
             <a:prstGeom prst="diagStripe">
               <a:avLst>
-                <a:gd fmla="val 49469" name="adj"/>
+                <a:gd name="adj" fmla="val 49469"/>
               </a:avLst>
             </a:prstGeom>
             <a:solidFill>
@@ -3226,7 +3372,7 @@
             </a:ln>
           </p:spPr>
           <p:txBody>
-            <a:bodyPr anchorCtr="0" anchor="ctr" bIns="91425" lIns="91425" rIns="91425" wrap="square" tIns="91425">
+            <a:bodyPr wrap="square" lIns="91425" tIns="91425" rIns="91425" bIns="91425" anchor="ctr" anchorCtr="0">
               <a:noAutofit/>
             </a:bodyPr>
             <a:lstStyle/>
@@ -3237,9 +3383,6 @@
                 </a:spcBef>
                 <a:buNone/>
               </a:pPr>
-              <a:r>
-                <a:t/>
-              </a:r>
               <a:endParaRPr/>
             </a:p>
           </p:txBody>
@@ -3257,7 +3400,7 @@
             </a:xfrm>
             <a:prstGeom prst="diagStripe">
               <a:avLst>
-                <a:gd fmla="val 0" name="adj"/>
+                <a:gd name="adj" fmla="val 0"/>
               </a:avLst>
             </a:prstGeom>
             <a:solidFill>
@@ -3270,7 +3413,7 @@
             </a:ln>
           </p:spPr>
           <p:txBody>
-            <a:bodyPr anchorCtr="0" anchor="ctr" bIns="91425" lIns="91425" rIns="91425" wrap="square" tIns="91425">
+            <a:bodyPr wrap="square" lIns="91425" tIns="91425" rIns="91425" bIns="91425" anchor="ctr" anchorCtr="0">
               <a:noAutofit/>
             </a:bodyPr>
             <a:lstStyle/>
@@ -3281,9 +3424,6 @@
                 </a:spcBef>
                 <a:buNone/>
               </a:pPr>
-              <a:r>
-                <a:t/>
-              </a:r>
               <a:endParaRPr/>
             </a:p>
           </p:txBody>
@@ -3301,7 +3441,7 @@
             </a:xfrm>
             <a:prstGeom prst="diagStripe">
               <a:avLst>
-                <a:gd fmla="val 50000" name="adj"/>
+                <a:gd name="adj" fmla="val 50000"/>
               </a:avLst>
             </a:prstGeom>
             <a:solidFill>
@@ -3314,7 +3454,7 @@
             </a:ln>
           </p:spPr>
           <p:txBody>
-            <a:bodyPr anchorCtr="0" anchor="ctr" bIns="91425" lIns="91425" rIns="91425" wrap="square" tIns="91425">
+            <a:bodyPr wrap="square" lIns="91425" tIns="91425" rIns="91425" bIns="91425" anchor="ctr" anchorCtr="0">
               <a:noAutofit/>
             </a:bodyPr>
             <a:lstStyle/>
@@ -3325,9 +3465,6 @@
                 </a:spcBef>
                 <a:buNone/>
               </a:pPr>
-              <a:r>
-                <a:t/>
-              </a:r>
               <a:endParaRPr/>
             </a:p>
           </p:txBody>
@@ -3345,7 +3482,7 @@
             </a:xfrm>
             <a:prstGeom prst="diagStripe">
               <a:avLst>
-                <a:gd fmla="val 50000" name="adj"/>
+                <a:gd name="adj" fmla="val 50000"/>
               </a:avLst>
             </a:prstGeom>
             <a:solidFill>
@@ -3358,7 +3495,7 @@
             </a:ln>
           </p:spPr>
           <p:txBody>
-            <a:bodyPr anchorCtr="0" anchor="ctr" bIns="91425" lIns="91425" rIns="91425" wrap="square" tIns="91425">
+            <a:bodyPr wrap="square" lIns="91425" tIns="91425" rIns="91425" bIns="91425" anchor="ctr" anchorCtr="0">
               <a:noAutofit/>
             </a:bodyPr>
             <a:lstStyle/>
@@ -3369,9 +3506,6 @@
                 </a:spcBef>
                 <a:buNone/>
               </a:pPr>
-              <a:r>
-                <a:t/>
-              </a:r>
               <a:endParaRPr/>
             </a:p>
           </p:txBody>
@@ -3389,7 +3523,7 @@
             </a:xfrm>
             <a:prstGeom prst="diagStripe">
               <a:avLst>
-                <a:gd fmla="val 50000" name="adj"/>
+                <a:gd name="adj" fmla="val 50000"/>
               </a:avLst>
             </a:prstGeom>
             <a:solidFill>
@@ -3402,7 +3536,7 @@
             </a:ln>
           </p:spPr>
           <p:txBody>
-            <a:bodyPr anchorCtr="0" anchor="ctr" bIns="91425" lIns="91425" rIns="91425" wrap="square" tIns="91425">
+            <a:bodyPr wrap="square" lIns="91425" tIns="91425" rIns="91425" bIns="91425" anchor="ctr" anchorCtr="0">
               <a:noAutofit/>
             </a:bodyPr>
             <a:lstStyle/>
@@ -3413,9 +3547,6 @@
                 </a:spcBef>
                 <a:buNone/>
               </a:pPr>
-              <a:r>
-                <a:t/>
-              </a:r>
               <a:endParaRPr/>
             </a:p>
           </p:txBody>
@@ -3433,7 +3564,7 @@
             </a:xfrm>
             <a:prstGeom prst="diagStripe">
               <a:avLst>
-                <a:gd fmla="val 50000" name="adj"/>
+                <a:gd name="adj" fmla="val 50000"/>
               </a:avLst>
             </a:prstGeom>
             <a:solidFill>
@@ -3446,7 +3577,7 @@
             </a:ln>
           </p:spPr>
           <p:txBody>
-            <a:bodyPr anchorCtr="0" anchor="ctr" bIns="91425" lIns="91425" rIns="91425" wrap="square" tIns="91425">
+            <a:bodyPr wrap="square" lIns="91425" tIns="91425" rIns="91425" bIns="91425" anchor="ctr" anchorCtr="0">
               <a:noAutofit/>
             </a:bodyPr>
             <a:lstStyle/>
@@ -3457,9 +3588,6 @@
                 </a:spcBef>
                 <a:buNone/>
               </a:pPr>
-              <a:r>
-                <a:t/>
-              </a:r>
               <a:endParaRPr/>
             </a:p>
           </p:txBody>
@@ -3477,7 +3605,7 @@
             </a:xfrm>
             <a:prstGeom prst="diagStripe">
               <a:avLst>
-                <a:gd fmla="val 50000" name="adj"/>
+                <a:gd name="adj" fmla="val 50000"/>
               </a:avLst>
             </a:prstGeom>
             <a:solidFill>
@@ -3490,7 +3618,7 @@
             </a:ln>
           </p:spPr>
           <p:txBody>
-            <a:bodyPr anchorCtr="0" anchor="ctr" bIns="91425" lIns="91425" rIns="91425" wrap="square" tIns="91425">
+            <a:bodyPr wrap="square" lIns="91425" tIns="91425" rIns="91425" bIns="91425" anchor="ctr" anchorCtr="0">
               <a:noAutofit/>
             </a:bodyPr>
             <a:lstStyle/>
@@ -3501,9 +3629,6 @@
                 </a:spcBef>
                 <a:buNone/>
               </a:pPr>
-              <a:r>
-                <a:t/>
-              </a:r>
               <a:endParaRPr/>
             </a:p>
           </p:txBody>
@@ -3521,7 +3646,7 @@
             </a:xfrm>
             <a:prstGeom prst="diagStripe">
               <a:avLst>
-                <a:gd fmla="val 50000" name="adj"/>
+                <a:gd name="adj" fmla="val 50000"/>
               </a:avLst>
             </a:prstGeom>
             <a:solidFill>
@@ -3532,7 +3657,7 @@
             </a:ln>
           </p:spPr>
           <p:txBody>
-            <a:bodyPr anchorCtr="0" anchor="ctr" bIns="91425" lIns="91425" rIns="91425" wrap="square" tIns="91425">
+            <a:bodyPr wrap="square" lIns="91425" tIns="91425" rIns="91425" bIns="91425" anchor="ctr" anchorCtr="0">
               <a:noAutofit/>
             </a:bodyPr>
             <a:lstStyle/>
@@ -3543,9 +3668,6 @@
                 </a:spcBef>
                 <a:buNone/>
               </a:pPr>
-              <a:r>
-                <a:t/>
-              </a:r>
               <a:endParaRPr/>
             </a:p>
           </p:txBody>
@@ -3563,7 +3685,7 @@
             </a:xfrm>
             <a:prstGeom prst="diagStripe">
               <a:avLst>
-                <a:gd fmla="val 50000" name="adj"/>
+                <a:gd name="adj" fmla="val 50000"/>
               </a:avLst>
             </a:prstGeom>
             <a:solidFill>
@@ -3576,7 +3698,7 @@
             </a:ln>
           </p:spPr>
           <p:txBody>
-            <a:bodyPr anchorCtr="0" anchor="ctr" bIns="91425" lIns="91425" rIns="91425" wrap="square" tIns="91425">
+            <a:bodyPr wrap="square" lIns="91425" tIns="91425" rIns="91425" bIns="91425" anchor="ctr" anchorCtr="0">
               <a:noAutofit/>
             </a:bodyPr>
             <a:lstStyle/>
@@ -3587,9 +3709,6 @@
                 </a:spcBef>
                 <a:buNone/>
               </a:pPr>
-              <a:r>
-                <a:t/>
-              </a:r>
               <a:endParaRPr/>
             </a:p>
           </p:txBody>
@@ -3607,7 +3726,7 @@
             </a:xfrm>
             <a:prstGeom prst="diagStripe">
               <a:avLst>
-                <a:gd fmla="val 50000" name="adj"/>
+                <a:gd name="adj" fmla="val 50000"/>
               </a:avLst>
             </a:prstGeom>
             <a:solidFill>
@@ -3620,7 +3739,7 @@
             </a:ln>
           </p:spPr>
           <p:txBody>
-            <a:bodyPr anchorCtr="0" anchor="ctr" bIns="91425" lIns="91425" rIns="91425" wrap="square" tIns="91425">
+            <a:bodyPr wrap="square" lIns="91425" tIns="91425" rIns="91425" bIns="91425" anchor="ctr" anchorCtr="0">
               <a:noAutofit/>
             </a:bodyPr>
             <a:lstStyle/>
@@ -3631,9 +3750,6 @@
                 </a:spcBef>
                 <a:buNone/>
               </a:pPr>
-              <a:r>
-                <a:t/>
-              </a:r>
               <a:endParaRPr/>
             </a:p>
           </p:txBody>
@@ -3651,7 +3767,7 @@
             </a:xfrm>
             <a:prstGeom prst="diagStripe">
               <a:avLst>
-                <a:gd fmla="val 50000" name="adj"/>
+                <a:gd name="adj" fmla="val 50000"/>
               </a:avLst>
             </a:prstGeom>
             <a:solidFill>
@@ -3664,7 +3780,7 @@
             </a:ln>
           </p:spPr>
           <p:txBody>
-            <a:bodyPr anchorCtr="0" anchor="ctr" bIns="91425" lIns="91425" rIns="91425" wrap="square" tIns="91425">
+            <a:bodyPr wrap="square" lIns="91425" tIns="91425" rIns="91425" bIns="91425" anchor="ctr" anchorCtr="0">
               <a:noAutofit/>
             </a:bodyPr>
             <a:lstStyle/>
@@ -3675,9 +3791,6 @@
                 </a:spcBef>
                 <a:buNone/>
               </a:pPr>
-              <a:r>
-                <a:t/>
-              </a:r>
               <a:endParaRPr/>
             </a:p>
           </p:txBody>
@@ -3695,7 +3808,7 @@
             </a:xfrm>
             <a:prstGeom prst="diagStripe">
               <a:avLst>
-                <a:gd fmla="val 50000" name="adj"/>
+                <a:gd name="adj" fmla="val 50000"/>
               </a:avLst>
             </a:prstGeom>
             <a:solidFill>
@@ -3708,7 +3821,7 @@
             </a:ln>
           </p:spPr>
           <p:txBody>
-            <a:bodyPr anchorCtr="0" anchor="ctr" bIns="91425" lIns="91425" rIns="91425" wrap="square" tIns="91425">
+            <a:bodyPr wrap="square" lIns="91425" tIns="91425" rIns="91425" bIns="91425" anchor="ctr" anchorCtr="0">
               <a:noAutofit/>
             </a:bodyPr>
             <a:lstStyle/>
@@ -3719,9 +3832,6 @@
                 </a:spcBef>
                 <a:buNone/>
               </a:pPr>
-              <a:r>
-                <a:t/>
-              </a:r>
               <a:endParaRPr/>
             </a:p>
           </p:txBody>
@@ -3739,7 +3849,7 @@
             </a:xfrm>
             <a:prstGeom prst="diagStripe">
               <a:avLst>
-                <a:gd fmla="val 50000" name="adj"/>
+                <a:gd name="adj" fmla="val 50000"/>
               </a:avLst>
             </a:prstGeom>
             <a:solidFill>
@@ -3752,7 +3862,7 @@
             </a:ln>
           </p:spPr>
           <p:txBody>
-            <a:bodyPr anchorCtr="0" anchor="ctr" bIns="91425" lIns="91425" rIns="91425" wrap="square" tIns="91425">
+            <a:bodyPr wrap="square" lIns="91425" tIns="91425" rIns="91425" bIns="91425" anchor="ctr" anchorCtr="0">
               <a:noAutofit/>
             </a:bodyPr>
             <a:lstStyle/>
@@ -3763,9 +3873,6 @@
                 </a:spcBef>
                 <a:buNone/>
               </a:pPr>
-              <a:r>
-                <a:t/>
-              </a:r>
               <a:endParaRPr/>
             </a:p>
           </p:txBody>
@@ -3783,7 +3890,7 @@
             </a:xfrm>
             <a:prstGeom prst="diagStripe">
               <a:avLst>
-                <a:gd fmla="val 50000" name="adj"/>
+                <a:gd name="adj" fmla="val 50000"/>
               </a:avLst>
             </a:prstGeom>
             <a:solidFill>
@@ -3794,7 +3901,7 @@
             </a:ln>
           </p:spPr>
           <p:txBody>
-            <a:bodyPr anchorCtr="0" anchor="ctr" bIns="91425" lIns="91425" rIns="91425" wrap="square" tIns="91425">
+            <a:bodyPr wrap="square" lIns="91425" tIns="91425" rIns="91425" bIns="91425" anchor="ctr" anchorCtr="0">
               <a:noAutofit/>
             </a:bodyPr>
             <a:lstStyle/>
@@ -3805,9 +3912,6 @@
                 </a:spcBef>
                 <a:buNone/>
               </a:pPr>
-              <a:r>
-                <a:t/>
-              </a:r>
               <a:endParaRPr/>
             </a:p>
           </p:txBody>
@@ -3825,7 +3929,7 @@
             </a:xfrm>
             <a:prstGeom prst="diagStripe">
               <a:avLst>
-                <a:gd fmla="val 50000" name="adj"/>
+                <a:gd name="adj" fmla="val 50000"/>
               </a:avLst>
             </a:prstGeom>
             <a:solidFill>
@@ -3838,7 +3942,7 @@
             </a:ln>
           </p:spPr>
           <p:txBody>
-            <a:bodyPr anchorCtr="0" anchor="ctr" bIns="91425" lIns="91425" rIns="91425" wrap="square" tIns="91425">
+            <a:bodyPr wrap="square" lIns="91425" tIns="91425" rIns="91425" bIns="91425" anchor="ctr" anchorCtr="0">
               <a:noAutofit/>
             </a:bodyPr>
             <a:lstStyle/>
@@ -3849,9 +3953,6 @@
                 </a:spcBef>
                 <a:buNone/>
               </a:pPr>
-              <a:r>
-                <a:t/>
-              </a:r>
               <a:endParaRPr/>
             </a:p>
           </p:txBody>
@@ -3869,7 +3970,7 @@
             </a:xfrm>
             <a:prstGeom prst="diagStripe">
               <a:avLst>
-                <a:gd fmla="val 50000" name="adj"/>
+                <a:gd name="adj" fmla="val 50000"/>
               </a:avLst>
             </a:prstGeom>
             <a:solidFill>
@@ -3882,7 +3983,7 @@
             </a:ln>
           </p:spPr>
           <p:txBody>
-            <a:bodyPr anchorCtr="0" anchor="ctr" bIns="91425" lIns="91425" rIns="91425" wrap="square" tIns="91425">
+            <a:bodyPr wrap="square" lIns="91425" tIns="91425" rIns="91425" bIns="91425" anchor="ctr" anchorCtr="0">
               <a:noAutofit/>
             </a:bodyPr>
             <a:lstStyle/>
@@ -3893,9 +3994,6 @@
                 </a:spcBef>
                 <a:buNone/>
               </a:pPr>
-              <a:r>
-                <a:t/>
-              </a:r>
               <a:endParaRPr/>
             </a:p>
           </p:txBody>
@@ -3913,7 +4011,7 @@
             </a:xfrm>
             <a:prstGeom prst="diagStripe">
               <a:avLst>
-                <a:gd fmla="val 50000" name="adj"/>
+                <a:gd name="adj" fmla="val 50000"/>
               </a:avLst>
             </a:prstGeom>
             <a:solidFill>
@@ -3926,7 +4024,7 @@
             </a:ln>
           </p:spPr>
           <p:txBody>
-            <a:bodyPr anchorCtr="0" anchor="ctr" bIns="91425" lIns="91425" rIns="91425" wrap="square" tIns="91425">
+            <a:bodyPr wrap="square" lIns="91425" tIns="91425" rIns="91425" bIns="91425" anchor="ctr" anchorCtr="0">
               <a:noAutofit/>
             </a:bodyPr>
             <a:lstStyle/>
@@ -3937,9 +4035,6 @@
                 </a:spcBef>
                 <a:buNone/>
               </a:pPr>
-              <a:r>
-                <a:t/>
-              </a:r>
               <a:endParaRPr/>
             </a:p>
           </p:txBody>
@@ -3957,7 +4052,7 @@
             </a:xfrm>
             <a:prstGeom prst="diagStripe">
               <a:avLst>
-                <a:gd fmla="val 50000" name="adj"/>
+                <a:gd name="adj" fmla="val 50000"/>
               </a:avLst>
             </a:prstGeom>
             <a:solidFill>
@@ -3970,7 +4065,7 @@
             </a:ln>
           </p:spPr>
           <p:txBody>
-            <a:bodyPr anchorCtr="0" anchor="ctr" bIns="91425" lIns="91425" rIns="91425" wrap="square" tIns="91425">
+            <a:bodyPr wrap="square" lIns="91425" tIns="91425" rIns="91425" bIns="91425" anchor="ctr" anchorCtr="0">
               <a:noAutofit/>
             </a:bodyPr>
             <a:lstStyle/>
@@ -3981,9 +4076,6 @@
                 </a:spcBef>
                 <a:buNone/>
               </a:pPr>
-              <a:r>
-                <a:t/>
-              </a:r>
               <a:endParaRPr/>
             </a:p>
           </p:txBody>
@@ -3992,7 +4084,9 @@
       <p:sp>
         <p:nvSpPr>
           <p:cNvPr id="39" name="Shape 39"/>
-          <p:cNvSpPr txBox="1"/>
+          <p:cNvSpPr txBox="1">
+            <a:spLocks noGrp="1"/>
+          </p:cNvSpPr>
           <p:nvPr>
             <p:ph type="title"/>
           </p:nvPr>
@@ -4007,7 +4101,7 @@
           </a:prstGeom>
         </p:spPr>
         <p:txBody>
-          <a:bodyPr anchorCtr="0" anchor="ctr" bIns="91425" lIns="91425" rIns="91425" wrap="square" tIns="91425"/>
+          <a:bodyPr wrap="square" lIns="91425" tIns="91425" rIns="91425" bIns="91425" anchor="ctr" anchorCtr="0"/>
           <a:lstStyle>
             <a:lvl1pPr lvl="0">
               <a:spcBef>
@@ -4064,15 +4158,19 @@
               <a:defRPr/>
             </a:lvl9pPr>
           </a:lstStyle>
-          <a:p/>
+          <a:p>
+            <a:endParaRPr/>
+          </a:p>
         </p:txBody>
       </p:sp>
       <p:sp>
         <p:nvSpPr>
           <p:cNvPr id="40" name="Shape 40"/>
-          <p:cNvSpPr txBox="1"/>
+          <p:cNvSpPr txBox="1">
+            <a:spLocks noGrp="1"/>
+          </p:cNvSpPr>
           <p:nvPr>
-            <p:ph idx="12" type="sldNum"/>
+            <p:ph type="sldNum" idx="12"/>
           </p:nvPr>
         </p:nvSpPr>
         <p:spPr>
@@ -4085,7 +4183,7 @@
           </a:prstGeom>
         </p:spPr>
         <p:txBody>
-          <a:bodyPr anchorCtr="0" anchor="ctr" bIns="91425" lIns="91425" rIns="91425" wrap="square" tIns="91425">
+          <a:bodyPr wrap="square" lIns="91425" tIns="91425" rIns="91425" bIns="91425" anchor="ctr" anchorCtr="0">
             <a:noAutofit/>
           </a:bodyPr>
           <a:lstStyle/>
@@ -4100,6 +4198,7 @@
               <a:rPr lang="ru"/>
               <a:t>‹#›</a:t>
             </a:fld>
+            <a:endParaRPr lang="ru"/>
           </a:p>
         </p:txBody>
       </p:sp>
@@ -4112,11 +4211,11 @@
 </file>
 
 <file path=ppt/slideLayouts/slideLayout3.xml><?xml version="1.0" encoding="utf-8"?>
-<p:sldLayout xmlns:a="http://schemas.openxmlformats.org/drawingml/2006/main" xmlns:r="http://schemas.openxmlformats.org/officeDocument/2006/relationships" xmlns:mc="http://schemas.openxmlformats.org/markup-compatibility/2006" xmlns:mv="urn:schemas-microsoft-com:mac:vml" xmlns:p="http://schemas.openxmlformats.org/presentationml/2006/main" xmlns:c="http://schemas.openxmlformats.org/drawingml/2006/chart" xmlns:dgm="http://schemas.openxmlformats.org/drawingml/2006/diagram" xmlns:o="urn:schemas-microsoft-com:office:office" xmlns:v="urn:schemas-microsoft-com:vml" xmlns:pvml="urn:schemas-microsoft-com:office:powerpoint" xmlns:com="http://schemas.openxmlformats.org/drawingml/2006/compatibility" xmlns:p14="http://schemas.microsoft.com/office/powerpoint/2010/main" xmlns:p15="http://schemas.microsoft.com/office/powerpoint/2012/main" type="tx">
+<p:sldLayout xmlns:a="http://schemas.openxmlformats.org/drawingml/2006/main" xmlns:r="http://schemas.openxmlformats.org/officeDocument/2006/relationships" xmlns:p="http://schemas.openxmlformats.org/presentationml/2006/main" type="tx">
   <p:cSld name="Title and body">
     <p:spTree>
       <p:nvGrpSpPr>
-        <p:cNvPr id="41" name="Shape 41"/>
+        <p:cNvPr id="1" name="Shape 41"/>
         <p:cNvGrpSpPr/>
         <p:nvPr/>
       </p:nvGrpSpPr>
@@ -4155,7 +4254,7 @@
             </a:xfrm>
             <a:prstGeom prst="diagStripe">
               <a:avLst>
-                <a:gd fmla="val 50000" name="adj"/>
+                <a:gd name="adj" fmla="val 50000"/>
               </a:avLst>
             </a:prstGeom>
             <a:solidFill>
@@ -4166,7 +4265,7 @@
             </a:ln>
           </p:spPr>
           <p:txBody>
-            <a:bodyPr anchorCtr="0" anchor="ctr" bIns="91425" lIns="91425" rIns="91425" wrap="square" tIns="91425">
+            <a:bodyPr wrap="square" lIns="91425" tIns="91425" rIns="91425" bIns="91425" anchor="ctr" anchorCtr="0">
               <a:noAutofit/>
             </a:bodyPr>
             <a:lstStyle/>
@@ -4177,9 +4276,6 @@
                 </a:spcBef>
                 <a:buNone/>
               </a:pPr>
-              <a:r>
-                <a:t/>
-              </a:r>
               <a:endParaRPr/>
             </a:p>
           </p:txBody>
@@ -4197,7 +4293,7 @@
             </a:xfrm>
             <a:prstGeom prst="diagStripe">
               <a:avLst>
-                <a:gd fmla="val 50000" name="adj"/>
+                <a:gd name="adj" fmla="val 50000"/>
               </a:avLst>
             </a:prstGeom>
             <a:solidFill>
@@ -4208,7 +4304,7 @@
             </a:ln>
           </p:spPr>
           <p:txBody>
-            <a:bodyPr anchorCtr="0" anchor="ctr" bIns="91425" lIns="91425" rIns="91425" wrap="square" tIns="91425">
+            <a:bodyPr wrap="square" lIns="91425" tIns="91425" rIns="91425" bIns="91425" anchor="ctr" anchorCtr="0">
               <a:noAutofit/>
             </a:bodyPr>
             <a:lstStyle/>
@@ -4219,9 +4315,6 @@
                 </a:spcBef>
                 <a:buNone/>
               </a:pPr>
-              <a:r>
-                <a:t/>
-              </a:r>
               <a:endParaRPr/>
             </a:p>
           </p:txBody>
@@ -4230,7 +4323,9 @@
       <p:sp>
         <p:nvSpPr>
           <p:cNvPr id="45" name="Shape 45"/>
-          <p:cNvSpPr txBox="1"/>
+          <p:cNvSpPr txBox="1">
+            <a:spLocks noGrp="1"/>
+          </p:cNvSpPr>
           <p:nvPr>
             <p:ph type="title"/>
           </p:nvPr>
@@ -4245,7 +4340,7 @@
           </a:prstGeom>
         </p:spPr>
         <p:txBody>
-          <a:bodyPr anchorCtr="0" anchor="t" bIns="91425" lIns="91425" rIns="91425" wrap="square" tIns="91425"/>
+          <a:bodyPr wrap="square" lIns="91425" tIns="91425" rIns="91425" bIns="91425" anchor="t" anchorCtr="0"/>
           <a:lstStyle>
             <a:lvl1pPr lvl="0">
               <a:spcBef>
@@ -4311,15 +4406,19 @@
               <a:defRPr sz="2400"/>
             </a:lvl9pPr>
           </a:lstStyle>
-          <a:p/>
+          <a:p>
+            <a:endParaRPr/>
+          </a:p>
         </p:txBody>
       </p:sp>
       <p:sp>
         <p:nvSpPr>
           <p:cNvPr id="46" name="Shape 46"/>
-          <p:cNvSpPr txBox="1"/>
+          <p:cNvSpPr txBox="1">
+            <a:spLocks noGrp="1"/>
+          </p:cNvSpPr>
           <p:nvPr>
-            <p:ph idx="1" type="body"/>
+            <p:ph type="body" idx="1"/>
           </p:nvPr>
         </p:nvSpPr>
         <p:spPr>
@@ -4332,7 +4431,7 @@
           </a:prstGeom>
         </p:spPr>
         <p:txBody>
-          <a:bodyPr anchorCtr="0" anchor="t" bIns="91425" lIns="91425" rIns="91425" wrap="square" tIns="91425"/>
+          <a:bodyPr wrap="square" lIns="91425" tIns="91425" rIns="91425" bIns="91425" anchor="t" anchorCtr="0"/>
           <a:lstStyle>
             <a:lvl1pPr lvl="0">
               <a:spcBef>
@@ -4389,15 +4488,19 @@
               <a:defRPr/>
             </a:lvl9pPr>
           </a:lstStyle>
-          <a:p/>
+          <a:p>
+            <a:endParaRPr/>
+          </a:p>
         </p:txBody>
       </p:sp>
       <p:sp>
         <p:nvSpPr>
           <p:cNvPr id="47" name="Shape 47"/>
-          <p:cNvSpPr txBox="1"/>
+          <p:cNvSpPr txBox="1">
+            <a:spLocks noGrp="1"/>
+          </p:cNvSpPr>
           <p:nvPr>
-            <p:ph idx="12" type="sldNum"/>
+            <p:ph type="sldNum" idx="12"/>
           </p:nvPr>
         </p:nvSpPr>
         <p:spPr>
@@ -4410,7 +4513,7 @@
           </a:prstGeom>
         </p:spPr>
         <p:txBody>
-          <a:bodyPr anchorCtr="0" anchor="ctr" bIns="91425" lIns="91425" rIns="91425" wrap="square" tIns="91425">
+          <a:bodyPr wrap="square" lIns="91425" tIns="91425" rIns="91425" bIns="91425" anchor="ctr" anchorCtr="0">
             <a:noAutofit/>
           </a:bodyPr>
           <a:lstStyle/>
@@ -4425,6 +4528,7 @@
               <a:rPr lang="ru"/>
               <a:t>‹#›</a:t>
             </a:fld>
+            <a:endParaRPr lang="ru"/>
           </a:p>
         </p:txBody>
       </p:sp>
@@ -4437,11 +4541,11 @@
 </file>
 
 <file path=ppt/slideLayouts/slideLayout4.xml><?xml version="1.0" encoding="utf-8"?>
-<p:sldLayout xmlns:a="http://schemas.openxmlformats.org/drawingml/2006/main" xmlns:r="http://schemas.openxmlformats.org/officeDocument/2006/relationships" xmlns:mc="http://schemas.openxmlformats.org/markup-compatibility/2006" xmlns:mv="urn:schemas-microsoft-com:mac:vml" xmlns:p="http://schemas.openxmlformats.org/presentationml/2006/main" xmlns:c="http://schemas.openxmlformats.org/drawingml/2006/chart" xmlns:dgm="http://schemas.openxmlformats.org/drawingml/2006/diagram" xmlns:o="urn:schemas-microsoft-com:office:office" xmlns:v="urn:schemas-microsoft-com:vml" xmlns:pvml="urn:schemas-microsoft-com:office:powerpoint" xmlns:com="http://schemas.openxmlformats.org/drawingml/2006/compatibility" xmlns:p14="http://schemas.microsoft.com/office/powerpoint/2010/main" xmlns:p15="http://schemas.microsoft.com/office/powerpoint/2012/main" type="twoColTx">
+<p:sldLayout xmlns:a="http://schemas.openxmlformats.org/drawingml/2006/main" xmlns:r="http://schemas.openxmlformats.org/officeDocument/2006/relationships" xmlns:p="http://schemas.openxmlformats.org/presentationml/2006/main" type="twoColTx">
   <p:cSld name="Title and two columns">
     <p:spTree>
       <p:nvGrpSpPr>
-        <p:cNvPr id="48" name="Shape 48"/>
+        <p:cNvPr id="1" name="Shape 48"/>
         <p:cNvGrpSpPr/>
         <p:nvPr/>
       </p:nvGrpSpPr>
@@ -4480,7 +4584,7 @@
             </a:xfrm>
             <a:prstGeom prst="diagStripe">
               <a:avLst>
-                <a:gd fmla="val 50000" name="adj"/>
+                <a:gd name="adj" fmla="val 50000"/>
               </a:avLst>
             </a:prstGeom>
             <a:solidFill>
@@ -4491,7 +4595,7 @@
             </a:ln>
           </p:spPr>
           <p:txBody>
-            <a:bodyPr anchorCtr="0" anchor="ctr" bIns="91425" lIns="91425" rIns="91425" wrap="square" tIns="91425">
+            <a:bodyPr wrap="square" lIns="91425" tIns="91425" rIns="91425" bIns="91425" anchor="ctr" anchorCtr="0">
               <a:noAutofit/>
             </a:bodyPr>
             <a:lstStyle/>
@@ -4502,9 +4606,6 @@
                 </a:spcBef>
                 <a:buNone/>
               </a:pPr>
-              <a:r>
-                <a:t/>
-              </a:r>
               <a:endParaRPr/>
             </a:p>
           </p:txBody>
@@ -4522,7 +4623,7 @@
             </a:xfrm>
             <a:prstGeom prst="diagStripe">
               <a:avLst>
-                <a:gd fmla="val 50000" name="adj"/>
+                <a:gd name="adj" fmla="val 50000"/>
               </a:avLst>
             </a:prstGeom>
             <a:solidFill>
@@ -4533,7 +4634,7 @@
             </a:ln>
           </p:spPr>
           <p:txBody>
-            <a:bodyPr anchorCtr="0" anchor="ctr" bIns="91425" lIns="91425" rIns="91425" wrap="square" tIns="91425">
+            <a:bodyPr wrap="square" lIns="91425" tIns="91425" rIns="91425" bIns="91425" anchor="ctr" anchorCtr="0">
               <a:noAutofit/>
             </a:bodyPr>
             <a:lstStyle/>
@@ -4544,9 +4645,6 @@
                 </a:spcBef>
                 <a:buNone/>
               </a:pPr>
-              <a:r>
-                <a:t/>
-              </a:r>
               <a:endParaRPr/>
             </a:p>
           </p:txBody>
@@ -4555,7 +4653,9 @@
       <p:sp>
         <p:nvSpPr>
           <p:cNvPr id="52" name="Shape 52"/>
-          <p:cNvSpPr txBox="1"/>
+          <p:cNvSpPr txBox="1">
+            <a:spLocks noGrp="1"/>
+          </p:cNvSpPr>
           <p:nvPr>
             <p:ph type="title"/>
           </p:nvPr>
@@ -4570,7 +4670,7 @@
           </a:prstGeom>
         </p:spPr>
         <p:txBody>
-          <a:bodyPr anchorCtr="0" anchor="t" bIns="91425" lIns="91425" rIns="91425" wrap="square" tIns="91425"/>
+          <a:bodyPr wrap="square" lIns="91425" tIns="91425" rIns="91425" bIns="91425" anchor="t" anchorCtr="0"/>
           <a:lstStyle>
             <a:lvl1pPr lvl="0">
               <a:spcBef>
@@ -4636,15 +4736,19 @@
               <a:defRPr sz="2400"/>
             </a:lvl9pPr>
           </a:lstStyle>
-          <a:p/>
+          <a:p>
+            <a:endParaRPr/>
+          </a:p>
         </p:txBody>
       </p:sp>
       <p:sp>
         <p:nvSpPr>
           <p:cNvPr id="53" name="Shape 53"/>
-          <p:cNvSpPr txBox="1"/>
+          <p:cNvSpPr txBox="1">
+            <a:spLocks noGrp="1"/>
+          </p:cNvSpPr>
           <p:nvPr>
-            <p:ph idx="1" type="body"/>
+            <p:ph type="body" idx="1"/>
           </p:nvPr>
         </p:nvSpPr>
         <p:spPr>
@@ -4657,7 +4761,7 @@
           </a:prstGeom>
         </p:spPr>
         <p:txBody>
-          <a:bodyPr anchorCtr="0" anchor="t" bIns="91425" lIns="91425" rIns="91425" wrap="square" tIns="91425"/>
+          <a:bodyPr wrap="square" lIns="91425" tIns="91425" rIns="91425" bIns="91425" anchor="t" anchorCtr="0"/>
           <a:lstStyle>
             <a:lvl1pPr lvl="0">
               <a:spcBef>
@@ -4714,15 +4818,19 @@
               <a:defRPr/>
             </a:lvl9pPr>
           </a:lstStyle>
-          <a:p/>
+          <a:p>
+            <a:endParaRPr/>
+          </a:p>
         </p:txBody>
       </p:sp>
       <p:sp>
         <p:nvSpPr>
           <p:cNvPr id="54" name="Shape 54"/>
-          <p:cNvSpPr txBox="1"/>
+          <p:cNvSpPr txBox="1">
+            <a:spLocks noGrp="1"/>
+          </p:cNvSpPr>
           <p:nvPr>
-            <p:ph idx="2" type="body"/>
+            <p:ph type="body" idx="2"/>
           </p:nvPr>
         </p:nvSpPr>
         <p:spPr>
@@ -4735,7 +4843,7 @@
           </a:prstGeom>
         </p:spPr>
         <p:txBody>
-          <a:bodyPr anchorCtr="0" anchor="t" bIns="91425" lIns="91425" rIns="91425" wrap="square" tIns="91425"/>
+          <a:bodyPr wrap="square" lIns="91425" tIns="91425" rIns="91425" bIns="91425" anchor="t" anchorCtr="0"/>
           <a:lstStyle>
             <a:lvl1pPr lvl="0">
               <a:spcBef>
@@ -4792,15 +4900,19 @@
               <a:defRPr/>
             </a:lvl9pPr>
           </a:lstStyle>
-          <a:p/>
+          <a:p>
+            <a:endParaRPr/>
+          </a:p>
         </p:txBody>
       </p:sp>
       <p:sp>
         <p:nvSpPr>
           <p:cNvPr id="55" name="Shape 55"/>
-          <p:cNvSpPr txBox="1"/>
+          <p:cNvSpPr txBox="1">
+            <a:spLocks noGrp="1"/>
+          </p:cNvSpPr>
           <p:nvPr>
-            <p:ph idx="12" type="sldNum"/>
+            <p:ph type="sldNum" idx="12"/>
           </p:nvPr>
         </p:nvSpPr>
         <p:spPr>
@@ -4813,7 +4925,7 @@
           </a:prstGeom>
         </p:spPr>
         <p:txBody>
-          <a:bodyPr anchorCtr="0" anchor="ctr" bIns="91425" lIns="91425" rIns="91425" wrap="square" tIns="91425">
+          <a:bodyPr wrap="square" lIns="91425" tIns="91425" rIns="91425" bIns="91425" anchor="ctr" anchorCtr="0">
             <a:noAutofit/>
           </a:bodyPr>
           <a:lstStyle/>
@@ -4828,6 +4940,7 @@
               <a:rPr lang="ru"/>
               <a:t>‹#›</a:t>
             </a:fld>
+            <a:endParaRPr lang="ru"/>
           </a:p>
         </p:txBody>
       </p:sp>
@@ -4840,11 +4953,11 @@
 </file>
 
 <file path=ppt/slideLayouts/slideLayout5.xml><?xml version="1.0" encoding="utf-8"?>
-<p:sldLayout xmlns:a="http://schemas.openxmlformats.org/drawingml/2006/main" xmlns:r="http://schemas.openxmlformats.org/officeDocument/2006/relationships" xmlns:mc="http://schemas.openxmlformats.org/markup-compatibility/2006" xmlns:mv="urn:schemas-microsoft-com:mac:vml" xmlns:p="http://schemas.openxmlformats.org/presentationml/2006/main" xmlns:c="http://schemas.openxmlformats.org/drawingml/2006/chart" xmlns:dgm="http://schemas.openxmlformats.org/drawingml/2006/diagram" xmlns:o="urn:schemas-microsoft-com:office:office" xmlns:v="urn:schemas-microsoft-com:vml" xmlns:pvml="urn:schemas-microsoft-com:office:powerpoint" xmlns:com="http://schemas.openxmlformats.org/drawingml/2006/compatibility" xmlns:p14="http://schemas.microsoft.com/office/powerpoint/2010/main" xmlns:p15="http://schemas.microsoft.com/office/powerpoint/2012/main" type="titleOnly">
+<p:sldLayout xmlns:a="http://schemas.openxmlformats.org/drawingml/2006/main" xmlns:r="http://schemas.openxmlformats.org/officeDocument/2006/relationships" xmlns:p="http://schemas.openxmlformats.org/presentationml/2006/main" type="titleOnly">
   <p:cSld name="Title only">
     <p:spTree>
       <p:nvGrpSpPr>
-        <p:cNvPr id="56" name="Shape 56"/>
+        <p:cNvPr id="1" name="Shape 56"/>
         <p:cNvGrpSpPr/>
         <p:nvPr/>
       </p:nvGrpSpPr>
@@ -4883,7 +4996,7 @@
             </a:xfrm>
             <a:prstGeom prst="diagStripe">
               <a:avLst>
-                <a:gd fmla="val 50000" name="adj"/>
+                <a:gd name="adj" fmla="val 50000"/>
               </a:avLst>
             </a:prstGeom>
             <a:solidFill>
@@ -4894,7 +5007,7 @@
             </a:ln>
           </p:spPr>
           <p:txBody>
-            <a:bodyPr anchorCtr="0" anchor="ctr" bIns="91425" lIns="91425" rIns="91425" wrap="square" tIns="91425">
+            <a:bodyPr wrap="square" lIns="91425" tIns="91425" rIns="91425" bIns="91425" anchor="ctr" anchorCtr="0">
               <a:noAutofit/>
             </a:bodyPr>
             <a:lstStyle/>
@@ -4905,9 +5018,6 @@
                 </a:spcBef>
                 <a:buNone/>
               </a:pPr>
-              <a:r>
-                <a:t/>
-              </a:r>
               <a:endParaRPr/>
             </a:p>
           </p:txBody>
@@ -4925,7 +5035,7 @@
             </a:xfrm>
             <a:prstGeom prst="diagStripe">
               <a:avLst>
-                <a:gd fmla="val 50000" name="adj"/>
+                <a:gd name="adj" fmla="val 50000"/>
               </a:avLst>
             </a:prstGeom>
             <a:solidFill>
@@ -4936,7 +5046,7 @@
             </a:ln>
           </p:spPr>
           <p:txBody>
-            <a:bodyPr anchorCtr="0" anchor="ctr" bIns="91425" lIns="91425" rIns="91425" wrap="square" tIns="91425">
+            <a:bodyPr wrap="square" lIns="91425" tIns="91425" rIns="91425" bIns="91425" anchor="ctr" anchorCtr="0">
               <a:noAutofit/>
             </a:bodyPr>
             <a:lstStyle/>
@@ -4947,9 +5057,6 @@
                 </a:spcBef>
                 <a:buNone/>
               </a:pPr>
-              <a:r>
-                <a:t/>
-              </a:r>
               <a:endParaRPr/>
             </a:p>
           </p:txBody>
@@ -4958,7 +5065,9 @@
       <p:sp>
         <p:nvSpPr>
           <p:cNvPr id="60" name="Shape 60"/>
-          <p:cNvSpPr txBox="1"/>
+          <p:cNvSpPr txBox="1">
+            <a:spLocks noGrp="1"/>
+          </p:cNvSpPr>
           <p:nvPr>
             <p:ph type="title"/>
           </p:nvPr>
@@ -4973,7 +5082,7 @@
           </a:prstGeom>
         </p:spPr>
         <p:txBody>
-          <a:bodyPr anchorCtr="0" anchor="t" bIns="91425" lIns="91425" rIns="91425" wrap="square" tIns="91425"/>
+          <a:bodyPr wrap="square" lIns="91425" tIns="91425" rIns="91425" bIns="91425" anchor="t" anchorCtr="0"/>
           <a:lstStyle>
             <a:lvl1pPr lvl="0">
               <a:spcBef>
@@ -5039,15 +5148,19 @@
               <a:defRPr sz="2400"/>
             </a:lvl9pPr>
           </a:lstStyle>
-          <a:p/>
+          <a:p>
+            <a:endParaRPr/>
+          </a:p>
         </p:txBody>
       </p:sp>
       <p:sp>
         <p:nvSpPr>
           <p:cNvPr id="61" name="Shape 61"/>
-          <p:cNvSpPr txBox="1"/>
+          <p:cNvSpPr txBox="1">
+            <a:spLocks noGrp="1"/>
+          </p:cNvSpPr>
           <p:nvPr>
-            <p:ph idx="12" type="sldNum"/>
+            <p:ph type="sldNum" idx="12"/>
           </p:nvPr>
         </p:nvSpPr>
         <p:spPr>
@@ -5060,7 +5173,7 @@
           </a:prstGeom>
         </p:spPr>
         <p:txBody>
-          <a:bodyPr anchorCtr="0" anchor="ctr" bIns="91425" lIns="91425" rIns="91425" wrap="square" tIns="91425">
+          <a:bodyPr wrap="square" lIns="91425" tIns="91425" rIns="91425" bIns="91425" anchor="ctr" anchorCtr="0">
             <a:noAutofit/>
           </a:bodyPr>
           <a:lstStyle/>
@@ -5075,6 +5188,7 @@
               <a:rPr lang="ru"/>
               <a:t>‹#›</a:t>
             </a:fld>
+            <a:endParaRPr lang="ru"/>
           </a:p>
         </p:txBody>
       </p:sp>
@@ -5087,11 +5201,11 @@
 </file>
 
 <file path=ppt/slideLayouts/slideLayout6.xml><?xml version="1.0" encoding="utf-8"?>
-<p:sldLayout xmlns:a="http://schemas.openxmlformats.org/drawingml/2006/main" xmlns:r="http://schemas.openxmlformats.org/officeDocument/2006/relationships" xmlns:mc="http://schemas.openxmlformats.org/markup-compatibility/2006" xmlns:mv="urn:schemas-microsoft-com:mac:vml" xmlns:p="http://schemas.openxmlformats.org/presentationml/2006/main" xmlns:c="http://schemas.openxmlformats.org/drawingml/2006/chart" xmlns:dgm="http://schemas.openxmlformats.org/drawingml/2006/diagram" xmlns:o="urn:schemas-microsoft-com:office:office" xmlns:v="urn:schemas-microsoft-com:vml" xmlns:pvml="urn:schemas-microsoft-com:office:powerpoint" xmlns:com="http://schemas.openxmlformats.org/drawingml/2006/compatibility" xmlns:p14="http://schemas.microsoft.com/office/powerpoint/2010/main" xmlns:p15="http://schemas.microsoft.com/office/powerpoint/2012/main">
+<p:sldLayout xmlns:a="http://schemas.openxmlformats.org/drawingml/2006/main" xmlns:r="http://schemas.openxmlformats.org/officeDocument/2006/relationships" xmlns:p="http://schemas.openxmlformats.org/presentationml/2006/main">
   <p:cSld name="One column text">
     <p:spTree>
       <p:nvGrpSpPr>
-        <p:cNvPr id="62" name="Shape 62"/>
+        <p:cNvPr id="1" name="Shape 62"/>
         <p:cNvGrpSpPr/>
         <p:nvPr/>
       </p:nvGrpSpPr>
@@ -5130,7 +5244,7 @@
             </a:xfrm>
             <a:prstGeom prst="diagStripe">
               <a:avLst>
-                <a:gd fmla="val 50000" name="adj"/>
+                <a:gd name="adj" fmla="val 50000"/>
               </a:avLst>
             </a:prstGeom>
             <a:solidFill>
@@ -5141,7 +5255,7 @@
             </a:ln>
           </p:spPr>
           <p:txBody>
-            <a:bodyPr anchorCtr="0" anchor="ctr" bIns="91425" lIns="91425" rIns="91425" wrap="square" tIns="91425">
+            <a:bodyPr wrap="square" lIns="91425" tIns="91425" rIns="91425" bIns="91425" anchor="ctr" anchorCtr="0">
               <a:noAutofit/>
             </a:bodyPr>
             <a:lstStyle/>
@@ -5152,9 +5266,6 @@
                 </a:spcBef>
                 <a:buNone/>
               </a:pPr>
-              <a:r>
-                <a:t/>
-              </a:r>
               <a:endParaRPr/>
             </a:p>
           </p:txBody>
@@ -5172,7 +5283,7 @@
             </a:xfrm>
             <a:prstGeom prst="diagStripe">
               <a:avLst>
-                <a:gd fmla="val 50000" name="adj"/>
+                <a:gd name="adj" fmla="val 50000"/>
               </a:avLst>
             </a:prstGeom>
             <a:solidFill>
@@ -5183,7 +5294,7 @@
             </a:ln>
           </p:spPr>
           <p:txBody>
-            <a:bodyPr anchorCtr="0" anchor="ctr" bIns="91425" lIns="91425" rIns="91425" wrap="square" tIns="91425">
+            <a:bodyPr wrap="square" lIns="91425" tIns="91425" rIns="91425" bIns="91425" anchor="ctr" anchorCtr="0">
               <a:noAutofit/>
             </a:bodyPr>
             <a:lstStyle/>
@@ -5194,9 +5305,6 @@
                 </a:spcBef>
                 <a:buNone/>
               </a:pPr>
-              <a:r>
-                <a:t/>
-              </a:r>
               <a:endParaRPr/>
             </a:p>
           </p:txBody>
@@ -5205,7 +5313,9 @@
       <p:sp>
         <p:nvSpPr>
           <p:cNvPr id="66" name="Shape 66"/>
-          <p:cNvSpPr txBox="1"/>
+          <p:cNvSpPr txBox="1">
+            <a:spLocks noGrp="1"/>
+          </p:cNvSpPr>
           <p:nvPr>
             <p:ph type="title"/>
           </p:nvPr>
@@ -5220,7 +5330,7 @@
           </a:prstGeom>
         </p:spPr>
         <p:txBody>
-          <a:bodyPr anchorCtr="0" anchor="t" bIns="91425" lIns="91425" rIns="91425" wrap="square" tIns="91425"/>
+          <a:bodyPr wrap="square" lIns="91425" tIns="91425" rIns="91425" bIns="91425" anchor="t" anchorCtr="0"/>
           <a:lstStyle>
             <a:lvl1pPr lvl="0">
               <a:spcBef>
@@ -5286,15 +5396,19 @@
               <a:defRPr sz="2400"/>
             </a:lvl9pPr>
           </a:lstStyle>
-          <a:p/>
+          <a:p>
+            <a:endParaRPr/>
+          </a:p>
         </p:txBody>
       </p:sp>
       <p:sp>
         <p:nvSpPr>
           <p:cNvPr id="67" name="Shape 67"/>
-          <p:cNvSpPr txBox="1"/>
+          <p:cNvSpPr txBox="1">
+            <a:spLocks noGrp="1"/>
+          </p:cNvSpPr>
           <p:nvPr>
-            <p:ph idx="1" type="body"/>
+            <p:ph type="body" idx="1"/>
           </p:nvPr>
         </p:nvSpPr>
         <p:spPr>
@@ -5307,7 +5421,7 @@
           </a:prstGeom>
         </p:spPr>
         <p:txBody>
-          <a:bodyPr anchorCtr="0" anchor="t" bIns="91425" lIns="91425" rIns="91425" wrap="square" tIns="91425"/>
+          <a:bodyPr wrap="square" lIns="91425" tIns="91425" rIns="91425" bIns="91425" anchor="t" anchorCtr="0"/>
           <a:lstStyle>
             <a:lvl1pPr lvl="0">
               <a:spcBef>
@@ -5364,15 +5478,19 @@
               <a:defRPr/>
             </a:lvl9pPr>
           </a:lstStyle>
-          <a:p/>
+          <a:p>
+            <a:endParaRPr/>
+          </a:p>
         </p:txBody>
       </p:sp>
       <p:sp>
         <p:nvSpPr>
           <p:cNvPr id="68" name="Shape 68"/>
-          <p:cNvSpPr txBox="1"/>
+          <p:cNvSpPr txBox="1">
+            <a:spLocks noGrp="1"/>
+          </p:cNvSpPr>
           <p:nvPr>
-            <p:ph idx="12" type="sldNum"/>
+            <p:ph type="sldNum" idx="12"/>
           </p:nvPr>
         </p:nvSpPr>
         <p:spPr>
@@ -5385,7 +5503,7 @@
           </a:prstGeom>
         </p:spPr>
         <p:txBody>
-          <a:bodyPr anchorCtr="0" anchor="ctr" bIns="91425" lIns="91425" rIns="91425" wrap="square" tIns="91425">
+          <a:bodyPr wrap="square" lIns="91425" tIns="91425" rIns="91425" bIns="91425" anchor="ctr" anchorCtr="0">
             <a:noAutofit/>
           </a:bodyPr>
           <a:lstStyle/>
@@ -5400,6 +5518,7 @@
               <a:rPr lang="ru"/>
               <a:t>‹#›</a:t>
             </a:fld>
+            <a:endParaRPr lang="ru"/>
           </a:p>
         </p:txBody>
       </p:sp>
@@ -5412,11 +5531,11 @@
 </file>
 
 <file path=ppt/slideLayouts/slideLayout7.xml><?xml version="1.0" encoding="utf-8"?>
-<p:sldLayout xmlns:a="http://schemas.openxmlformats.org/drawingml/2006/main" xmlns:r="http://schemas.openxmlformats.org/officeDocument/2006/relationships" xmlns:mc="http://schemas.openxmlformats.org/markup-compatibility/2006" xmlns:mv="urn:schemas-microsoft-com:mac:vml" xmlns:p="http://schemas.openxmlformats.org/presentationml/2006/main" xmlns:c="http://schemas.openxmlformats.org/drawingml/2006/chart" xmlns:dgm="http://schemas.openxmlformats.org/drawingml/2006/diagram" xmlns:o="urn:schemas-microsoft-com:office:office" xmlns:v="urn:schemas-microsoft-com:vml" xmlns:pvml="urn:schemas-microsoft-com:office:powerpoint" xmlns:com="http://schemas.openxmlformats.org/drawingml/2006/compatibility" xmlns:p14="http://schemas.microsoft.com/office/powerpoint/2010/main" xmlns:p15="http://schemas.microsoft.com/office/powerpoint/2012/main">
+<p:sldLayout xmlns:a="http://schemas.openxmlformats.org/drawingml/2006/main" xmlns:r="http://schemas.openxmlformats.org/officeDocument/2006/relationships" xmlns:p="http://schemas.openxmlformats.org/presentationml/2006/main">
   <p:cSld name="Main point">
     <p:spTree>
       <p:nvGrpSpPr>
-        <p:cNvPr id="69" name="Shape 69"/>
+        <p:cNvPr id="1" name="Shape 69"/>
         <p:cNvGrpSpPr/>
         <p:nvPr/>
       </p:nvGrpSpPr>
@@ -5455,7 +5574,7 @@
             </a:xfrm>
             <a:prstGeom prst="diagStripe">
               <a:avLst>
-                <a:gd fmla="val 49469" name="adj"/>
+                <a:gd name="adj" fmla="val 49469"/>
               </a:avLst>
             </a:prstGeom>
             <a:solidFill>
@@ -5468,7 +5587,7 @@
             </a:ln>
           </p:spPr>
           <p:txBody>
-            <a:bodyPr anchorCtr="0" anchor="ctr" bIns="91425" lIns="91425" rIns="91425" wrap="square" tIns="91425">
+            <a:bodyPr wrap="square" lIns="91425" tIns="91425" rIns="91425" bIns="91425" anchor="ctr" anchorCtr="0">
               <a:noAutofit/>
             </a:bodyPr>
             <a:lstStyle/>
@@ -5479,9 +5598,6 @@
                 </a:spcBef>
                 <a:buNone/>
               </a:pPr>
-              <a:r>
-                <a:t/>
-              </a:r>
               <a:endParaRPr/>
             </a:p>
           </p:txBody>
@@ -5499,7 +5615,7 @@
             </a:xfrm>
             <a:prstGeom prst="diagStripe">
               <a:avLst>
-                <a:gd fmla="val 0" name="adj"/>
+                <a:gd name="adj" fmla="val 0"/>
               </a:avLst>
             </a:prstGeom>
             <a:solidFill>
@@ -5512,7 +5628,7 @@
             </a:ln>
           </p:spPr>
           <p:txBody>
-            <a:bodyPr anchorCtr="0" anchor="ctr" bIns="91425" lIns="91425" rIns="91425" wrap="square" tIns="91425">
+            <a:bodyPr wrap="square" lIns="91425" tIns="91425" rIns="91425" bIns="91425" anchor="ctr" anchorCtr="0">
               <a:noAutofit/>
             </a:bodyPr>
             <a:lstStyle/>
@@ -5523,9 +5639,6 @@
                 </a:spcBef>
                 <a:buNone/>
               </a:pPr>
-              <a:r>
-                <a:t/>
-              </a:r>
               <a:endParaRPr/>
             </a:p>
           </p:txBody>
@@ -5543,7 +5656,7 @@
             </a:xfrm>
             <a:prstGeom prst="diagStripe">
               <a:avLst>
-                <a:gd fmla="val 50000" name="adj"/>
+                <a:gd name="adj" fmla="val 50000"/>
               </a:avLst>
             </a:prstGeom>
             <a:solidFill>
@@ -5556,7 +5669,7 @@
             </a:ln>
           </p:spPr>
           <p:txBody>
-            <a:bodyPr anchorCtr="0" anchor="ctr" bIns="91425" lIns="91425" rIns="91425" wrap="square" tIns="91425">
+            <a:bodyPr wrap="square" lIns="91425" tIns="91425" rIns="91425" bIns="91425" anchor="ctr" anchorCtr="0">
               <a:noAutofit/>
             </a:bodyPr>
             <a:lstStyle/>
@@ -5567,9 +5680,6 @@
                 </a:spcBef>
                 <a:buNone/>
               </a:pPr>
-              <a:r>
-                <a:t/>
-              </a:r>
               <a:endParaRPr/>
             </a:p>
           </p:txBody>
@@ -5587,7 +5697,7 @@
             </a:xfrm>
             <a:prstGeom prst="diagStripe">
               <a:avLst>
-                <a:gd fmla="val 50000" name="adj"/>
+                <a:gd name="adj" fmla="val 50000"/>
               </a:avLst>
             </a:prstGeom>
             <a:solidFill>
@@ -5600,7 +5710,7 @@
             </a:ln>
           </p:spPr>
           <p:txBody>
-            <a:bodyPr anchorCtr="0" anchor="ctr" bIns="91425" lIns="91425" rIns="91425" wrap="square" tIns="91425">
+            <a:bodyPr wrap="square" lIns="91425" tIns="91425" rIns="91425" bIns="91425" anchor="ctr" anchorCtr="0">
               <a:noAutofit/>
             </a:bodyPr>
             <a:lstStyle/>
@@ -5611,9 +5721,6 @@
                 </a:spcBef>
                 <a:buNone/>
               </a:pPr>
-              <a:r>
-                <a:t/>
-              </a:r>
               <a:endParaRPr/>
             </a:p>
           </p:txBody>
@@ -5631,7 +5738,7 @@
             </a:xfrm>
             <a:prstGeom prst="diagStripe">
               <a:avLst>
-                <a:gd fmla="val 50000" name="adj"/>
+                <a:gd name="adj" fmla="val 50000"/>
               </a:avLst>
             </a:prstGeom>
             <a:solidFill>
@@ -5644,7 +5751,7 @@
             </a:ln>
           </p:spPr>
           <p:txBody>
-            <a:bodyPr anchorCtr="0" anchor="ctr" bIns="91425" lIns="91425" rIns="91425" wrap="square" tIns="91425">
+            <a:bodyPr wrap="square" lIns="91425" tIns="91425" rIns="91425" bIns="91425" anchor="ctr" anchorCtr="0">
               <a:noAutofit/>
             </a:bodyPr>
             <a:lstStyle/>
@@ -5655,9 +5762,6 @@
                 </a:spcBef>
                 <a:buNone/>
               </a:pPr>
-              <a:r>
-                <a:t/>
-              </a:r>
               <a:endParaRPr/>
             </a:p>
           </p:txBody>
@@ -5675,7 +5779,7 @@
             </a:xfrm>
             <a:prstGeom prst="diagStripe">
               <a:avLst>
-                <a:gd fmla="val 50000" name="adj"/>
+                <a:gd name="adj" fmla="val 50000"/>
               </a:avLst>
             </a:prstGeom>
             <a:solidFill>
@@ -5688,7 +5792,7 @@
             </a:ln>
           </p:spPr>
           <p:txBody>
-            <a:bodyPr anchorCtr="0" anchor="ctr" bIns="91425" lIns="91425" rIns="91425" wrap="square" tIns="91425">
+            <a:bodyPr wrap="square" lIns="91425" tIns="91425" rIns="91425" bIns="91425" anchor="ctr" anchorCtr="0">
               <a:noAutofit/>
             </a:bodyPr>
             <a:lstStyle/>
@@ -5699,9 +5803,6 @@
                 </a:spcBef>
                 <a:buNone/>
               </a:pPr>
-              <a:r>
-                <a:t/>
-              </a:r>
               <a:endParaRPr/>
             </a:p>
           </p:txBody>
@@ -5719,7 +5820,7 @@
             </a:xfrm>
             <a:prstGeom prst="diagStripe">
               <a:avLst>
-                <a:gd fmla="val 50000" name="adj"/>
+                <a:gd name="adj" fmla="val 50000"/>
               </a:avLst>
             </a:prstGeom>
             <a:solidFill>
@@ -5732,7 +5833,7 @@
             </a:ln>
           </p:spPr>
           <p:txBody>
-            <a:bodyPr anchorCtr="0" anchor="ctr" bIns="91425" lIns="91425" rIns="91425" wrap="square" tIns="91425">
+            <a:bodyPr wrap="square" lIns="91425" tIns="91425" rIns="91425" bIns="91425" anchor="ctr" anchorCtr="0">
               <a:noAutofit/>
             </a:bodyPr>
             <a:lstStyle/>
@@ -5743,9 +5844,6 @@
                 </a:spcBef>
                 <a:buNone/>
               </a:pPr>
-              <a:r>
-                <a:t/>
-              </a:r>
               <a:endParaRPr/>
             </a:p>
           </p:txBody>
@@ -5763,7 +5861,7 @@
             </a:xfrm>
             <a:prstGeom prst="diagStripe">
               <a:avLst>
-                <a:gd fmla="val 50000" name="adj"/>
+                <a:gd name="adj" fmla="val 50000"/>
               </a:avLst>
             </a:prstGeom>
             <a:solidFill>
@@ -5774,7 +5872,7 @@
             </a:ln>
           </p:spPr>
           <p:txBody>
-            <a:bodyPr anchorCtr="0" anchor="ctr" bIns="91425" lIns="91425" rIns="91425" wrap="square" tIns="91425">
+            <a:bodyPr wrap="square" lIns="91425" tIns="91425" rIns="91425" bIns="91425" anchor="ctr" anchorCtr="0">
               <a:noAutofit/>
             </a:bodyPr>
             <a:lstStyle/>
@@ -5785,9 +5883,6 @@
                 </a:spcBef>
                 <a:buNone/>
               </a:pPr>
-              <a:r>
-                <a:t/>
-              </a:r>
               <a:endParaRPr/>
             </a:p>
           </p:txBody>
@@ -5805,7 +5900,7 @@
             </a:xfrm>
             <a:prstGeom prst="diagStripe">
               <a:avLst>
-                <a:gd fmla="val 50000" name="adj"/>
+                <a:gd name="adj" fmla="val 50000"/>
               </a:avLst>
             </a:prstGeom>
             <a:solidFill>
@@ -5818,7 +5913,7 @@
             </a:ln>
           </p:spPr>
           <p:txBody>
-            <a:bodyPr anchorCtr="0" anchor="ctr" bIns="91425" lIns="91425" rIns="91425" wrap="square" tIns="91425">
+            <a:bodyPr wrap="square" lIns="91425" tIns="91425" rIns="91425" bIns="91425" anchor="ctr" anchorCtr="0">
               <a:noAutofit/>
             </a:bodyPr>
             <a:lstStyle/>
@@ -5829,9 +5924,6 @@
                 </a:spcBef>
                 <a:buNone/>
               </a:pPr>
-              <a:r>
-                <a:t/>
-              </a:r>
               <a:endParaRPr/>
             </a:p>
           </p:txBody>
@@ -5849,7 +5941,7 @@
             </a:xfrm>
             <a:prstGeom prst="diagStripe">
               <a:avLst>
-                <a:gd fmla="val 50000" name="adj"/>
+                <a:gd name="adj" fmla="val 50000"/>
               </a:avLst>
             </a:prstGeom>
             <a:solidFill>
@@ -5862,7 +5954,7 @@
             </a:ln>
           </p:spPr>
           <p:txBody>
-            <a:bodyPr anchorCtr="0" anchor="ctr" bIns="91425" lIns="91425" rIns="91425" wrap="square" tIns="91425">
+            <a:bodyPr wrap="square" lIns="91425" tIns="91425" rIns="91425" bIns="91425" anchor="ctr" anchorCtr="0">
               <a:noAutofit/>
             </a:bodyPr>
             <a:lstStyle/>
@@ -5873,9 +5965,6 @@
                 </a:spcBef>
                 <a:buNone/>
               </a:pPr>
-              <a:r>
-                <a:t/>
-              </a:r>
               <a:endParaRPr/>
             </a:p>
           </p:txBody>
@@ -5893,7 +5982,7 @@
             </a:xfrm>
             <a:prstGeom prst="diagStripe">
               <a:avLst>
-                <a:gd fmla="val 50000" name="adj"/>
+                <a:gd name="adj" fmla="val 50000"/>
               </a:avLst>
             </a:prstGeom>
             <a:solidFill>
@@ -5906,7 +5995,7 @@
             </a:ln>
           </p:spPr>
           <p:txBody>
-            <a:bodyPr anchorCtr="0" anchor="ctr" bIns="91425" lIns="91425" rIns="91425" wrap="square" tIns="91425">
+            <a:bodyPr wrap="square" lIns="91425" tIns="91425" rIns="91425" bIns="91425" anchor="ctr" anchorCtr="0">
               <a:noAutofit/>
             </a:bodyPr>
             <a:lstStyle/>
@@ -5917,9 +6006,6 @@
                 </a:spcBef>
                 <a:buNone/>
               </a:pPr>
-              <a:r>
-                <a:t/>
-              </a:r>
               <a:endParaRPr/>
             </a:p>
           </p:txBody>
@@ -5937,7 +6023,7 @@
             </a:xfrm>
             <a:prstGeom prst="diagStripe">
               <a:avLst>
-                <a:gd fmla="val 50000" name="adj"/>
+                <a:gd name="adj" fmla="val 50000"/>
               </a:avLst>
             </a:prstGeom>
             <a:solidFill>
@@ -5950,7 +6036,7 @@
             </a:ln>
           </p:spPr>
           <p:txBody>
-            <a:bodyPr anchorCtr="0" anchor="ctr" bIns="91425" lIns="91425" rIns="91425" wrap="square" tIns="91425">
+            <a:bodyPr wrap="square" lIns="91425" tIns="91425" rIns="91425" bIns="91425" anchor="ctr" anchorCtr="0">
               <a:noAutofit/>
             </a:bodyPr>
             <a:lstStyle/>
@@ -5961,9 +6047,6 @@
                 </a:spcBef>
                 <a:buNone/>
               </a:pPr>
-              <a:r>
-                <a:t/>
-              </a:r>
               <a:endParaRPr/>
             </a:p>
           </p:txBody>
@@ -5981,7 +6064,7 @@
             </a:xfrm>
             <a:prstGeom prst="diagStripe">
               <a:avLst>
-                <a:gd fmla="val 50000" name="adj"/>
+                <a:gd name="adj" fmla="val 50000"/>
               </a:avLst>
             </a:prstGeom>
             <a:solidFill>
@@ -5994,7 +6077,7 @@
             </a:ln>
           </p:spPr>
           <p:txBody>
-            <a:bodyPr anchorCtr="0" anchor="ctr" bIns="91425" lIns="91425" rIns="91425" wrap="square" tIns="91425">
+            <a:bodyPr wrap="square" lIns="91425" tIns="91425" rIns="91425" bIns="91425" anchor="ctr" anchorCtr="0">
               <a:noAutofit/>
             </a:bodyPr>
             <a:lstStyle/>
@@ -6005,9 +6088,6 @@
                 </a:spcBef>
                 <a:buNone/>
               </a:pPr>
-              <a:r>
-                <a:t/>
-              </a:r>
               <a:endParaRPr/>
             </a:p>
           </p:txBody>
@@ -6025,7 +6105,7 @@
             </a:xfrm>
             <a:prstGeom prst="diagStripe">
               <a:avLst>
-                <a:gd fmla="val 50000" name="adj"/>
+                <a:gd name="adj" fmla="val 50000"/>
               </a:avLst>
             </a:prstGeom>
             <a:solidFill>
@@ -6036,7 +6116,7 @@
             </a:ln>
           </p:spPr>
           <p:txBody>
-            <a:bodyPr anchorCtr="0" anchor="ctr" bIns="91425" lIns="91425" rIns="91425" wrap="square" tIns="91425">
+            <a:bodyPr wrap="square" lIns="91425" tIns="91425" rIns="91425" bIns="91425" anchor="ctr" anchorCtr="0">
               <a:noAutofit/>
             </a:bodyPr>
             <a:lstStyle/>
@@ -6047,9 +6127,6 @@
                 </a:spcBef>
                 <a:buNone/>
               </a:pPr>
-              <a:r>
-                <a:t/>
-              </a:r>
               <a:endParaRPr/>
             </a:p>
           </p:txBody>
@@ -6067,7 +6144,7 @@
             </a:xfrm>
             <a:prstGeom prst="diagStripe">
               <a:avLst>
-                <a:gd fmla="val 50000" name="adj"/>
+                <a:gd name="adj" fmla="val 50000"/>
               </a:avLst>
             </a:prstGeom>
             <a:solidFill>
@@ -6080,7 +6157,7 @@
             </a:ln>
           </p:spPr>
           <p:txBody>
-            <a:bodyPr anchorCtr="0" anchor="ctr" bIns="91425" lIns="91425" rIns="91425" wrap="square" tIns="91425">
+            <a:bodyPr wrap="square" lIns="91425" tIns="91425" rIns="91425" bIns="91425" anchor="ctr" anchorCtr="0">
               <a:noAutofit/>
             </a:bodyPr>
             <a:lstStyle/>
@@ -6091,9 +6168,6 @@
                 </a:spcBef>
                 <a:buNone/>
               </a:pPr>
-              <a:r>
-                <a:t/>
-              </a:r>
               <a:endParaRPr/>
             </a:p>
           </p:txBody>
@@ -6111,7 +6185,7 @@
             </a:xfrm>
             <a:prstGeom prst="diagStripe">
               <a:avLst>
-                <a:gd fmla="val 50000" name="adj"/>
+                <a:gd name="adj" fmla="val 50000"/>
               </a:avLst>
             </a:prstGeom>
             <a:solidFill>
@@ -6124,7 +6198,7 @@
             </a:ln>
           </p:spPr>
           <p:txBody>
-            <a:bodyPr anchorCtr="0" anchor="ctr" bIns="91425" lIns="91425" rIns="91425" wrap="square" tIns="91425">
+            <a:bodyPr wrap="square" lIns="91425" tIns="91425" rIns="91425" bIns="91425" anchor="ctr" anchorCtr="0">
               <a:noAutofit/>
             </a:bodyPr>
             <a:lstStyle/>
@@ -6135,9 +6209,6 @@
                 </a:spcBef>
                 <a:buNone/>
               </a:pPr>
-              <a:r>
-                <a:t/>
-              </a:r>
               <a:endParaRPr/>
             </a:p>
           </p:txBody>
@@ -6155,7 +6226,7 @@
             </a:xfrm>
             <a:prstGeom prst="diagStripe">
               <a:avLst>
-                <a:gd fmla="val 50000" name="adj"/>
+                <a:gd name="adj" fmla="val 50000"/>
               </a:avLst>
             </a:prstGeom>
             <a:solidFill>
@@ -6168,7 +6239,7 @@
             </a:ln>
           </p:spPr>
           <p:txBody>
-            <a:bodyPr anchorCtr="0" anchor="ctr" bIns="91425" lIns="91425" rIns="91425" wrap="square" tIns="91425">
+            <a:bodyPr wrap="square" lIns="91425" tIns="91425" rIns="91425" bIns="91425" anchor="ctr" anchorCtr="0">
               <a:noAutofit/>
             </a:bodyPr>
             <a:lstStyle/>
@@ -6179,9 +6250,6 @@
                 </a:spcBef>
                 <a:buNone/>
               </a:pPr>
-              <a:r>
-                <a:t/>
-              </a:r>
               <a:endParaRPr/>
             </a:p>
           </p:txBody>
@@ -6199,7 +6267,7 @@
             </a:xfrm>
             <a:prstGeom prst="diagStripe">
               <a:avLst>
-                <a:gd fmla="val 50000" name="adj"/>
+                <a:gd name="adj" fmla="val 50000"/>
               </a:avLst>
             </a:prstGeom>
             <a:solidFill>
@@ -6212,7 +6280,7 @@
             </a:ln>
           </p:spPr>
           <p:txBody>
-            <a:bodyPr anchorCtr="0" anchor="ctr" bIns="91425" lIns="91425" rIns="91425" wrap="square" tIns="91425">
+            <a:bodyPr wrap="square" lIns="91425" tIns="91425" rIns="91425" bIns="91425" anchor="ctr" anchorCtr="0">
               <a:noAutofit/>
             </a:bodyPr>
             <a:lstStyle/>
@@ -6223,9 +6291,6 @@
                 </a:spcBef>
                 <a:buNone/>
               </a:pPr>
-              <a:r>
-                <a:t/>
-              </a:r>
               <a:endParaRPr/>
             </a:p>
           </p:txBody>
@@ -6234,7 +6299,9 @@
       <p:sp>
         <p:nvSpPr>
           <p:cNvPr id="89" name="Shape 89"/>
-          <p:cNvSpPr txBox="1"/>
+          <p:cNvSpPr txBox="1">
+            <a:spLocks noGrp="1"/>
+          </p:cNvSpPr>
           <p:nvPr>
             <p:ph type="title"/>
           </p:nvPr>
@@ -6249,7 +6316,7 @@
           </a:prstGeom>
         </p:spPr>
         <p:txBody>
-          <a:bodyPr anchorCtr="0" anchor="ctr" bIns="91425" lIns="91425" rIns="91425" wrap="square" tIns="91425"/>
+          <a:bodyPr wrap="square" lIns="91425" tIns="91425" rIns="91425" bIns="91425" anchor="ctr" anchorCtr="0"/>
           <a:lstStyle>
             <a:lvl1pPr lvl="0">
               <a:spcBef>
@@ -6306,15 +6373,19 @@
               <a:defRPr/>
             </a:lvl9pPr>
           </a:lstStyle>
-          <a:p/>
+          <a:p>
+            <a:endParaRPr/>
+          </a:p>
         </p:txBody>
       </p:sp>
       <p:sp>
         <p:nvSpPr>
           <p:cNvPr id="90" name="Shape 90"/>
-          <p:cNvSpPr txBox="1"/>
+          <p:cNvSpPr txBox="1">
+            <a:spLocks noGrp="1"/>
+          </p:cNvSpPr>
           <p:nvPr>
-            <p:ph idx="12" type="sldNum"/>
+            <p:ph type="sldNum" idx="12"/>
           </p:nvPr>
         </p:nvSpPr>
         <p:spPr>
@@ -6327,7 +6398,7 @@
           </a:prstGeom>
         </p:spPr>
         <p:txBody>
-          <a:bodyPr anchorCtr="0" anchor="ctr" bIns="91425" lIns="91425" rIns="91425" wrap="square" tIns="91425">
+          <a:bodyPr wrap="square" lIns="91425" tIns="91425" rIns="91425" bIns="91425" anchor="ctr" anchorCtr="0">
             <a:noAutofit/>
           </a:bodyPr>
           <a:lstStyle/>
@@ -6342,6 +6413,7 @@
               <a:rPr lang="ru"/>
               <a:t>‹#›</a:t>
             </a:fld>
+            <a:endParaRPr lang="ru"/>
           </a:p>
         </p:txBody>
       </p:sp>
@@ -6354,11 +6426,11 @@
 </file>
 
 <file path=ppt/slideLayouts/slideLayout8.xml><?xml version="1.0" encoding="utf-8"?>
-<p:sldLayout xmlns:a="http://schemas.openxmlformats.org/drawingml/2006/main" xmlns:r="http://schemas.openxmlformats.org/officeDocument/2006/relationships" xmlns:mc="http://schemas.openxmlformats.org/markup-compatibility/2006" xmlns:mv="urn:schemas-microsoft-com:mac:vml" xmlns:p="http://schemas.openxmlformats.org/presentationml/2006/main" xmlns:c="http://schemas.openxmlformats.org/drawingml/2006/chart" xmlns:dgm="http://schemas.openxmlformats.org/drawingml/2006/diagram" xmlns:o="urn:schemas-microsoft-com:office:office" xmlns:v="urn:schemas-microsoft-com:vml" xmlns:pvml="urn:schemas-microsoft-com:office:powerpoint" xmlns:com="http://schemas.openxmlformats.org/drawingml/2006/compatibility" xmlns:p14="http://schemas.microsoft.com/office/powerpoint/2010/main" xmlns:p15="http://schemas.microsoft.com/office/powerpoint/2012/main">
+<p:sldLayout xmlns:a="http://schemas.openxmlformats.org/drawingml/2006/main" xmlns:r="http://schemas.openxmlformats.org/officeDocument/2006/relationships" xmlns:p="http://schemas.openxmlformats.org/presentationml/2006/main">
   <p:cSld name="Section title and description">
     <p:spTree>
       <p:nvGrpSpPr>
-        <p:cNvPr id="91" name="Shape 91"/>
+        <p:cNvPr id="1" name="Shape 91"/>
         <p:cNvGrpSpPr/>
         <p:nvPr/>
       </p:nvGrpSpPr>
@@ -6397,7 +6469,7 @@
             </a:xfrm>
             <a:prstGeom prst="diagStripe">
               <a:avLst>
-                <a:gd fmla="val 50000" name="adj"/>
+                <a:gd name="adj" fmla="val 50000"/>
               </a:avLst>
             </a:prstGeom>
             <a:solidFill>
@@ -6408,7 +6480,7 @@
             </a:ln>
           </p:spPr>
           <p:txBody>
-            <a:bodyPr anchorCtr="0" anchor="ctr" bIns="91425" lIns="91425" rIns="91425" wrap="square" tIns="91425">
+            <a:bodyPr wrap="square" lIns="91425" tIns="91425" rIns="91425" bIns="91425" anchor="ctr" anchorCtr="0">
               <a:noAutofit/>
             </a:bodyPr>
             <a:lstStyle/>
@@ -6419,9 +6491,6 @@
                 </a:spcBef>
                 <a:buNone/>
               </a:pPr>
-              <a:r>
-                <a:t/>
-              </a:r>
               <a:endParaRPr/>
             </a:p>
           </p:txBody>
@@ -6439,7 +6508,7 @@
             </a:xfrm>
             <a:prstGeom prst="diagStripe">
               <a:avLst>
-                <a:gd fmla="val 50000" name="adj"/>
+                <a:gd name="adj" fmla="val 50000"/>
               </a:avLst>
             </a:prstGeom>
             <a:solidFill>
@@ -6450,7 +6519,7 @@
             </a:ln>
           </p:spPr>
           <p:txBody>
-            <a:bodyPr anchorCtr="0" anchor="ctr" bIns="91425" lIns="91425" rIns="91425" wrap="square" tIns="91425">
+            <a:bodyPr wrap="square" lIns="91425" tIns="91425" rIns="91425" bIns="91425" anchor="ctr" anchorCtr="0">
               <a:noAutofit/>
             </a:bodyPr>
             <a:lstStyle/>
@@ -6461,9 +6530,6 @@
                 </a:spcBef>
                 <a:buNone/>
               </a:pPr>
-              <a:r>
-                <a:t/>
-              </a:r>
               <a:endParaRPr/>
             </a:p>
           </p:txBody>
@@ -6472,7 +6538,9 @@
       <p:sp>
         <p:nvSpPr>
           <p:cNvPr id="95" name="Shape 95"/>
-          <p:cNvSpPr txBox="1"/>
+          <p:cNvSpPr txBox="1">
+            <a:spLocks noGrp="1"/>
+          </p:cNvSpPr>
           <p:nvPr>
             <p:ph type="title"/>
           </p:nvPr>
@@ -6487,7 +6555,7 @@
           </a:prstGeom>
         </p:spPr>
         <p:txBody>
-          <a:bodyPr anchorCtr="0" anchor="t" bIns="91425" lIns="91425" rIns="91425" wrap="square" tIns="91425"/>
+          <a:bodyPr wrap="square" lIns="91425" tIns="91425" rIns="91425" bIns="91425" anchor="t" anchorCtr="0"/>
           <a:lstStyle>
             <a:lvl1pPr lvl="0">
               <a:spcBef>
@@ -6553,15 +6621,19 @@
               <a:defRPr sz="2400"/>
             </a:lvl9pPr>
           </a:lstStyle>
-          <a:p/>
+          <a:p>
+            <a:endParaRPr/>
+          </a:p>
         </p:txBody>
       </p:sp>
       <p:sp>
         <p:nvSpPr>
           <p:cNvPr id="96" name="Shape 96"/>
-          <p:cNvSpPr txBox="1"/>
+          <p:cNvSpPr txBox="1">
+            <a:spLocks noGrp="1"/>
+          </p:cNvSpPr>
           <p:nvPr>
-            <p:ph idx="1" type="subTitle"/>
+            <p:ph type="subTitle" idx="1"/>
           </p:nvPr>
         </p:nvSpPr>
         <p:spPr>
@@ -6574,7 +6646,7 @@
           </a:prstGeom>
         </p:spPr>
         <p:txBody>
-          <a:bodyPr anchorCtr="0" anchor="t" bIns="91425" lIns="91425" rIns="91425" wrap="square" tIns="91425"/>
+          <a:bodyPr wrap="square" lIns="91425" tIns="91425" rIns="91425" bIns="91425" anchor="t" anchorCtr="0"/>
           <a:lstStyle>
             <a:lvl1pPr lvl="0">
               <a:lnSpc>
@@ -6702,15 +6774,19 @@
               <a:defRPr sz="1300"/>
             </a:lvl9pPr>
           </a:lstStyle>
-          <a:p/>
+          <a:p>
+            <a:endParaRPr/>
+          </a:p>
         </p:txBody>
       </p:sp>
       <p:sp>
         <p:nvSpPr>
           <p:cNvPr id="97" name="Shape 97"/>
-          <p:cNvSpPr txBox="1"/>
+          <p:cNvSpPr txBox="1">
+            <a:spLocks noGrp="1"/>
+          </p:cNvSpPr>
           <p:nvPr>
-            <p:ph idx="2" type="body"/>
+            <p:ph type="body" idx="2"/>
           </p:nvPr>
         </p:nvSpPr>
         <p:spPr>
@@ -6723,7 +6799,7 @@
           </a:prstGeom>
         </p:spPr>
         <p:txBody>
-          <a:bodyPr anchorCtr="0" anchor="t" bIns="91425" lIns="91425" rIns="91425" wrap="square" tIns="91425"/>
+          <a:bodyPr wrap="square" lIns="91425" tIns="91425" rIns="91425" bIns="91425" anchor="t" anchorCtr="0"/>
           <a:lstStyle>
             <a:lvl1pPr lvl="0">
               <a:spcBef>
@@ -6780,15 +6856,19 @@
               <a:defRPr/>
             </a:lvl9pPr>
           </a:lstStyle>
-          <a:p/>
+          <a:p>
+            <a:endParaRPr/>
+          </a:p>
         </p:txBody>
       </p:sp>
       <p:sp>
         <p:nvSpPr>
           <p:cNvPr id="98" name="Shape 98"/>
-          <p:cNvSpPr txBox="1"/>
+          <p:cNvSpPr txBox="1">
+            <a:spLocks noGrp="1"/>
+          </p:cNvSpPr>
           <p:nvPr>
-            <p:ph idx="12" type="sldNum"/>
+            <p:ph type="sldNum" idx="12"/>
           </p:nvPr>
         </p:nvSpPr>
         <p:spPr>
@@ -6801,7 +6881,7 @@
           </a:prstGeom>
         </p:spPr>
         <p:txBody>
-          <a:bodyPr anchorCtr="0" anchor="ctr" bIns="91425" lIns="91425" rIns="91425" wrap="square" tIns="91425">
+          <a:bodyPr wrap="square" lIns="91425" tIns="91425" rIns="91425" bIns="91425" anchor="ctr" anchorCtr="0">
             <a:noAutofit/>
           </a:bodyPr>
           <a:lstStyle/>
@@ -6816,6 +6896,7 @@
               <a:rPr lang="ru"/>
               <a:t>‹#›</a:t>
             </a:fld>
+            <a:endParaRPr lang="ru"/>
           </a:p>
         </p:txBody>
       </p:sp>
@@ -6828,11 +6909,11 @@
 </file>
 
 <file path=ppt/slideLayouts/slideLayout9.xml><?xml version="1.0" encoding="utf-8"?>
-<p:sldLayout xmlns:a="http://schemas.openxmlformats.org/drawingml/2006/main" xmlns:r="http://schemas.openxmlformats.org/officeDocument/2006/relationships" xmlns:mc="http://schemas.openxmlformats.org/markup-compatibility/2006" xmlns:mv="urn:schemas-microsoft-com:mac:vml" xmlns:p="http://schemas.openxmlformats.org/presentationml/2006/main" xmlns:c="http://schemas.openxmlformats.org/drawingml/2006/chart" xmlns:dgm="http://schemas.openxmlformats.org/drawingml/2006/diagram" xmlns:o="urn:schemas-microsoft-com:office:office" xmlns:v="urn:schemas-microsoft-com:vml" xmlns:pvml="urn:schemas-microsoft-com:office:powerpoint" xmlns:com="http://schemas.openxmlformats.org/drawingml/2006/compatibility" xmlns:p14="http://schemas.microsoft.com/office/powerpoint/2010/main" xmlns:p15="http://schemas.microsoft.com/office/powerpoint/2012/main">
+<p:sldLayout xmlns:a="http://schemas.openxmlformats.org/drawingml/2006/main" xmlns:r="http://schemas.openxmlformats.org/officeDocument/2006/relationships" xmlns:p="http://schemas.openxmlformats.org/presentationml/2006/main">
   <p:cSld name="Caption">
     <p:spTree>
       <p:nvGrpSpPr>
-        <p:cNvPr id="99" name="Shape 99"/>
+        <p:cNvPr id="1" name="Shape 99"/>
         <p:cNvGrpSpPr/>
         <p:nvPr/>
       </p:nvGrpSpPr>
@@ -6871,7 +6952,7 @@
             </a:xfrm>
             <a:prstGeom prst="diagStripe">
               <a:avLst>
-                <a:gd fmla="val 50000" name="adj"/>
+                <a:gd name="adj" fmla="val 50000"/>
               </a:avLst>
             </a:prstGeom>
             <a:solidFill>
@@ -6884,7 +6965,7 @@
             </a:ln>
           </p:spPr>
           <p:txBody>
-            <a:bodyPr anchorCtr="0" anchor="ctr" bIns="91425" lIns="91425" rIns="91425" wrap="square" tIns="91425">
+            <a:bodyPr wrap="square" lIns="91425" tIns="91425" rIns="91425" bIns="91425" anchor="ctr" anchorCtr="0">
               <a:noAutofit/>
             </a:bodyPr>
             <a:lstStyle/>
@@ -6895,9 +6976,6 @@
                 </a:spcBef>
                 <a:buNone/>
               </a:pPr>
-              <a:r>
-                <a:t/>
-              </a:r>
               <a:endParaRPr/>
             </a:p>
           </p:txBody>
@@ -6915,7 +6993,7 @@
             </a:xfrm>
             <a:prstGeom prst="diagStripe">
               <a:avLst>
-                <a:gd fmla="val 50000" name="adj"/>
+                <a:gd name="adj" fmla="val 50000"/>
               </a:avLst>
             </a:prstGeom>
             <a:solidFill>
@@ -6928,7 +7006,7 @@
             </a:ln>
           </p:spPr>
           <p:txBody>
-            <a:bodyPr anchorCtr="0" anchor="ctr" bIns="91425" lIns="91425" rIns="91425" wrap="square" tIns="91425">
+            <a:bodyPr wrap="square" lIns="91425" tIns="91425" rIns="91425" bIns="91425" anchor="ctr" anchorCtr="0">
               <a:noAutofit/>
             </a:bodyPr>
             <a:lstStyle/>
@@ -6939,9 +7017,6 @@
                 </a:spcBef>
                 <a:buNone/>
               </a:pPr>
-              <a:r>
-                <a:t/>
-              </a:r>
               <a:endParaRPr/>
             </a:p>
           </p:txBody>
@@ -6950,9 +7025,11 @@
       <p:sp>
         <p:nvSpPr>
           <p:cNvPr id="103" name="Shape 103"/>
-          <p:cNvSpPr txBox="1"/>
+          <p:cNvSpPr txBox="1">
+            <a:spLocks noGrp="1"/>
+          </p:cNvSpPr>
           <p:nvPr>
-            <p:ph idx="1" type="body"/>
+            <p:ph type="body" idx="1"/>
           </p:nvPr>
         </p:nvSpPr>
         <p:spPr>
@@ -6965,7 +7042,7 @@
           </a:prstGeom>
         </p:spPr>
         <p:txBody>
-          <a:bodyPr anchorCtr="0" anchor="ctr" bIns="91425" lIns="91425" rIns="91425" wrap="square" tIns="91425"/>
+          <a:bodyPr wrap="square" lIns="91425" tIns="91425" rIns="91425" bIns="91425" anchor="ctr" anchorCtr="0"/>
           <a:lstStyle>
             <a:lvl1pPr lvl="0">
               <a:lnSpc>
@@ -6981,15 +7058,19 @@
               <a:defRPr/>
             </a:lvl1pPr>
           </a:lstStyle>
-          <a:p/>
+          <a:p>
+            <a:endParaRPr/>
+          </a:p>
         </p:txBody>
       </p:sp>
       <p:sp>
         <p:nvSpPr>
           <p:cNvPr id="104" name="Shape 104"/>
-          <p:cNvSpPr txBox="1"/>
+          <p:cNvSpPr txBox="1">
+            <a:spLocks noGrp="1"/>
+          </p:cNvSpPr>
           <p:nvPr>
-            <p:ph idx="12" type="sldNum"/>
+            <p:ph type="sldNum" idx="12"/>
           </p:nvPr>
         </p:nvSpPr>
         <p:spPr>
@@ -7002,7 +7083,7 @@
           </a:prstGeom>
         </p:spPr>
         <p:txBody>
-          <a:bodyPr anchorCtr="0" anchor="ctr" bIns="91425" lIns="91425" rIns="91425" wrap="square" tIns="91425">
+          <a:bodyPr wrap="square" lIns="91425" tIns="91425" rIns="91425" bIns="91425" anchor="ctr" anchorCtr="0">
             <a:noAutofit/>
           </a:bodyPr>
           <a:lstStyle/>
@@ -7017,6 +7098,7 @@
               <a:rPr lang="ru"/>
               <a:t>‹#›</a:t>
             </a:fld>
+            <a:endParaRPr lang="ru"/>
           </a:p>
         </p:txBody>
       </p:sp>
@@ -7029,18 +7111,19 @@
 </file>
 
 <file path=ppt/slideMasters/slideMaster1.xml><?xml version="1.0" encoding="utf-8"?>
-<p:sldMaster xmlns:a="http://schemas.openxmlformats.org/drawingml/2006/main" xmlns:r="http://schemas.openxmlformats.org/officeDocument/2006/relationships" xmlns:mc="http://schemas.openxmlformats.org/markup-compatibility/2006" xmlns:mv="urn:schemas-microsoft-com:mac:vml" xmlns:p="http://schemas.openxmlformats.org/presentationml/2006/main" xmlns:c="http://schemas.openxmlformats.org/drawingml/2006/chart" xmlns:dgm="http://schemas.openxmlformats.org/drawingml/2006/diagram" xmlns:o="urn:schemas-microsoft-com:office:office" xmlns:v="urn:schemas-microsoft-com:vml" xmlns:pvml="urn:schemas-microsoft-com:office:powerpoint" xmlns:com="http://schemas.openxmlformats.org/drawingml/2006/compatibility" xmlns:p14="http://schemas.microsoft.com/office/powerpoint/2010/main" xmlns:p15="http://schemas.microsoft.com/office/powerpoint/2012/main">
+<p:sldMaster xmlns:a="http://schemas.openxmlformats.org/drawingml/2006/main" xmlns:r="http://schemas.openxmlformats.org/officeDocument/2006/relationships" xmlns:p="http://schemas.openxmlformats.org/presentationml/2006/main">
   <p:cSld name="focus">
     <p:bg>
       <p:bgPr>
         <a:solidFill>
           <a:schemeClr val="lt1"/>
         </a:solidFill>
+        <a:effectLst/>
       </p:bgPr>
     </p:bg>
     <p:spTree>
       <p:nvGrpSpPr>
-        <p:cNvPr id="5" name="Shape 5"/>
+        <p:cNvPr id="1" name="Shape 5"/>
         <p:cNvGrpSpPr/>
         <p:nvPr/>
       </p:nvGrpSpPr>
@@ -7055,7 +7138,9 @@
       <p:sp>
         <p:nvSpPr>
           <p:cNvPr id="6" name="Shape 6"/>
-          <p:cNvSpPr txBox="1"/>
+          <p:cNvSpPr txBox="1">
+            <a:spLocks noGrp="1"/>
+          </p:cNvSpPr>
           <p:nvPr>
             <p:ph type="title"/>
           </p:nvPr>
@@ -7074,7 +7159,7 @@
           </a:ln>
         </p:spPr>
         <p:txBody>
-          <a:bodyPr anchorCtr="0" anchor="t" bIns="91425" lIns="91425" rIns="91425" wrap="square" tIns="91425"/>
+          <a:bodyPr wrap="square" lIns="91425" tIns="91425" rIns="91425" bIns="91425" anchor="t" anchorCtr="0"/>
           <a:lstStyle>
             <a:lvl1pPr lvl="0">
               <a:spcBef>
@@ -7257,15 +7342,19 @@
               </a:defRPr>
             </a:lvl9pPr>
           </a:lstStyle>
-          <a:p/>
+          <a:p>
+            <a:endParaRPr/>
+          </a:p>
         </p:txBody>
       </p:sp>
       <p:sp>
         <p:nvSpPr>
           <p:cNvPr id="7" name="Shape 7"/>
-          <p:cNvSpPr txBox="1"/>
+          <p:cNvSpPr txBox="1">
+            <a:spLocks noGrp="1"/>
+          </p:cNvSpPr>
           <p:nvPr>
-            <p:ph idx="1" type="body"/>
+            <p:ph type="body" idx="1"/>
           </p:nvPr>
         </p:nvSpPr>
         <p:spPr>
@@ -7282,7 +7371,7 @@
           </a:ln>
         </p:spPr>
         <p:txBody>
-          <a:bodyPr anchorCtr="0" anchor="t" bIns="91425" lIns="91425" rIns="91425" wrap="square" tIns="91425"/>
+          <a:bodyPr wrap="square" lIns="91425" tIns="91425" rIns="91425" bIns="91425" anchor="t" anchorCtr="0"/>
           <a:lstStyle>
             <a:lvl1pPr lvl="0">
               <a:lnSpc>
@@ -7519,15 +7608,19 @@
               </a:defRPr>
             </a:lvl9pPr>
           </a:lstStyle>
-          <a:p/>
+          <a:p>
+            <a:endParaRPr/>
+          </a:p>
         </p:txBody>
       </p:sp>
       <p:sp>
         <p:nvSpPr>
           <p:cNvPr id="8" name="Shape 8"/>
-          <p:cNvSpPr txBox="1"/>
+          <p:cNvSpPr txBox="1">
+            <a:spLocks noGrp="1"/>
+          </p:cNvSpPr>
           <p:nvPr>
-            <p:ph idx="12" type="sldNum"/>
+            <p:ph type="sldNum" idx="12"/>
           </p:nvPr>
         </p:nvSpPr>
         <p:spPr>
@@ -7544,7 +7637,7 @@
           </a:ln>
         </p:spPr>
         <p:txBody>
-          <a:bodyPr anchorCtr="0" anchor="ctr" bIns="91425" lIns="91425" rIns="91425" wrap="square" tIns="91425">
+          <a:bodyPr wrap="square" lIns="91425" tIns="91425" rIns="91425" bIns="91425" anchor="ctr" anchorCtr="0">
             <a:noAutofit/>
           </a:bodyPr>
           <a:lstStyle/>
@@ -7567,12 +7660,21 @@
               </a:rPr>
               <a:t>‹#›</a:t>
             </a:fld>
+            <a:endParaRPr lang="ru" sz="1000">
+              <a:solidFill>
+                <a:schemeClr val="lt1"/>
+              </a:solidFill>
+              <a:latin typeface="Lato"/>
+              <a:ea typeface="Lato"/>
+              <a:cs typeface="Lato"/>
+              <a:sym typeface="Lato"/>
+            </a:endParaRPr>
           </a:p>
         </p:txBody>
       </p:sp>
     </p:spTree>
   </p:cSld>
-  <p:clrMap accent1="accent1" accent2="accent2" accent3="accent3" accent4="accent4" accent5="accent5" accent6="accent6" bg1="lt1" bg2="dk2" tx1="dk1" tx2="lt2" folHlink="folHlink" hlink="hlink"/>
+  <p:clrMap bg1="lt1" tx1="dk1" bg2="dk2" tx2="lt2" accent1="accent1" accent2="accent2" accent3="accent3" accent4="accent4" accent5="accent5" accent6="accent6" hlink="hlink" folHlink="folHlink"/>
   <p:sldLayoutIdLst>
     <p:sldLayoutId id="2147483648" r:id="rId1"/>
     <p:sldLayoutId id="2147483649" r:id="rId2"/>
@@ -7586,10 +7688,10 @@
     <p:sldLayoutId id="2147483657" r:id="rId10"/>
     <p:sldLayoutId id="2147483658" r:id="rId11"/>
   </p:sldLayoutIdLst>
-  <p:hf dt="0" ftr="0" hdr="0" sldNum="0"/>
+  <p:hf sldNum="0" hdr="0" ftr="0" dt="0"/>
   <p:txStyles>
     <p:titleStyle>
-      <a:defPPr lvl="0" marR="0" rtl="0" algn="l">
+      <a:defPPr marR="0" lvl="0" algn="l" rtl="0">
         <a:lnSpc>
           <a:spcPct val="100000"/>
         </a:lnSpc>
@@ -7600,7 +7702,7 @@
           <a:spcPts val="0"/>
         </a:spcAft>
       </a:defPPr>
-      <a:lvl1pPr lvl="0" marR="0" rtl="0" algn="l">
+      <a:lvl1pPr marR="0" lvl="0" algn="l" rtl="0">
         <a:lnSpc>
           <a:spcPct val="100000"/>
         </a:lnSpc>
@@ -7611,7 +7713,7 @@
           <a:spcPts val="0"/>
         </a:spcAft>
         <a:buNone/>
-        <a:defRPr b="0" i="0" sz="1400" u="none" cap="none" strike="noStrike">
+        <a:defRPr sz="1400" b="0" i="0" u="none" strike="noStrike" cap="none">
           <a:solidFill>
             <a:srgbClr val="000000"/>
           </a:solidFill>
@@ -7623,7 +7725,7 @@
       </a:lvl1pPr>
     </p:titleStyle>
     <p:bodyStyle>
-      <a:defPPr lvl="0" marR="0" rtl="0" algn="l">
+      <a:defPPr marR="0" lvl="0" algn="l" rtl="0">
         <a:lnSpc>
           <a:spcPct val="100000"/>
         </a:lnSpc>
@@ -7634,7 +7736,7 @@
           <a:spcPts val="0"/>
         </a:spcAft>
       </a:defPPr>
-      <a:lvl1pPr lvl="0" marR="0" rtl="0" algn="l">
+      <a:lvl1pPr marR="0" lvl="0" algn="l" rtl="0">
         <a:lnSpc>
           <a:spcPct val="100000"/>
         </a:lnSpc>
@@ -7645,7 +7747,7 @@
           <a:spcPts val="0"/>
         </a:spcAft>
         <a:buNone/>
-        <a:defRPr b="0" i="0" sz="1400" u="none" cap="none" strike="noStrike">
+        <a:defRPr sz="1400" b="0" i="0" u="none" strike="noStrike" cap="none">
           <a:solidFill>
             <a:srgbClr val="000000"/>
           </a:solidFill>
@@ -7655,7 +7757,7 @@
           <a:sym typeface="Arial"/>
         </a:defRPr>
       </a:lvl1pPr>
-      <a:lvl2pPr lvl="1" marR="0" rtl="0" algn="l">
+      <a:lvl2pPr marR="0" lvl="1" algn="l" rtl="0">
         <a:lnSpc>
           <a:spcPct val="100000"/>
         </a:lnSpc>
@@ -7666,7 +7768,7 @@
           <a:spcPts val="0"/>
         </a:spcAft>
         <a:buNone/>
-        <a:defRPr b="0" i="0" sz="1400" u="none" cap="none" strike="noStrike">
+        <a:defRPr sz="1400" b="0" i="0" u="none" strike="noStrike" cap="none">
           <a:solidFill>
             <a:srgbClr val="000000"/>
           </a:solidFill>
@@ -7676,7 +7778,7 @@
           <a:sym typeface="Arial"/>
         </a:defRPr>
       </a:lvl2pPr>
-      <a:lvl3pPr lvl="2" marR="0" rtl="0" algn="l">
+      <a:lvl3pPr marR="0" lvl="2" algn="l" rtl="0">
         <a:lnSpc>
           <a:spcPct val="100000"/>
         </a:lnSpc>
@@ -7687,7 +7789,7 @@
           <a:spcPts val="0"/>
         </a:spcAft>
         <a:buNone/>
-        <a:defRPr b="0" i="0" sz="1400" u="none" cap="none" strike="noStrike">
+        <a:defRPr sz="1400" b="0" i="0" u="none" strike="noStrike" cap="none">
           <a:solidFill>
             <a:srgbClr val="000000"/>
           </a:solidFill>
@@ -7697,7 +7799,7 @@
           <a:sym typeface="Arial"/>
         </a:defRPr>
       </a:lvl3pPr>
-      <a:lvl4pPr lvl="3" marR="0" rtl="0" algn="l">
+      <a:lvl4pPr marR="0" lvl="3" algn="l" rtl="0">
         <a:lnSpc>
           <a:spcPct val="100000"/>
         </a:lnSpc>
@@ -7708,7 +7810,7 @@
           <a:spcPts val="0"/>
         </a:spcAft>
         <a:buNone/>
-        <a:defRPr b="0" i="0" sz="1400" u="none" cap="none" strike="noStrike">
+        <a:defRPr sz="1400" b="0" i="0" u="none" strike="noStrike" cap="none">
           <a:solidFill>
             <a:srgbClr val="000000"/>
           </a:solidFill>
@@ -7718,7 +7820,7 @@
           <a:sym typeface="Arial"/>
         </a:defRPr>
       </a:lvl4pPr>
-      <a:lvl5pPr lvl="4" marR="0" rtl="0" algn="l">
+      <a:lvl5pPr marR="0" lvl="4" algn="l" rtl="0">
         <a:lnSpc>
           <a:spcPct val="100000"/>
         </a:lnSpc>
@@ -7729,7 +7831,7 @@
           <a:spcPts val="0"/>
         </a:spcAft>
         <a:buNone/>
-        <a:defRPr b="0" i="0" sz="1400" u="none" cap="none" strike="noStrike">
+        <a:defRPr sz="1400" b="0" i="0" u="none" strike="noStrike" cap="none">
           <a:solidFill>
             <a:srgbClr val="000000"/>
           </a:solidFill>
@@ -7739,7 +7841,7 @@
           <a:sym typeface="Arial"/>
         </a:defRPr>
       </a:lvl5pPr>
-      <a:lvl6pPr lvl="5" marR="0" rtl="0" algn="l">
+      <a:lvl6pPr marR="0" lvl="5" algn="l" rtl="0">
         <a:lnSpc>
           <a:spcPct val="100000"/>
         </a:lnSpc>
@@ -7750,7 +7852,7 @@
           <a:spcPts val="0"/>
         </a:spcAft>
         <a:buNone/>
-        <a:defRPr b="0" i="0" sz="1400" u="none" cap="none" strike="noStrike">
+        <a:defRPr sz="1400" b="0" i="0" u="none" strike="noStrike" cap="none">
           <a:solidFill>
             <a:srgbClr val="000000"/>
           </a:solidFill>
@@ -7760,7 +7862,7 @@
           <a:sym typeface="Arial"/>
         </a:defRPr>
       </a:lvl6pPr>
-      <a:lvl7pPr lvl="6" marR="0" rtl="0" algn="l">
+      <a:lvl7pPr marR="0" lvl="6" algn="l" rtl="0">
         <a:lnSpc>
           <a:spcPct val="100000"/>
         </a:lnSpc>
@@ -7771,7 +7873,7 @@
           <a:spcPts val="0"/>
         </a:spcAft>
         <a:buNone/>
-        <a:defRPr b="0" i="0" sz="1400" u="none" cap="none" strike="noStrike">
+        <a:defRPr sz="1400" b="0" i="0" u="none" strike="noStrike" cap="none">
           <a:solidFill>
             <a:srgbClr val="000000"/>
           </a:solidFill>
@@ -7781,7 +7883,7 @@
           <a:sym typeface="Arial"/>
         </a:defRPr>
       </a:lvl7pPr>
-      <a:lvl8pPr lvl="7" marR="0" rtl="0" algn="l">
+      <a:lvl8pPr marR="0" lvl="7" algn="l" rtl="0">
         <a:lnSpc>
           <a:spcPct val="100000"/>
         </a:lnSpc>
@@ -7792,7 +7894,7 @@
           <a:spcPts val="0"/>
         </a:spcAft>
         <a:buNone/>
-        <a:defRPr b="0" i="0" sz="1400" u="none" cap="none" strike="noStrike">
+        <a:defRPr sz="1400" b="0" i="0" u="none" strike="noStrike" cap="none">
           <a:solidFill>
             <a:srgbClr val="000000"/>
           </a:solidFill>
@@ -7802,7 +7904,7 @@
           <a:sym typeface="Arial"/>
         </a:defRPr>
       </a:lvl8pPr>
-      <a:lvl9pPr lvl="8" marR="0" rtl="0" algn="l">
+      <a:lvl9pPr marR="0" lvl="8" algn="l" rtl="0">
         <a:lnSpc>
           <a:spcPct val="100000"/>
         </a:lnSpc>
@@ -7813,7 +7915,7 @@
           <a:spcPts val="0"/>
         </a:spcAft>
         <a:buNone/>
-        <a:defRPr b="0" i="0" sz="1400" u="none" cap="none" strike="noStrike">
+        <a:defRPr sz="1400" b="0" i="0" u="none" strike="noStrike" cap="none">
           <a:solidFill>
             <a:srgbClr val="000000"/>
           </a:solidFill>
@@ -7825,7 +7927,7 @@
       </a:lvl9pPr>
     </p:bodyStyle>
     <p:otherStyle>
-      <a:defPPr lvl="0" marR="0" rtl="0" algn="l">
+      <a:defPPr marR="0" lvl="0" algn="l" rtl="0">
         <a:lnSpc>
           <a:spcPct val="100000"/>
         </a:lnSpc>
@@ -7836,7 +7938,7 @@
           <a:spcPts val="0"/>
         </a:spcAft>
       </a:defPPr>
-      <a:lvl1pPr lvl="0" marR="0" rtl="0" algn="l">
+      <a:lvl1pPr marR="0" lvl="0" algn="l" rtl="0">
         <a:lnSpc>
           <a:spcPct val="100000"/>
         </a:lnSpc>
@@ -7847,7 +7949,7 @@
           <a:spcPts val="0"/>
         </a:spcAft>
         <a:buNone/>
-        <a:defRPr b="0" i="0" sz="1400" u="none" cap="none" strike="noStrike">
+        <a:defRPr sz="1400" b="0" i="0" u="none" strike="noStrike" cap="none">
           <a:solidFill>
             <a:srgbClr val="000000"/>
           </a:solidFill>
@@ -7857,7 +7959,7 @@
           <a:sym typeface="Arial"/>
         </a:defRPr>
       </a:lvl1pPr>
-      <a:lvl2pPr lvl="1" marR="0" rtl="0" algn="l">
+      <a:lvl2pPr marR="0" lvl="1" algn="l" rtl="0">
         <a:lnSpc>
           <a:spcPct val="100000"/>
         </a:lnSpc>
@@ -7868,7 +7970,7 @@
           <a:spcPts val="0"/>
         </a:spcAft>
         <a:buNone/>
-        <a:defRPr b="0" i="0" sz="1400" u="none" cap="none" strike="noStrike">
+        <a:defRPr sz="1400" b="0" i="0" u="none" strike="noStrike" cap="none">
           <a:solidFill>
             <a:srgbClr val="000000"/>
           </a:solidFill>
@@ -7878,7 +7980,7 @@
           <a:sym typeface="Arial"/>
         </a:defRPr>
       </a:lvl2pPr>
-      <a:lvl3pPr lvl="2" marR="0" rtl="0" algn="l">
+      <a:lvl3pPr marR="0" lvl="2" algn="l" rtl="0">
         <a:lnSpc>
           <a:spcPct val="100000"/>
         </a:lnSpc>
@@ -7889,7 +7991,7 @@
           <a:spcPts val="0"/>
         </a:spcAft>
         <a:buNone/>
-        <a:defRPr b="0" i="0" sz="1400" u="none" cap="none" strike="noStrike">
+        <a:defRPr sz="1400" b="0" i="0" u="none" strike="noStrike" cap="none">
           <a:solidFill>
             <a:srgbClr val="000000"/>
           </a:solidFill>
@@ -7899,7 +8001,7 @@
           <a:sym typeface="Arial"/>
         </a:defRPr>
       </a:lvl3pPr>
-      <a:lvl4pPr lvl="3" marR="0" rtl="0" algn="l">
+      <a:lvl4pPr marR="0" lvl="3" algn="l" rtl="0">
         <a:lnSpc>
           <a:spcPct val="100000"/>
         </a:lnSpc>
@@ -7910,7 +8012,7 @@
           <a:spcPts val="0"/>
         </a:spcAft>
         <a:buNone/>
-        <a:defRPr b="0" i="0" sz="1400" u="none" cap="none" strike="noStrike">
+        <a:defRPr sz="1400" b="0" i="0" u="none" strike="noStrike" cap="none">
           <a:solidFill>
             <a:srgbClr val="000000"/>
           </a:solidFill>
@@ -7920,7 +8022,7 @@
           <a:sym typeface="Arial"/>
         </a:defRPr>
       </a:lvl4pPr>
-      <a:lvl5pPr lvl="4" marR="0" rtl="0" algn="l">
+      <a:lvl5pPr marR="0" lvl="4" algn="l" rtl="0">
         <a:lnSpc>
           <a:spcPct val="100000"/>
         </a:lnSpc>
@@ -7931,7 +8033,7 @@
           <a:spcPts val="0"/>
         </a:spcAft>
         <a:buNone/>
-        <a:defRPr b="0" i="0" sz="1400" u="none" cap="none" strike="noStrike">
+        <a:defRPr sz="1400" b="0" i="0" u="none" strike="noStrike" cap="none">
           <a:solidFill>
             <a:srgbClr val="000000"/>
           </a:solidFill>
@@ -7941,7 +8043,7 @@
           <a:sym typeface="Arial"/>
         </a:defRPr>
       </a:lvl5pPr>
-      <a:lvl6pPr lvl="5" marR="0" rtl="0" algn="l">
+      <a:lvl6pPr marR="0" lvl="5" algn="l" rtl="0">
         <a:lnSpc>
           <a:spcPct val="100000"/>
         </a:lnSpc>
@@ -7952,7 +8054,7 @@
           <a:spcPts val="0"/>
         </a:spcAft>
         <a:buNone/>
-        <a:defRPr b="0" i="0" sz="1400" u="none" cap="none" strike="noStrike">
+        <a:defRPr sz="1400" b="0" i="0" u="none" strike="noStrike" cap="none">
           <a:solidFill>
             <a:srgbClr val="000000"/>
           </a:solidFill>
@@ -7962,7 +8064,7 @@
           <a:sym typeface="Arial"/>
         </a:defRPr>
       </a:lvl6pPr>
-      <a:lvl7pPr lvl="6" marR="0" rtl="0" algn="l">
+      <a:lvl7pPr marR="0" lvl="6" algn="l" rtl="0">
         <a:lnSpc>
           <a:spcPct val="100000"/>
         </a:lnSpc>
@@ -7973,7 +8075,7 @@
           <a:spcPts val="0"/>
         </a:spcAft>
         <a:buNone/>
-        <a:defRPr b="0" i="0" sz="1400" u="none" cap="none" strike="noStrike">
+        <a:defRPr sz="1400" b="0" i="0" u="none" strike="noStrike" cap="none">
           <a:solidFill>
             <a:srgbClr val="000000"/>
           </a:solidFill>
@@ -7983,7 +8085,7 @@
           <a:sym typeface="Arial"/>
         </a:defRPr>
       </a:lvl7pPr>
-      <a:lvl8pPr lvl="7" marR="0" rtl="0" algn="l">
+      <a:lvl8pPr marR="0" lvl="7" algn="l" rtl="0">
         <a:lnSpc>
           <a:spcPct val="100000"/>
         </a:lnSpc>
@@ -7994,7 +8096,7 @@
           <a:spcPts val="0"/>
         </a:spcAft>
         <a:buNone/>
-        <a:defRPr b="0" i="0" sz="1400" u="none" cap="none" strike="noStrike">
+        <a:defRPr sz="1400" b="0" i="0" u="none" strike="noStrike" cap="none">
           <a:solidFill>
             <a:srgbClr val="000000"/>
           </a:solidFill>
@@ -8004,7 +8106,7 @@
           <a:sym typeface="Arial"/>
         </a:defRPr>
       </a:lvl8pPr>
-      <a:lvl9pPr lvl="8" marR="0" rtl="0" algn="l">
+      <a:lvl9pPr marR="0" lvl="8" algn="l" rtl="0">
         <a:lnSpc>
           <a:spcPct val="100000"/>
         </a:lnSpc>
@@ -8015,7 +8117,7 @@
           <a:spcPts val="0"/>
         </a:spcAft>
         <a:buNone/>
-        <a:defRPr b="0" i="0" sz="1400" u="none" cap="none" strike="noStrike">
+        <a:defRPr sz="1400" b="0" i="0" u="none" strike="noStrike" cap="none">
           <a:solidFill>
             <a:srgbClr val="000000"/>
           </a:solidFill>
@@ -8031,11 +8133,11 @@
 </file>
 
 <file path=ppt/slides/slide1.xml><?xml version="1.0" encoding="utf-8"?>
-<p:sld xmlns:a="http://schemas.openxmlformats.org/drawingml/2006/main" xmlns:r="http://schemas.openxmlformats.org/officeDocument/2006/relationships" xmlns:mc="http://schemas.openxmlformats.org/markup-compatibility/2006" xmlns:mv="urn:schemas-microsoft-com:mac:vml" xmlns:p="http://schemas.openxmlformats.org/presentationml/2006/main" xmlns:c="http://schemas.openxmlformats.org/drawingml/2006/chart" xmlns:dgm="http://schemas.openxmlformats.org/drawingml/2006/diagram" xmlns:o="urn:schemas-microsoft-com:office:office" xmlns:v="urn:schemas-microsoft-com:vml" xmlns:pvml="urn:schemas-microsoft-com:office:powerpoint" xmlns:com="http://schemas.openxmlformats.org/drawingml/2006/compatibility" xmlns:p14="http://schemas.microsoft.com/office/powerpoint/2010/main" xmlns:p15="http://schemas.microsoft.com/office/powerpoint/2012/main">
+<p:sld xmlns:a="http://schemas.openxmlformats.org/drawingml/2006/main" xmlns:r="http://schemas.openxmlformats.org/officeDocument/2006/relationships" xmlns:p="http://schemas.openxmlformats.org/presentationml/2006/main">
   <p:cSld>
     <p:spTree>
       <p:nvGrpSpPr>
-        <p:cNvPr id="133" name="Shape 133"/>
+        <p:cNvPr id="1" name="Shape 133"/>
         <p:cNvGrpSpPr/>
         <p:nvPr/>
       </p:nvGrpSpPr>
@@ -8050,7 +8152,9 @@
       <p:sp>
         <p:nvSpPr>
           <p:cNvPr id="134" name="Shape 134"/>
-          <p:cNvSpPr txBox="1"/>
+          <p:cNvSpPr txBox="1">
+            <a:spLocks noGrp="1"/>
+          </p:cNvSpPr>
           <p:nvPr>
             <p:ph type="ctrTitle"/>
           </p:nvPr>
@@ -8065,12 +8169,12 @@
           </a:prstGeom>
         </p:spPr>
         <p:txBody>
-          <a:bodyPr anchorCtr="0" anchor="t" bIns="91425" lIns="91425" rIns="91425" wrap="square" tIns="91425">
+          <a:bodyPr wrap="square" lIns="91425" tIns="91425" rIns="91425" bIns="91425" anchor="t" anchorCtr="0">
             <a:noAutofit/>
           </a:bodyPr>
           <a:lstStyle/>
           <a:p>
-            <a:pPr lvl="0" rtl="0" algn="ctr">
+            <a:pPr lvl="0" algn="ctr" rtl="0">
               <a:lnSpc>
                 <a:spcPct val="115000"/>
               </a:lnSpc>
@@ -8080,7 +8184,7 @@
               <a:buNone/>
             </a:pPr>
             <a:r>
-              <a:rPr b="1" lang="ru" sz="3000">
+              <a:rPr lang="ru" sz="3000" b="1">
                 <a:solidFill>
                   <a:srgbClr val="000000"/>
                 </a:solidFill>
@@ -8097,9 +8201,11 @@
       <p:sp>
         <p:nvSpPr>
           <p:cNvPr id="135" name="Shape 135"/>
-          <p:cNvSpPr txBox="1"/>
+          <p:cNvSpPr txBox="1">
+            <a:spLocks noGrp="1"/>
+          </p:cNvSpPr>
           <p:nvPr>
-            <p:ph idx="1" type="subTitle"/>
+            <p:ph type="subTitle" idx="1"/>
           </p:nvPr>
         </p:nvSpPr>
         <p:spPr>
@@ -8112,12 +8218,12 @@
           </a:prstGeom>
         </p:spPr>
         <p:txBody>
-          <a:bodyPr anchorCtr="0" anchor="t" bIns="91425" lIns="91425" rIns="91425" wrap="square" tIns="91425">
+          <a:bodyPr wrap="square" lIns="91425" tIns="91425" rIns="91425" bIns="91425" anchor="t" anchorCtr="0">
             <a:noAutofit/>
           </a:bodyPr>
           <a:lstStyle/>
           <a:p>
-            <a:pPr lvl="0" rtl="0" algn="ctr">
+            <a:pPr lvl="0" algn="ctr" rtl="0">
               <a:spcBef>
                 <a:spcPts val="0"/>
               </a:spcBef>
@@ -8137,7 +8243,7 @@
             </a:r>
           </a:p>
           <a:p>
-            <a:pPr lvl="0" rtl="0" algn="ctr">
+            <a:pPr lvl="0" algn="ctr" rtl="0">
               <a:spcBef>
                 <a:spcPts val="0"/>
               </a:spcBef>
@@ -8161,9 +8267,11 @@
       <p:sp>
         <p:nvSpPr>
           <p:cNvPr id="136" name="Shape 136"/>
-          <p:cNvSpPr txBox="1"/>
+          <p:cNvSpPr txBox="1">
+            <a:spLocks noGrp="1"/>
+          </p:cNvSpPr>
           <p:nvPr>
-            <p:ph idx="1" type="subTitle"/>
+            <p:ph type="subTitle" idx="1"/>
           </p:nvPr>
         </p:nvSpPr>
         <p:spPr>
@@ -8176,7 +8284,7 @@
           </a:prstGeom>
         </p:spPr>
         <p:txBody>
-          <a:bodyPr anchorCtr="0" anchor="t" bIns="91425" lIns="91425" rIns="91425" wrap="square" tIns="91425">
+          <a:bodyPr wrap="square" lIns="91425" tIns="91425" rIns="91425" bIns="91425" anchor="t" anchorCtr="0">
             <a:noAutofit/>
           </a:bodyPr>
           <a:lstStyle/>
@@ -8231,11 +8339,147 @@
 </file>
 
 <file path=ppt/slides/slide10.xml><?xml version="1.0" encoding="utf-8"?>
-<p:sld xmlns:a="http://schemas.openxmlformats.org/drawingml/2006/main" xmlns:r="http://schemas.openxmlformats.org/officeDocument/2006/relationships" xmlns:mc="http://schemas.openxmlformats.org/markup-compatibility/2006" xmlns:mv="urn:schemas-microsoft-com:mac:vml" xmlns:p="http://schemas.openxmlformats.org/presentationml/2006/main" xmlns:c="http://schemas.openxmlformats.org/drawingml/2006/chart" xmlns:dgm="http://schemas.openxmlformats.org/drawingml/2006/diagram" xmlns:o="urn:schemas-microsoft-com:office:office" xmlns:v="urn:schemas-microsoft-com:vml" xmlns:pvml="urn:schemas-microsoft-com:office:powerpoint" xmlns:com="http://schemas.openxmlformats.org/drawingml/2006/compatibility" xmlns:p14="http://schemas.microsoft.com/office/powerpoint/2010/main" xmlns:p15="http://schemas.microsoft.com/office/powerpoint/2012/main">
+<p:sld xmlns:a="http://schemas.openxmlformats.org/drawingml/2006/main" xmlns:r="http://schemas.openxmlformats.org/officeDocument/2006/relationships" xmlns:p="http://schemas.openxmlformats.org/presentationml/2006/main">
   <p:cSld>
     <p:spTree>
       <p:nvGrpSpPr>
-        <p:cNvPr id="189" name="Shape 189"/>
+        <p:cNvPr id="1" name="Shape 182"/>
+        <p:cNvGrpSpPr/>
+        <p:nvPr/>
+      </p:nvGrpSpPr>
+      <p:grpSpPr>
+        <a:xfrm>
+          <a:off x="0" y="0"/>
+          <a:ext cx="0" cy="0"/>
+          <a:chOff x="0" y="0"/>
+          <a:chExt cx="0" cy="0"/>
+        </a:xfrm>
+      </p:grpSpPr>
+      <p:sp>
+        <p:nvSpPr>
+          <p:cNvPr id="183" name="Shape 183"/>
+          <p:cNvSpPr txBox="1">
+            <a:spLocks noGrp="1"/>
+          </p:cNvSpPr>
+          <p:nvPr>
+            <p:ph type="title"/>
+          </p:nvPr>
+        </p:nvSpPr>
+        <p:spPr>
+          <a:xfrm>
+            <a:off x="1297500" y="393750"/>
+            <a:ext cx="7038900" cy="914100"/>
+          </a:xfrm>
+          <a:prstGeom prst="rect">
+            <a:avLst/>
+          </a:prstGeom>
+        </p:spPr>
+        <p:txBody>
+          <a:bodyPr wrap="square" lIns="91425" tIns="91425" rIns="91425" bIns="91425" anchor="t" anchorCtr="0">
+            <a:noAutofit/>
+          </a:bodyPr>
+          <a:lstStyle/>
+          <a:p>
+            <a:pPr lvl="0">
+              <a:spcBef>
+                <a:spcPts val="0"/>
+              </a:spcBef>
+              <a:buNone/>
+            </a:pPr>
+            <a:r>
+              <a:rPr lang="ru" sz="3000" u="sng">
+                <a:solidFill>
+                  <a:srgbClr val="000000"/>
+                </a:solidFill>
+                <a:latin typeface="Times New Roman"/>
+                <a:ea typeface="Times New Roman"/>
+                <a:cs typeface="Times New Roman"/>
+                <a:sym typeface="Times New Roman"/>
+              </a:rPr>
+              <a:t>Структура YC.Web</a:t>
+            </a:r>
+          </a:p>
+        </p:txBody>
+      </p:sp>
+      <p:sp>
+        <p:nvSpPr>
+          <p:cNvPr id="184" name="Shape 184"/>
+          <p:cNvSpPr txBox="1">
+            <a:spLocks noGrp="1"/>
+          </p:cNvSpPr>
+          <p:nvPr>
+            <p:ph type="body" idx="1"/>
+          </p:nvPr>
+        </p:nvSpPr>
+        <p:spPr>
+          <a:xfrm>
+            <a:off x="1297500" y="1567550"/>
+            <a:ext cx="7038900" cy="2911200"/>
+          </a:xfrm>
+          <a:prstGeom prst="rect">
+            <a:avLst/>
+          </a:prstGeom>
+        </p:spPr>
+        <p:txBody>
+          <a:bodyPr wrap="square" lIns="91425" tIns="91425" rIns="91425" bIns="91425" anchor="t" anchorCtr="0">
+            <a:noAutofit/>
+          </a:bodyPr>
+          <a:lstStyle/>
+          <a:p>
+            <a:pPr lvl="0">
+              <a:spcBef>
+                <a:spcPts val="0"/>
+              </a:spcBef>
+              <a:buNone/>
+            </a:pPr>
+            <a:endParaRPr dirty="0"/>
+          </a:p>
+        </p:txBody>
+      </p:sp>
+      <p:pic>
+        <p:nvPicPr>
+          <p:cNvPr id="3" name="Рисунок 2">
+            <a:extLst>
+              <a:ext uri="{FF2B5EF4-FFF2-40B4-BE49-F238E27FC236}">
+                <a16:creationId xmlns:a16="http://schemas.microsoft.com/office/drawing/2014/main" id="{8FE3AA3C-D025-44DB-B885-591FC8686701}"/>
+              </a:ext>
+            </a:extLst>
+          </p:cNvPr>
+          <p:cNvPicPr>
+            <a:picLocks noChangeAspect="1"/>
+          </p:cNvPicPr>
+          <p:nvPr/>
+        </p:nvPicPr>
+        <p:blipFill>
+          <a:blip r:embed="rId3"/>
+          <a:stretch>
+            <a:fillRect/>
+          </a:stretch>
+        </p:blipFill>
+        <p:spPr>
+          <a:xfrm>
+            <a:off x="1297500" y="994480"/>
+            <a:ext cx="7271941" cy="3981558"/>
+          </a:xfrm>
+          <a:prstGeom prst="rect">
+            <a:avLst/>
+          </a:prstGeom>
+        </p:spPr>
+      </p:pic>
+    </p:spTree>
+  </p:cSld>
+  <p:clrMapOvr>
+    <a:masterClrMapping/>
+  </p:clrMapOvr>
+</p:sld>
+</file>
+
+<file path=ppt/slides/slide11.xml><?xml version="1.0" encoding="utf-8"?>
+<p:sld xmlns:a="http://schemas.openxmlformats.org/drawingml/2006/main" xmlns:r="http://schemas.openxmlformats.org/officeDocument/2006/relationships" xmlns:p="http://schemas.openxmlformats.org/presentationml/2006/main">
+  <p:cSld>
+    <p:spTree>
+      <p:nvGrpSpPr>
+        <p:cNvPr id="1" name="Shape 189"/>
         <p:cNvGrpSpPr/>
         <p:nvPr/>
       </p:nvGrpSpPr>
@@ -8250,7 +8494,9 @@
       <p:sp>
         <p:nvSpPr>
           <p:cNvPr id="190" name="Shape 190"/>
-          <p:cNvSpPr txBox="1"/>
+          <p:cNvSpPr txBox="1">
+            <a:spLocks noGrp="1"/>
+          </p:cNvSpPr>
           <p:nvPr>
             <p:ph type="title"/>
           </p:nvPr>
@@ -8265,7 +8511,7 @@
           </a:prstGeom>
         </p:spPr>
         <p:txBody>
-          <a:bodyPr anchorCtr="0" anchor="t" bIns="91425" lIns="91425" rIns="91425" wrap="square" tIns="91425">
+          <a:bodyPr wrap="square" lIns="91425" tIns="91425" rIns="91425" bIns="91425" anchor="t" anchorCtr="0">
             <a:noAutofit/>
           </a:bodyPr>
           <a:lstStyle/>
@@ -8294,9 +8540,11 @@
       <p:sp>
         <p:nvSpPr>
           <p:cNvPr id="191" name="Shape 191"/>
-          <p:cNvSpPr txBox="1"/>
+          <p:cNvSpPr txBox="1">
+            <a:spLocks noGrp="1"/>
+          </p:cNvSpPr>
           <p:nvPr>
-            <p:ph idx="1" type="body"/>
+            <p:ph type="body" idx="1"/>
           </p:nvPr>
         </p:nvSpPr>
         <p:spPr>
@@ -8309,7 +8557,7 @@
           </a:prstGeom>
         </p:spPr>
         <p:txBody>
-          <a:bodyPr anchorCtr="0" anchor="t" bIns="91425" lIns="91425" rIns="91425" wrap="square" tIns="91425">
+          <a:bodyPr wrap="square" lIns="91425" tIns="91425" rIns="91425" bIns="91425" anchor="t" anchorCtr="0">
             <a:noAutofit/>
           </a:bodyPr>
           <a:lstStyle/>
@@ -8320,16 +8568,13 @@
               </a:spcBef>
               <a:buNone/>
             </a:pPr>
-            <a:r>
-              <a:t/>
-            </a:r>
             <a:endParaRPr/>
           </a:p>
         </p:txBody>
       </p:sp>
       <p:pic>
         <p:nvPicPr>
-          <p:cNvPr descr="main.JPG" id="192" name="Shape 192"/>
+          <p:cNvPr id="192" name="Shape 192" descr="main.JPG"/>
           <p:cNvPicPr preferRelativeResize="0"/>
           <p:nvPr/>
         </p:nvPicPr>
@@ -8351,7 +8596,9 @@
           </a:prstGeom>
           <a:noFill/>
           <a:ln>
-            <a:noFill/>
+            <a:solidFill>
+              <a:schemeClr val="tx1"/>
+            </a:solidFill>
           </a:ln>
         </p:spPr>
       </p:pic>
@@ -8363,12 +8610,12 @@
 </p:sld>
 </file>
 
-<file path=ppt/slides/slide11.xml><?xml version="1.0" encoding="utf-8"?>
-<p:sld xmlns:a="http://schemas.openxmlformats.org/drawingml/2006/main" xmlns:r="http://schemas.openxmlformats.org/officeDocument/2006/relationships" xmlns:mc="http://schemas.openxmlformats.org/markup-compatibility/2006" xmlns:mv="urn:schemas-microsoft-com:mac:vml" xmlns:p="http://schemas.openxmlformats.org/presentationml/2006/main" xmlns:c="http://schemas.openxmlformats.org/drawingml/2006/chart" xmlns:dgm="http://schemas.openxmlformats.org/drawingml/2006/diagram" xmlns:o="urn:schemas-microsoft-com:office:office" xmlns:v="urn:schemas-microsoft-com:vml" xmlns:pvml="urn:schemas-microsoft-com:office:powerpoint" xmlns:com="http://schemas.openxmlformats.org/drawingml/2006/compatibility" xmlns:p14="http://schemas.microsoft.com/office/powerpoint/2010/main" xmlns:p15="http://schemas.microsoft.com/office/powerpoint/2012/main">
+<file path=ppt/slides/slide12.xml><?xml version="1.0" encoding="utf-8"?>
+<p:sld xmlns:a="http://schemas.openxmlformats.org/drawingml/2006/main" xmlns:r="http://schemas.openxmlformats.org/officeDocument/2006/relationships" xmlns:p="http://schemas.openxmlformats.org/presentationml/2006/main">
   <p:cSld>
     <p:spTree>
       <p:nvGrpSpPr>
-        <p:cNvPr id="196" name="Shape 196"/>
+        <p:cNvPr id="1" name="Shape 196"/>
         <p:cNvGrpSpPr/>
         <p:nvPr/>
       </p:nvGrpSpPr>
@@ -8383,7 +8630,9 @@
       <p:sp>
         <p:nvSpPr>
           <p:cNvPr id="197" name="Shape 197"/>
-          <p:cNvSpPr txBox="1"/>
+          <p:cNvSpPr txBox="1">
+            <a:spLocks noGrp="1"/>
+          </p:cNvSpPr>
           <p:nvPr>
             <p:ph type="title"/>
           </p:nvPr>
@@ -8398,7 +8647,7 @@
           </a:prstGeom>
         </p:spPr>
         <p:txBody>
-          <a:bodyPr anchorCtr="0" anchor="t" bIns="91425" lIns="91425" rIns="91425" wrap="square" tIns="91425">
+          <a:bodyPr wrap="square" lIns="91425" tIns="91425" rIns="91425" bIns="91425" anchor="t" anchorCtr="0">
             <a:noAutofit/>
           </a:bodyPr>
           <a:lstStyle/>
@@ -8427,9 +8676,11 @@
       <p:sp>
         <p:nvSpPr>
           <p:cNvPr id="198" name="Shape 198"/>
-          <p:cNvSpPr txBox="1"/>
+          <p:cNvSpPr txBox="1">
+            <a:spLocks noGrp="1"/>
+          </p:cNvSpPr>
           <p:nvPr>
-            <p:ph idx="1" type="body"/>
+            <p:ph type="body" idx="1"/>
           </p:nvPr>
         </p:nvSpPr>
         <p:spPr>
@@ -8442,7 +8693,7 @@
           </a:prstGeom>
         </p:spPr>
         <p:txBody>
-          <a:bodyPr anchorCtr="0" anchor="t" bIns="91425" lIns="91425" rIns="91425" wrap="square" tIns="91425">
+          <a:bodyPr wrap="square" lIns="91425" tIns="91425" rIns="91425" bIns="91425" anchor="t" anchorCtr="0">
             <a:noAutofit/>
           </a:bodyPr>
           <a:lstStyle/>
@@ -8453,16 +8704,13 @@
               </a:spcBef>
               <a:buNone/>
             </a:pPr>
-            <a:r>
-              <a:t/>
-            </a:r>
             <a:endParaRPr/>
           </a:p>
         </p:txBody>
       </p:sp>
       <p:pic>
         <p:nvPicPr>
-          <p:cNvPr descr="alg.JPG" id="199" name="Shape 199"/>
+          <p:cNvPr id="199" name="Shape 199" descr="alg.JPG"/>
           <p:cNvPicPr preferRelativeResize="0"/>
           <p:nvPr/>
         </p:nvPicPr>
@@ -8484,7 +8732,9 @@
           </a:prstGeom>
           <a:noFill/>
           <a:ln>
-            <a:noFill/>
+            <a:solidFill>
+              <a:schemeClr val="tx1"/>
+            </a:solidFill>
           </a:ln>
         </p:spPr>
       </p:pic>
@@ -8496,12 +8746,12 @@
 </p:sld>
 </file>
 
-<file path=ppt/slides/slide12.xml><?xml version="1.0" encoding="utf-8"?>
-<p:sld xmlns:a="http://schemas.openxmlformats.org/drawingml/2006/main" xmlns:r="http://schemas.openxmlformats.org/officeDocument/2006/relationships" xmlns:mc="http://schemas.openxmlformats.org/markup-compatibility/2006" xmlns:mv="urn:schemas-microsoft-com:mac:vml" xmlns:p="http://schemas.openxmlformats.org/presentationml/2006/main" xmlns:c="http://schemas.openxmlformats.org/drawingml/2006/chart" xmlns:dgm="http://schemas.openxmlformats.org/drawingml/2006/diagram" xmlns:o="urn:schemas-microsoft-com:office:office" xmlns:v="urn:schemas-microsoft-com:vml" xmlns:pvml="urn:schemas-microsoft-com:office:powerpoint" xmlns:com="http://schemas.openxmlformats.org/drawingml/2006/compatibility" xmlns:p14="http://schemas.microsoft.com/office/powerpoint/2010/main" xmlns:p15="http://schemas.microsoft.com/office/powerpoint/2012/main">
+<file path=ppt/slides/slide13.xml><?xml version="1.0" encoding="utf-8"?>
+<p:sld xmlns:a="http://schemas.openxmlformats.org/drawingml/2006/main" xmlns:r="http://schemas.openxmlformats.org/officeDocument/2006/relationships" xmlns:p="http://schemas.openxmlformats.org/presentationml/2006/main">
   <p:cSld>
     <p:spTree>
       <p:nvGrpSpPr>
-        <p:cNvPr id="203" name="Shape 203"/>
+        <p:cNvPr id="1" name="Shape 203"/>
         <p:cNvGrpSpPr/>
         <p:nvPr/>
       </p:nvGrpSpPr>
@@ -8516,7 +8766,9 @@
       <p:sp>
         <p:nvSpPr>
           <p:cNvPr id="204" name="Shape 204"/>
-          <p:cNvSpPr txBox="1"/>
+          <p:cNvSpPr txBox="1">
+            <a:spLocks noGrp="1"/>
+          </p:cNvSpPr>
           <p:nvPr>
             <p:ph type="title"/>
           </p:nvPr>
@@ -8531,7 +8783,7 @@
           </a:prstGeom>
         </p:spPr>
         <p:txBody>
-          <a:bodyPr anchorCtr="0" anchor="t" bIns="91425" lIns="91425" rIns="91425" wrap="square" tIns="91425">
+          <a:bodyPr wrap="square" lIns="91425" tIns="91425" rIns="91425" bIns="91425" anchor="t" anchorCtr="0">
             <a:noAutofit/>
           </a:bodyPr>
           <a:lstStyle/>
@@ -8560,9 +8812,11 @@
       <p:sp>
         <p:nvSpPr>
           <p:cNvPr id="205" name="Shape 205"/>
-          <p:cNvSpPr txBox="1"/>
+          <p:cNvSpPr txBox="1">
+            <a:spLocks noGrp="1"/>
+          </p:cNvSpPr>
           <p:nvPr>
-            <p:ph idx="1" type="body"/>
+            <p:ph type="body" idx="1"/>
           </p:nvPr>
         </p:nvSpPr>
         <p:spPr>
@@ -8575,12 +8829,12 @@
           </a:prstGeom>
         </p:spPr>
         <p:txBody>
-          <a:bodyPr anchorCtr="0" anchor="t" bIns="91425" lIns="91425" rIns="91425" wrap="square" tIns="91425">
+          <a:bodyPr wrap="square" lIns="91425" tIns="91425" rIns="91425" bIns="91425" anchor="t" anchorCtr="0">
             <a:noAutofit/>
           </a:bodyPr>
           <a:lstStyle/>
           <a:p>
-            <a:pPr indent="-336550" lvl="0" marL="914400" rtl="0">
+            <a:pPr marL="914400" lvl="0" indent="-336550" rtl="0">
               <a:spcBef>
                 <a:spcPts val="0"/>
               </a:spcBef>
@@ -8595,7 +8849,7 @@
               <a:buChar char="●"/>
             </a:pPr>
             <a:r>
-              <a:rPr lang="ru" sz="1700">
+              <a:rPr lang="ru" sz="1700" dirty="0">
                 <a:solidFill>
                   <a:srgbClr val="000000"/>
                 </a:solidFill>
@@ -8608,7 +8862,7 @@
             </a:r>
           </a:p>
           <a:p>
-            <a:pPr indent="-336550" lvl="0" marL="914400" rtl="0">
+            <a:pPr marL="914400" lvl="0" indent="-336550" rtl="0">
               <a:spcBef>
                 <a:spcPts val="0"/>
               </a:spcBef>
@@ -8623,35 +8877,7 @@
               <a:buChar char="●"/>
             </a:pPr>
             <a:r>
-              <a:rPr lang="ru" sz="1700">
-                <a:solidFill>
-                  <a:srgbClr val="000000"/>
-                </a:solidFill>
-                <a:latin typeface="Times New Roman"/>
-                <a:ea typeface="Times New Roman"/>
-                <a:cs typeface="Times New Roman"/>
-                <a:sym typeface="Times New Roman"/>
-              </a:rPr>
-              <a:t>Изучены особенности фреймворка WebSharper</a:t>
-            </a:r>
-          </a:p>
-          <a:p>
-            <a:pPr indent="-336550" lvl="0" marL="914400" rtl="0">
-              <a:spcBef>
-                <a:spcPts val="0"/>
-              </a:spcBef>
-              <a:spcAft>
-                <a:spcPts val="0"/>
-              </a:spcAft>
-              <a:buClr>
-                <a:srgbClr val="000000"/>
-              </a:buClr>
-              <a:buSzPct val="100000"/>
-              <a:buFont typeface="Times New Roman"/>
-              <a:buChar char="●"/>
-            </a:pPr>
-            <a:r>
-              <a:rPr lang="ru" sz="1700">
+              <a:rPr lang="ru" sz="1700" dirty="0">
                 <a:solidFill>
                   <a:srgbClr val="000000"/>
                 </a:solidFill>
@@ -8664,7 +8890,7 @@
             </a:r>
           </a:p>
           <a:p>
-            <a:pPr indent="-336550" lvl="0" marL="914400" rtl="0">
+            <a:pPr marL="914400" lvl="0" indent="-336550" rtl="0">
               <a:spcBef>
                 <a:spcPts val="0"/>
               </a:spcBef>
@@ -8679,7 +8905,7 @@
               <a:buChar char="●"/>
             </a:pPr>
             <a:r>
-              <a:rPr lang="ru" sz="1700">
+              <a:rPr lang="ru" sz="1700" dirty="0">
                 <a:solidFill>
                   <a:srgbClr val="000000"/>
                 </a:solidFill>
@@ -8692,7 +8918,7 @@
             </a:r>
           </a:p>
           <a:p>
-            <a:pPr indent="-336550" lvl="0" marL="914400" rtl="0">
+            <a:pPr marL="914400" lvl="0" indent="-336550" rtl="0">
               <a:spcBef>
                 <a:spcPts val="0"/>
               </a:spcBef>
@@ -8707,7 +8933,7 @@
               <a:buChar char="●"/>
             </a:pPr>
             <a:r>
-              <a:rPr lang="ru" sz="1700">
+              <a:rPr lang="ru" sz="1700" dirty="0">
                 <a:solidFill>
                   <a:srgbClr val="000000"/>
                 </a:solidFill>
@@ -8720,7 +8946,7 @@
             </a:r>
           </a:p>
           <a:p>
-            <a:pPr indent="-336550" lvl="0" marL="914400" rtl="0">
+            <a:pPr marL="914400" lvl="0" indent="-336550" rtl="0">
               <a:spcBef>
                 <a:spcPts val="0"/>
               </a:spcBef>
@@ -8735,7 +8961,7 @@
               <a:buChar char="●"/>
             </a:pPr>
             <a:r>
-              <a:rPr lang="ru" sz="1700">
+              <a:rPr lang="ru" sz="1700" dirty="0">
                 <a:solidFill>
                   <a:srgbClr val="000000"/>
                 </a:solidFill>
@@ -8758,11 +8984,11 @@
 </file>
 
 <file path=ppt/slides/slide2.xml><?xml version="1.0" encoding="utf-8"?>
-<p:sld xmlns:a="http://schemas.openxmlformats.org/drawingml/2006/main" xmlns:r="http://schemas.openxmlformats.org/officeDocument/2006/relationships" xmlns:mc="http://schemas.openxmlformats.org/markup-compatibility/2006" xmlns:mv="urn:schemas-microsoft-com:mac:vml" xmlns:p="http://schemas.openxmlformats.org/presentationml/2006/main" xmlns:c="http://schemas.openxmlformats.org/drawingml/2006/chart" xmlns:dgm="http://schemas.openxmlformats.org/drawingml/2006/diagram" xmlns:o="urn:schemas-microsoft-com:office:office" xmlns:v="urn:schemas-microsoft-com:vml" xmlns:pvml="urn:schemas-microsoft-com:office:powerpoint" xmlns:com="http://schemas.openxmlformats.org/drawingml/2006/compatibility" xmlns:p14="http://schemas.microsoft.com/office/powerpoint/2010/main" xmlns:p15="http://schemas.microsoft.com/office/powerpoint/2012/main">
+<p:sld xmlns:a="http://schemas.openxmlformats.org/drawingml/2006/main" xmlns:r="http://schemas.openxmlformats.org/officeDocument/2006/relationships" xmlns:p="http://schemas.openxmlformats.org/presentationml/2006/main">
   <p:cSld>
     <p:spTree>
       <p:nvGrpSpPr>
-        <p:cNvPr id="140" name="Shape 140"/>
+        <p:cNvPr id="1" name="Shape 140"/>
         <p:cNvGrpSpPr/>
         <p:nvPr/>
       </p:nvGrpSpPr>
@@ -8777,7 +9003,9 @@
       <p:sp>
         <p:nvSpPr>
           <p:cNvPr id="141" name="Shape 141"/>
-          <p:cNvSpPr txBox="1"/>
+          <p:cNvSpPr txBox="1">
+            <a:spLocks noGrp="1"/>
+          </p:cNvSpPr>
           <p:nvPr>
             <p:ph type="title"/>
           </p:nvPr>
@@ -8792,7 +9020,7 @@
           </a:prstGeom>
         </p:spPr>
         <p:txBody>
-          <a:bodyPr anchorCtr="0" anchor="t" bIns="91425" lIns="91425" rIns="91425" wrap="square" tIns="91425">
+          <a:bodyPr wrap="square" lIns="91425" tIns="91425" rIns="91425" bIns="91425" anchor="t" anchorCtr="0">
             <a:noAutofit/>
           </a:bodyPr>
           <a:lstStyle/>
@@ -8817,9 +9045,11 @@
       <p:sp>
         <p:nvSpPr>
           <p:cNvPr id="142" name="Shape 142"/>
-          <p:cNvSpPr txBox="1"/>
+          <p:cNvSpPr txBox="1">
+            <a:spLocks noGrp="1"/>
+          </p:cNvSpPr>
           <p:nvPr>
-            <p:ph idx="1" type="body"/>
+            <p:ph type="body" idx="1"/>
           </p:nvPr>
         </p:nvSpPr>
         <p:spPr>
@@ -8832,7 +9062,7 @@
           </a:prstGeom>
         </p:spPr>
         <p:txBody>
-          <a:bodyPr anchorCtr="0" anchor="t" bIns="91425" lIns="91425" rIns="91425" wrap="square" tIns="91425">
+          <a:bodyPr wrap="square" lIns="91425" tIns="91425" rIns="91425" bIns="91425" anchor="t" anchorCtr="0">
             <a:noAutofit/>
           </a:bodyPr>
           <a:lstStyle/>
@@ -8872,9 +9102,6 @@
               </a:spcAft>
               <a:buNone/>
             </a:pPr>
-            <a:r>
-              <a:t/>
-            </a:r>
             <a:endParaRPr sz="1700">
               <a:solidFill>
                 <a:srgbClr val="000000"/>
@@ -8949,11 +9176,11 @@
 </file>
 
 <file path=ppt/slides/slide3.xml><?xml version="1.0" encoding="utf-8"?>
-<p:sld xmlns:a="http://schemas.openxmlformats.org/drawingml/2006/main" xmlns:r="http://schemas.openxmlformats.org/officeDocument/2006/relationships" xmlns:mc="http://schemas.openxmlformats.org/markup-compatibility/2006" xmlns:mv="urn:schemas-microsoft-com:mac:vml" xmlns:p="http://schemas.openxmlformats.org/presentationml/2006/main" xmlns:c="http://schemas.openxmlformats.org/drawingml/2006/chart" xmlns:dgm="http://schemas.openxmlformats.org/drawingml/2006/diagram" xmlns:o="urn:schemas-microsoft-com:office:office" xmlns:v="urn:schemas-microsoft-com:vml" xmlns:pvml="urn:schemas-microsoft-com:office:powerpoint" xmlns:com="http://schemas.openxmlformats.org/drawingml/2006/compatibility" xmlns:p14="http://schemas.microsoft.com/office/powerpoint/2010/main" xmlns:p15="http://schemas.microsoft.com/office/powerpoint/2012/main">
+<p:sld xmlns:a="http://schemas.openxmlformats.org/drawingml/2006/main" xmlns:r="http://schemas.openxmlformats.org/officeDocument/2006/relationships" xmlns:p="http://schemas.openxmlformats.org/presentationml/2006/main">
   <p:cSld>
     <p:spTree>
       <p:nvGrpSpPr>
-        <p:cNvPr id="146" name="Shape 146"/>
+        <p:cNvPr id="1" name="Shape 146"/>
         <p:cNvGrpSpPr/>
         <p:nvPr/>
       </p:nvGrpSpPr>
@@ -8968,7 +9195,9 @@
       <p:sp>
         <p:nvSpPr>
           <p:cNvPr id="147" name="Shape 147"/>
-          <p:cNvSpPr txBox="1"/>
+          <p:cNvSpPr txBox="1">
+            <a:spLocks noGrp="1"/>
+          </p:cNvSpPr>
           <p:nvPr>
             <p:ph type="title"/>
           </p:nvPr>
@@ -8983,7 +9212,7 @@
           </a:prstGeom>
         </p:spPr>
         <p:txBody>
-          <a:bodyPr anchorCtr="0" anchor="t" bIns="91425" lIns="91425" rIns="91425" wrap="square" tIns="91425">
+          <a:bodyPr wrap="square" lIns="91425" tIns="91425" rIns="91425" bIns="91425" anchor="t" anchorCtr="0">
             <a:noAutofit/>
           </a:bodyPr>
           <a:lstStyle/>
@@ -9012,9 +9241,11 @@
       <p:sp>
         <p:nvSpPr>
           <p:cNvPr id="148" name="Shape 148"/>
-          <p:cNvSpPr txBox="1"/>
+          <p:cNvSpPr txBox="1">
+            <a:spLocks noGrp="1"/>
+          </p:cNvSpPr>
           <p:nvPr>
-            <p:ph idx="1" type="body"/>
+            <p:ph type="body" idx="1"/>
           </p:nvPr>
         </p:nvSpPr>
         <p:spPr>
@@ -9027,7 +9258,7 @@
           </a:prstGeom>
         </p:spPr>
         <p:txBody>
-          <a:bodyPr anchorCtr="0" anchor="t" bIns="91425" lIns="91425" rIns="91425" wrap="square" tIns="91425">
+          <a:bodyPr wrap="square" lIns="91425" tIns="91425" rIns="91425" bIns="91425" anchor="t" anchorCtr="0">
             <a:noAutofit/>
           </a:bodyPr>
           <a:lstStyle/>
@@ -9039,7 +9270,7 @@
               <a:buNone/>
             </a:pPr>
             <a:r>
-              <a:rPr lang="ru" sz="2000">
+              <a:rPr lang="ru" sz="2000" dirty="0">
                 <a:solidFill>
                   <a:srgbClr val="000000"/>
                 </a:solidFill>
@@ -9048,7 +9279,7 @@
                 <a:cs typeface="Times New Roman"/>
                 <a:sym typeface="Times New Roman"/>
               </a:rPr>
-              <a:t>Создание единой платформы в виде веб-сайта, которая бы позволила легко реализовывать визуализацию алгоритмов YaccConstructor,  а также добавление на данный сайт разработанных ранее алгоритмов. </a:t>
+              <a:t>Создание единой платформы, которая бы позволила легко реализовывать визуализацию алгоритмов YaccConstructor,  а также добавление на данный сайт разработанных ранее алгоритмов. </a:t>
             </a:r>
           </a:p>
           <a:p>
@@ -9059,26 +9290,32 @@
               <a:buNone/>
             </a:pPr>
             <a:br>
-              <a:rPr lang="ru"/>
+              <a:rPr lang="ru" dirty="0"/>
             </a:br>
             <a:br>
-              <a:rPr lang="ru"/>
+              <a:rPr lang="ru" dirty="0"/>
             </a:br>
             <a:br>
-              <a:rPr lang="ru"/>
+              <a:rPr lang="ru" dirty="0"/>
             </a:br>
             <a:r>
-              <a:rPr lang="ru"/>
+              <a:rPr lang="ru" dirty="0"/>
               <a:t>	</a:t>
             </a:r>
             <a:br>
-              <a:rPr lang="ru" sz="1800">
+              <a:rPr lang="ru" sz="1800" dirty="0">
                 <a:latin typeface="Times New Roman"/>
                 <a:ea typeface="Times New Roman"/>
                 <a:cs typeface="Times New Roman"/>
                 <a:sym typeface="Times New Roman"/>
               </a:rPr>
             </a:br>
+            <a:endParaRPr lang="ru" sz="1800" dirty="0">
+              <a:latin typeface="Times New Roman"/>
+              <a:ea typeface="Times New Roman"/>
+              <a:cs typeface="Times New Roman"/>
+              <a:sym typeface="Times New Roman"/>
+            </a:endParaRPr>
           </a:p>
         </p:txBody>
       </p:sp>
@@ -9091,11 +9328,11 @@
 </file>
 
 <file path=ppt/slides/slide4.xml><?xml version="1.0" encoding="utf-8"?>
-<p:sld xmlns:a="http://schemas.openxmlformats.org/drawingml/2006/main" xmlns:r="http://schemas.openxmlformats.org/officeDocument/2006/relationships" xmlns:mc="http://schemas.openxmlformats.org/markup-compatibility/2006" xmlns:mv="urn:schemas-microsoft-com:mac:vml" xmlns:p="http://schemas.openxmlformats.org/presentationml/2006/main" xmlns:c="http://schemas.openxmlformats.org/drawingml/2006/chart" xmlns:dgm="http://schemas.openxmlformats.org/drawingml/2006/diagram" xmlns:o="urn:schemas-microsoft-com:office:office" xmlns:v="urn:schemas-microsoft-com:vml" xmlns:pvml="urn:schemas-microsoft-com:office:powerpoint" xmlns:com="http://schemas.openxmlformats.org/drawingml/2006/compatibility" xmlns:p14="http://schemas.microsoft.com/office/powerpoint/2010/main" xmlns:p15="http://schemas.microsoft.com/office/powerpoint/2012/main">
+<p:sld xmlns:a="http://schemas.openxmlformats.org/drawingml/2006/main" xmlns:r="http://schemas.openxmlformats.org/officeDocument/2006/relationships" xmlns:p="http://schemas.openxmlformats.org/presentationml/2006/main">
   <p:cSld>
     <p:spTree>
       <p:nvGrpSpPr>
-        <p:cNvPr id="152" name="Shape 152"/>
+        <p:cNvPr id="1" name="Shape 152"/>
         <p:cNvGrpSpPr/>
         <p:nvPr/>
       </p:nvGrpSpPr>
@@ -9110,7 +9347,9 @@
       <p:sp>
         <p:nvSpPr>
           <p:cNvPr id="153" name="Shape 153"/>
-          <p:cNvSpPr txBox="1"/>
+          <p:cNvSpPr txBox="1">
+            <a:spLocks noGrp="1"/>
+          </p:cNvSpPr>
           <p:nvPr>
             <p:ph type="title"/>
           </p:nvPr>
@@ -9125,7 +9364,7 @@
           </a:prstGeom>
         </p:spPr>
         <p:txBody>
-          <a:bodyPr anchorCtr="0" anchor="t" bIns="91425" lIns="91425" rIns="91425" wrap="square" tIns="91425">
+          <a:bodyPr wrap="square" lIns="91425" tIns="91425" rIns="91425" bIns="91425" anchor="t" anchorCtr="0">
             <a:noAutofit/>
           </a:bodyPr>
           <a:lstStyle/>
@@ -9154,27 +9393,32 @@
       <p:sp>
         <p:nvSpPr>
           <p:cNvPr id="154" name="Shape 154"/>
-          <p:cNvSpPr txBox="1"/>
+          <p:cNvSpPr txBox="1">
+            <a:spLocks noGrp="1"/>
+          </p:cNvSpPr>
           <p:nvPr>
-            <p:ph idx="1" type="body"/>
+            <p:ph type="body" idx="1"/>
           </p:nvPr>
         </p:nvSpPr>
         <p:spPr>
           <a:xfrm>
-            <a:off x="1297500" y="1221350"/>
-            <a:ext cx="7038900" cy="2911200"/>
+            <a:off x="1297500" y="1104392"/>
+            <a:ext cx="7038900" cy="1777031"/>
           </a:xfrm>
           <a:prstGeom prst="rect">
             <a:avLst/>
           </a:prstGeom>
         </p:spPr>
         <p:txBody>
-          <a:bodyPr anchorCtr="0" anchor="t" bIns="91425" lIns="91425" rIns="91425" wrap="square" tIns="91425">
+          <a:bodyPr wrap="square" lIns="91425" tIns="91425" rIns="91425" bIns="91425" anchor="t" anchorCtr="0">
             <a:noAutofit/>
           </a:bodyPr>
           <a:lstStyle/>
           <a:p>
-            <a:pPr indent="-330200" lvl="0" marL="457200" rtl="0">
+            <a:pPr marL="457200" lvl="0" indent="-330200" rtl="0">
+              <a:lnSpc>
+                <a:spcPct val="100000"/>
+              </a:lnSpc>
               <a:spcBef>
                 <a:spcPts val="0"/>
               </a:spcBef>
@@ -9185,7 +9429,7 @@
               <a:buFont typeface="Times New Roman"/>
             </a:pPr>
             <a:r>
-              <a:rPr lang="ru" sz="1600">
+              <a:rPr lang="ru" sz="1400" dirty="0">
                 <a:solidFill>
                   <a:srgbClr val="000000"/>
                 </a:solidFill>
@@ -9198,7 +9442,10 @@
             </a:r>
           </a:p>
           <a:p>
-            <a:pPr indent="-330200" lvl="0" marL="457200" rtl="0">
+            <a:pPr marL="457200" lvl="0" indent="-330200" rtl="0">
+              <a:lnSpc>
+                <a:spcPct val="100000"/>
+              </a:lnSpc>
               <a:spcBef>
                 <a:spcPts val="0"/>
               </a:spcBef>
@@ -9209,7 +9456,7 @@
               <a:buFont typeface="Times New Roman"/>
             </a:pPr>
             <a:r>
-              <a:rPr lang="ru" sz="1600">
+              <a:rPr lang="ru" sz="1400" dirty="0">
                 <a:solidFill>
                   <a:srgbClr val="000000"/>
                 </a:solidFill>
@@ -9220,9 +9467,21 @@
               </a:rPr>
               <a:t>Изучение особенностей фреймворка WebSharper</a:t>
             </a:r>
+            <a:endParaRPr lang="ru" sz="1200" dirty="0">
+              <a:solidFill>
+                <a:srgbClr val="000000"/>
+              </a:solidFill>
+              <a:latin typeface="Times New Roman"/>
+              <a:ea typeface="Times New Roman"/>
+              <a:cs typeface="Times New Roman"/>
+              <a:sym typeface="Times New Roman"/>
+            </a:endParaRPr>
           </a:p>
           <a:p>
-            <a:pPr indent="-330200" lvl="0" marL="457200" rtl="0">
+            <a:pPr marL="457200" lvl="0" indent="-330200" rtl="0">
+              <a:lnSpc>
+                <a:spcPct val="100000"/>
+              </a:lnSpc>
               <a:spcBef>
                 <a:spcPts val="0"/>
               </a:spcBef>
@@ -9233,7 +9492,7 @@
               <a:buFont typeface="Times New Roman"/>
             </a:pPr>
             <a:r>
-              <a:rPr lang="ru" sz="1600">
+              <a:rPr lang="ru" sz="1400" dirty="0">
                 <a:solidFill>
                   <a:srgbClr val="000000"/>
                 </a:solidFill>
@@ -9242,11 +9501,14 @@
                 <a:cs typeface="Times New Roman"/>
                 <a:sym typeface="Times New Roman"/>
               </a:rPr>
-              <a:t>Интеграция веб-приложений (синтаксический анализ графов и поиск подпоследовательностей РНК) в YC.Web:</a:t>
+              <a:t>Интеграция веб-приложений (синтаксический анализ графов и поиск подпоследовательностей РНК) в YC.Web</a:t>
             </a:r>
           </a:p>
           <a:p>
-            <a:pPr indent="-330200" lvl="1" marL="914400" rtl="0">
+            <a:pPr marL="914400" lvl="1" indent="-330200" rtl="0">
+              <a:lnSpc>
+                <a:spcPct val="100000"/>
+              </a:lnSpc>
               <a:spcBef>
                 <a:spcPts val="0"/>
               </a:spcBef>
@@ -9257,7 +9519,7 @@
               <a:buFont typeface="Times New Roman"/>
             </a:pPr>
             <a:r>
-              <a:rPr lang="ru" sz="1600">
+              <a:rPr lang="ru" sz="1400" dirty="0">
                 <a:solidFill>
                   <a:srgbClr val="000000"/>
                 </a:solidFill>
@@ -9270,7 +9532,10 @@
             </a:r>
           </a:p>
           <a:p>
-            <a:pPr indent="-330200" lvl="1" marL="914400" rtl="0">
+            <a:pPr marL="914400" lvl="1" indent="-330200" rtl="0">
+              <a:lnSpc>
+                <a:spcPct val="100000"/>
+              </a:lnSpc>
               <a:spcBef>
                 <a:spcPts val="0"/>
               </a:spcBef>
@@ -9281,7 +9546,7 @@
               <a:buFont typeface="Times New Roman"/>
             </a:pPr>
             <a:r>
-              <a:rPr lang="ru" sz="1600">
+              <a:rPr lang="ru" sz="1400" dirty="0">
                 <a:solidFill>
                   <a:srgbClr val="000000"/>
                 </a:solidFill>
@@ -9294,7 +9559,10 @@
             </a:r>
           </a:p>
           <a:p>
-            <a:pPr indent="-330200" lvl="1" marL="914400" rtl="0">
+            <a:pPr marL="914400" lvl="1" indent="-330200" rtl="0">
+              <a:lnSpc>
+                <a:spcPct val="100000"/>
+              </a:lnSpc>
               <a:spcBef>
                 <a:spcPts val="0"/>
               </a:spcBef>
@@ -9305,7 +9573,7 @@
               <a:buFont typeface="Times New Roman"/>
             </a:pPr>
             <a:r>
-              <a:rPr lang="ru" sz="1600">
+              <a:rPr lang="ru" sz="1400" dirty="0">
                 <a:solidFill>
                   <a:srgbClr val="000000"/>
                 </a:solidFill>
@@ -9316,9 +9584,21 @@
               </a:rPr>
               <a:t>Создание библиотеки общих компонент</a:t>
             </a:r>
+            <a:endParaRPr lang="ru" sz="1600" dirty="0">
+              <a:solidFill>
+                <a:srgbClr val="000000"/>
+              </a:solidFill>
+              <a:latin typeface="Times New Roman"/>
+              <a:ea typeface="Times New Roman"/>
+              <a:cs typeface="Times New Roman"/>
+              <a:sym typeface="Times New Roman"/>
+            </a:endParaRPr>
           </a:p>
           <a:p>
-            <a:pPr indent="-330200" lvl="0" marL="457200" rtl="0">
+            <a:pPr marL="457200" lvl="0" indent="-330200" rtl="0">
+              <a:lnSpc>
+                <a:spcPct val="100000"/>
+              </a:lnSpc>
               <a:spcBef>
                 <a:spcPts val="0"/>
               </a:spcBef>
@@ -9329,7 +9609,7 @@
               <a:buFont typeface="Times New Roman"/>
             </a:pPr>
             <a:r>
-              <a:rPr lang="ru" sz="1600">
+              <a:rPr lang="ru" sz="1400" dirty="0">
                 <a:solidFill>
                   <a:srgbClr val="000000"/>
                 </a:solidFill>
@@ -9338,22 +9618,10 @@
                 <a:cs typeface="Times New Roman"/>
                 <a:sym typeface="Times New Roman"/>
               </a:rPr>
-              <a:t>Добавление на сайт описания проекта YC.Web и описания работы с ним;</a:t>
+              <a:t>Добавление на сайт </a:t>
             </a:r>
-          </a:p>
-          <a:p>
-            <a:pPr indent="-330200" lvl="0" marL="457200" rtl="0">
-              <a:spcBef>
-                <a:spcPts val="0"/>
-              </a:spcBef>
-              <a:buClr>
-                <a:srgbClr val="000000"/>
-              </a:buClr>
-              <a:buSzPct val="100000"/>
-              <a:buFont typeface="Times New Roman"/>
-            </a:pPr>
             <a:r>
-              <a:rPr lang="ru" sz="1600">
+              <a:rPr lang="en-US" sz="1400" dirty="0">
                 <a:solidFill>
                   <a:srgbClr val="000000"/>
                 </a:solidFill>
@@ -9362,7 +9630,67 @@
                 <a:cs typeface="Times New Roman"/>
                 <a:sym typeface="Times New Roman"/>
               </a:rPr>
-              <a:t>Удаление репозиториев старых веб-приложений</a:t>
+              <a:t>c </a:t>
+            </a:r>
+            <a:r>
+              <a:rPr lang="ru-RU" sz="1400" dirty="0">
+                <a:solidFill>
+                  <a:srgbClr val="000000"/>
+                </a:solidFill>
+                <a:latin typeface="Times New Roman"/>
+                <a:ea typeface="Times New Roman"/>
+                <a:cs typeface="Times New Roman"/>
+                <a:sym typeface="Times New Roman"/>
+              </a:rPr>
+              <a:t>документацией </a:t>
+            </a:r>
+            <a:r>
+              <a:rPr lang="ru" sz="1400" dirty="0">
+                <a:solidFill>
+                  <a:srgbClr val="000000"/>
+                </a:solidFill>
+                <a:latin typeface="Times New Roman"/>
+                <a:ea typeface="Times New Roman"/>
+                <a:cs typeface="Times New Roman"/>
+                <a:sym typeface="Times New Roman"/>
+              </a:rPr>
+              <a:t>описания проекта YC.Web</a:t>
+            </a:r>
+            <a:endParaRPr lang="ru" sz="1200" dirty="0">
+              <a:solidFill>
+                <a:srgbClr val="000000"/>
+              </a:solidFill>
+              <a:latin typeface="Times New Roman"/>
+              <a:ea typeface="Times New Roman"/>
+              <a:cs typeface="Times New Roman"/>
+              <a:sym typeface="Times New Roman"/>
+            </a:endParaRPr>
+          </a:p>
+          <a:p>
+            <a:pPr marL="457200" lvl="0" indent="-330200" rtl="0">
+              <a:lnSpc>
+                <a:spcPct val="100000"/>
+              </a:lnSpc>
+              <a:spcBef>
+                <a:spcPts val="0"/>
+              </a:spcBef>
+              <a:buClr>
+                <a:srgbClr val="000000"/>
+              </a:buClr>
+              <a:buSzPct val="100000"/>
+              <a:buFont typeface="Times New Roman"/>
+            </a:pPr>
+            <a:r>
+              <a:rPr lang="ru" sz="1400" dirty="0">
+                <a:solidFill>
+                  <a:srgbClr val="000000"/>
+                </a:solidFill>
+                <a:latin typeface="Times New Roman"/>
+                <a:ea typeface="Times New Roman"/>
+                <a:cs typeface="Times New Roman"/>
+                <a:sym typeface="Times New Roman"/>
+              </a:rPr>
+              <a:t>Удаление репозиториев старых веб-приложений </a:t>
             </a:r>
           </a:p>
         </p:txBody>
@@ -9376,11 +9704,11 @@
 </file>
 
 <file path=ppt/slides/slide5.xml><?xml version="1.0" encoding="utf-8"?>
-<p:sld xmlns:a="http://schemas.openxmlformats.org/drawingml/2006/main" xmlns:r="http://schemas.openxmlformats.org/officeDocument/2006/relationships" xmlns:mc="http://schemas.openxmlformats.org/markup-compatibility/2006" xmlns:mv="urn:schemas-microsoft-com:mac:vml" xmlns:p="http://schemas.openxmlformats.org/presentationml/2006/main" xmlns:c="http://schemas.openxmlformats.org/drawingml/2006/chart" xmlns:dgm="http://schemas.openxmlformats.org/drawingml/2006/diagram" xmlns:o="urn:schemas-microsoft-com:office:office" xmlns:v="urn:schemas-microsoft-com:vml" xmlns:pvml="urn:schemas-microsoft-com:office:powerpoint" xmlns:com="http://schemas.openxmlformats.org/drawingml/2006/compatibility" xmlns:p14="http://schemas.microsoft.com/office/powerpoint/2010/main" xmlns:p15="http://schemas.microsoft.com/office/powerpoint/2012/main">
+<p:sld xmlns:a="http://schemas.openxmlformats.org/drawingml/2006/main" xmlns:r="http://schemas.openxmlformats.org/officeDocument/2006/relationships" xmlns:p="http://schemas.openxmlformats.org/presentationml/2006/main">
   <p:cSld>
     <p:spTree>
       <p:nvGrpSpPr>
-        <p:cNvPr id="158" name="Shape 158"/>
+        <p:cNvPr id="1" name="Shape 158"/>
         <p:cNvGrpSpPr/>
         <p:nvPr/>
       </p:nvGrpSpPr>
@@ -9395,7 +9723,9 @@
       <p:sp>
         <p:nvSpPr>
           <p:cNvPr id="159" name="Shape 159"/>
-          <p:cNvSpPr txBox="1"/>
+          <p:cNvSpPr txBox="1">
+            <a:spLocks noGrp="1"/>
+          </p:cNvSpPr>
           <p:nvPr>
             <p:ph type="title"/>
           </p:nvPr>
@@ -9410,7 +9740,7 @@
           </a:prstGeom>
         </p:spPr>
         <p:txBody>
-          <a:bodyPr anchorCtr="0" anchor="t" bIns="91425" lIns="91425" rIns="91425" wrap="square" tIns="91425">
+          <a:bodyPr wrap="square" lIns="91425" tIns="91425" rIns="91425" bIns="91425" anchor="t" anchorCtr="0">
             <a:noAutofit/>
           </a:bodyPr>
           <a:lstStyle/>
@@ -9439,14 +9769,16 @@
       <p:sp>
         <p:nvSpPr>
           <p:cNvPr id="160" name="Shape 160"/>
-          <p:cNvSpPr txBox="1"/>
+          <p:cNvSpPr txBox="1">
+            <a:spLocks noGrp="1"/>
+          </p:cNvSpPr>
           <p:nvPr>
-            <p:ph idx="1" type="body"/>
+            <p:ph type="body" idx="1"/>
           </p:nvPr>
         </p:nvSpPr>
         <p:spPr>
           <a:xfrm>
-            <a:off x="1297500" y="1567550"/>
+            <a:off x="1297500" y="1386796"/>
             <a:ext cx="7038900" cy="2911200"/>
           </a:xfrm>
           <a:prstGeom prst="rect">
@@ -9454,7 +9786,7 @@
           </a:prstGeom>
         </p:spPr>
         <p:txBody>
-          <a:bodyPr anchorCtr="0" anchor="t" bIns="91425" lIns="91425" rIns="91425" wrap="square" tIns="91425">
+          <a:bodyPr wrap="square" lIns="91425" tIns="91425" rIns="91425" bIns="91425" anchor="t" anchorCtr="0">
             <a:noAutofit/>
           </a:bodyPr>
           <a:lstStyle/>
@@ -9466,7 +9798,7 @@
               <a:buNone/>
             </a:pPr>
             <a:r>
-              <a:rPr lang="ru" sz="1700">
+              <a:rPr lang="ru" sz="1700" dirty="0">
                 <a:solidFill>
                   <a:srgbClr val="000000"/>
                 </a:solidFill>
@@ -9475,11 +9807,11 @@
                 <a:cs typeface="Times New Roman"/>
                 <a:sym typeface="Times New Roman"/>
               </a:rPr>
-              <a:t>Это средство для разработчиков, позволяющее создать новое .NET/Mono решение со всем необходимым для удобной работы с кодом, инструментами и документацией:</a:t>
+              <a:t>Это средство для разработчиков, позволяющее создать новое .NET/Mono решение со всем необходимым для удобной работы с кодом, инструментами и документацией</a:t>
             </a:r>
           </a:p>
           <a:p>
-            <a:pPr indent="-336550" lvl="0" marL="457200" rtl="0">
+            <a:pPr marL="457200" lvl="0" indent="-336550" rtl="0">
               <a:spcBef>
                 <a:spcPts val="0"/>
               </a:spcBef>
@@ -9490,7 +9822,7 @@
               <a:buFont typeface="Times New Roman"/>
             </a:pPr>
             <a:r>
-              <a:rPr lang="ru" sz="1700">
+              <a:rPr lang="ru" sz="1700" dirty="0">
                 <a:solidFill>
                   <a:srgbClr val="000000"/>
                 </a:solidFill>
@@ -9503,7 +9835,7 @@
             </a:r>
           </a:p>
           <a:p>
-            <a:pPr indent="-336550" lvl="0" marL="457200" rtl="0">
+            <a:pPr marL="457200" lvl="0" indent="-336550" rtl="0">
               <a:spcBef>
                 <a:spcPts val="0"/>
               </a:spcBef>
@@ -9514,7 +9846,7 @@
               <a:buFont typeface="Times New Roman"/>
             </a:pPr>
             <a:r>
-              <a:rPr lang="ru" sz="1700">
+              <a:rPr lang="ru" sz="1700" dirty="0">
                 <a:solidFill>
                   <a:srgbClr val="000000"/>
                 </a:solidFill>
@@ -9527,7 +9859,7 @@
             </a:r>
           </a:p>
           <a:p>
-            <a:pPr indent="-336550" lvl="0" marL="457200" rtl="0">
+            <a:pPr marL="457200" lvl="0" indent="-336550" rtl="0">
               <a:spcBef>
                 <a:spcPts val="0"/>
               </a:spcBef>
@@ -9538,7 +9870,7 @@
               <a:buFont typeface="Times New Roman"/>
             </a:pPr>
             <a:r>
-              <a:rPr lang="ru" sz="1700">
+              <a:rPr lang="ru" sz="1700" dirty="0">
                 <a:solidFill>
                   <a:srgbClr val="000000"/>
                 </a:solidFill>
@@ -9551,7 +9883,7 @@
             </a:r>
           </a:p>
           <a:p>
-            <a:pPr indent="-336550" lvl="0" marL="457200">
+            <a:pPr marL="457200" lvl="0" indent="-336550">
               <a:spcBef>
                 <a:spcPts val="0"/>
               </a:spcBef>
@@ -9562,7 +9894,7 @@
               <a:buFont typeface="Times New Roman"/>
             </a:pPr>
             <a:r>
-              <a:rPr lang="ru" sz="1700">
+              <a:rPr lang="ru" sz="1700" dirty="0">
                 <a:solidFill>
                   <a:srgbClr val="000000"/>
                 </a:solidFill>
@@ -9585,11 +9917,11 @@
 </file>
 
 <file path=ppt/slides/slide6.xml><?xml version="1.0" encoding="utf-8"?>
-<p:sld xmlns:a="http://schemas.openxmlformats.org/drawingml/2006/main" xmlns:r="http://schemas.openxmlformats.org/officeDocument/2006/relationships" xmlns:mc="http://schemas.openxmlformats.org/markup-compatibility/2006" xmlns:mv="urn:schemas-microsoft-com:mac:vml" xmlns:p="http://schemas.openxmlformats.org/presentationml/2006/main" xmlns:c="http://schemas.openxmlformats.org/drawingml/2006/chart" xmlns:dgm="http://schemas.openxmlformats.org/drawingml/2006/diagram" xmlns:o="urn:schemas-microsoft-com:office:office" xmlns:v="urn:schemas-microsoft-com:vml" xmlns:pvml="urn:schemas-microsoft-com:office:powerpoint" xmlns:com="http://schemas.openxmlformats.org/drawingml/2006/compatibility" xmlns:p14="http://schemas.microsoft.com/office/powerpoint/2010/main" xmlns:p15="http://schemas.microsoft.com/office/powerpoint/2012/main">
+<p:sld xmlns:a="http://schemas.openxmlformats.org/drawingml/2006/main" xmlns:r="http://schemas.openxmlformats.org/officeDocument/2006/relationships" xmlns:p="http://schemas.openxmlformats.org/presentationml/2006/main">
   <p:cSld>
     <p:spTree>
       <p:nvGrpSpPr>
-        <p:cNvPr id="164" name="Shape 164"/>
+        <p:cNvPr id="1" name="Shape 164"/>
         <p:cNvGrpSpPr/>
         <p:nvPr/>
       </p:nvGrpSpPr>
@@ -9604,7 +9936,9 @@
       <p:sp>
         <p:nvSpPr>
           <p:cNvPr id="165" name="Shape 165"/>
-          <p:cNvSpPr txBox="1"/>
+          <p:cNvSpPr txBox="1">
+            <a:spLocks noGrp="1"/>
+          </p:cNvSpPr>
           <p:nvPr>
             <p:ph type="title"/>
           </p:nvPr>
@@ -9619,7 +9953,7 @@
           </a:prstGeom>
         </p:spPr>
         <p:txBody>
-          <a:bodyPr anchorCtr="0" anchor="t" bIns="91425" lIns="91425" rIns="91425" wrap="square" tIns="91425">
+          <a:bodyPr wrap="square" lIns="91425" tIns="91425" rIns="91425" bIns="91425" anchor="t" anchorCtr="0">
             <a:noAutofit/>
           </a:bodyPr>
           <a:lstStyle/>
@@ -9648,14 +9982,16 @@
       <p:sp>
         <p:nvSpPr>
           <p:cNvPr id="166" name="Shape 166"/>
-          <p:cNvSpPr txBox="1"/>
+          <p:cNvSpPr txBox="1">
+            <a:spLocks noGrp="1"/>
+          </p:cNvSpPr>
           <p:nvPr>
-            <p:ph idx="1" type="body"/>
+            <p:ph type="body" idx="1"/>
           </p:nvPr>
         </p:nvSpPr>
         <p:spPr>
           <a:xfrm>
-            <a:off x="1297500" y="1567550"/>
+            <a:off x="1297500" y="1439959"/>
             <a:ext cx="7038900" cy="2911200"/>
           </a:xfrm>
           <a:prstGeom prst="rect">
@@ -9663,7 +9999,7 @@
           </a:prstGeom>
         </p:spPr>
         <p:txBody>
-          <a:bodyPr anchorCtr="0" anchor="t" bIns="91425" lIns="91425" rIns="91425" wrap="square" tIns="91425">
+          <a:bodyPr wrap="square" lIns="91425" tIns="91425" rIns="91425" bIns="91425" anchor="t" anchorCtr="0">
             <a:noAutofit/>
           </a:bodyPr>
           <a:lstStyle/>
@@ -9675,7 +10011,7 @@
               <a:buNone/>
             </a:pPr>
             <a:r>
-              <a:rPr lang="ru" sz="1700">
+              <a:rPr lang="ru" sz="1700" dirty="0">
                 <a:solidFill>
                   <a:srgbClr val="000000"/>
                 </a:solidFill>
@@ -9684,11 +10020,11 @@
                 <a:cs typeface="Times New Roman"/>
                 <a:sym typeface="Times New Roman"/>
               </a:rPr>
-              <a:t>WebSharper — это фреймворк и набор инструментов для разработки веб-приложений полностью на языке программирования F#:</a:t>
+              <a:t>WebSharper — это фреймворк и набор инструментов для разработки веб-приложений полностью на языке программирования F#</a:t>
             </a:r>
           </a:p>
           <a:p>
-            <a:pPr indent="-336550" lvl="0" marL="457200" rtl="0">
+            <a:pPr marL="457200" lvl="0" indent="-336550" rtl="0">
               <a:spcBef>
                 <a:spcPts val="0"/>
               </a:spcBef>
@@ -9699,7 +10035,7 @@
               <a:buFont typeface="Times New Roman"/>
             </a:pPr>
             <a:r>
-              <a:rPr lang="ru" sz="1700">
+              <a:rPr lang="ru" sz="1700" dirty="0">
                 <a:solidFill>
                   <a:srgbClr val="000000"/>
                 </a:solidFill>
@@ -9712,7 +10048,7 @@
             </a:r>
           </a:p>
           <a:p>
-            <a:pPr indent="-336550" lvl="0" marL="457200" rtl="0">
+            <a:pPr marL="457200" lvl="0" indent="-336550" rtl="0">
               <a:spcBef>
                 <a:spcPts val="0"/>
               </a:spcBef>
@@ -9723,7 +10059,7 @@
               <a:buFont typeface="Times New Roman"/>
             </a:pPr>
             <a:r>
-              <a:rPr lang="ru" sz="1700">
+              <a:rPr lang="ru" sz="1700" dirty="0">
                 <a:solidFill>
                   <a:srgbClr val="000000"/>
                 </a:solidFill>
@@ -9736,7 +10072,7 @@
             </a:r>
           </a:p>
           <a:p>
-            <a:pPr indent="-336550" lvl="0" marL="457200" rtl="0">
+            <a:pPr marL="457200" lvl="0" indent="-336550" rtl="0">
               <a:spcBef>
                 <a:spcPts val="0"/>
               </a:spcBef>
@@ -9747,7 +10083,7 @@
               <a:buFont typeface="Times New Roman"/>
             </a:pPr>
             <a:r>
-              <a:rPr lang="ru" sz="1700">
+              <a:rPr lang="ru" sz="1700" dirty="0">
                 <a:solidFill>
                   <a:srgbClr val="000000"/>
                 </a:solidFill>
@@ -9770,11 +10106,11 @@
 </file>
 
 <file path=ppt/slides/slide7.xml><?xml version="1.0" encoding="utf-8"?>
-<p:sld xmlns:a="http://schemas.openxmlformats.org/drawingml/2006/main" xmlns:r="http://schemas.openxmlformats.org/officeDocument/2006/relationships" xmlns:mc="http://schemas.openxmlformats.org/markup-compatibility/2006" xmlns:mv="urn:schemas-microsoft-com:mac:vml" xmlns:p="http://schemas.openxmlformats.org/presentationml/2006/main" xmlns:c="http://schemas.openxmlformats.org/drawingml/2006/chart" xmlns:dgm="http://schemas.openxmlformats.org/drawingml/2006/diagram" xmlns:o="urn:schemas-microsoft-com:office:office" xmlns:v="urn:schemas-microsoft-com:vml" xmlns:pvml="urn:schemas-microsoft-com:office:powerpoint" xmlns:com="http://schemas.openxmlformats.org/drawingml/2006/compatibility" xmlns:p14="http://schemas.microsoft.com/office/powerpoint/2010/main" xmlns:p15="http://schemas.microsoft.com/office/powerpoint/2012/main">
+<p:sld xmlns:a="http://schemas.openxmlformats.org/drawingml/2006/main" xmlns:r="http://schemas.openxmlformats.org/officeDocument/2006/relationships" xmlns:p="http://schemas.openxmlformats.org/presentationml/2006/main">
   <p:cSld>
     <p:spTree>
       <p:nvGrpSpPr>
-        <p:cNvPr id="170" name="Shape 170"/>
+        <p:cNvPr id="1" name="Shape 170"/>
         <p:cNvGrpSpPr/>
         <p:nvPr/>
       </p:nvGrpSpPr>
@@ -9789,7 +10125,9 @@
       <p:sp>
         <p:nvSpPr>
           <p:cNvPr id="171" name="Shape 171"/>
-          <p:cNvSpPr txBox="1"/>
+          <p:cNvSpPr txBox="1">
+            <a:spLocks noGrp="1"/>
+          </p:cNvSpPr>
           <p:nvPr>
             <p:ph type="title"/>
           </p:nvPr>
@@ -9804,7 +10142,7 @@
           </a:prstGeom>
         </p:spPr>
         <p:txBody>
-          <a:bodyPr anchorCtr="0" anchor="t" bIns="91425" lIns="91425" rIns="91425" wrap="square" tIns="91425">
+          <a:bodyPr wrap="square" lIns="91425" tIns="91425" rIns="91425" bIns="91425" anchor="t" anchorCtr="0">
             <a:noAutofit/>
           </a:bodyPr>
           <a:lstStyle/>
@@ -9816,7 +10154,7 @@
               <a:buNone/>
             </a:pPr>
             <a:r>
-              <a:rPr lang="ru" sz="3000" u="sng">
+              <a:rPr lang="ru" sz="3000" u="sng" dirty="0">
                 <a:solidFill>
                   <a:srgbClr val="000000"/>
                 </a:solidFill>
@@ -9833,14 +10171,16 @@
       <p:sp>
         <p:nvSpPr>
           <p:cNvPr id="172" name="Shape 172"/>
-          <p:cNvSpPr txBox="1"/>
+          <p:cNvSpPr txBox="1">
+            <a:spLocks noGrp="1"/>
+          </p:cNvSpPr>
           <p:nvPr>
-            <p:ph idx="1" type="body"/>
+            <p:ph type="body" idx="1"/>
           </p:nvPr>
         </p:nvSpPr>
         <p:spPr>
           <a:xfrm>
-            <a:off x="1297500" y="1262750"/>
+            <a:off x="1297500" y="1167057"/>
             <a:ext cx="7038900" cy="2911200"/>
           </a:xfrm>
           <a:prstGeom prst="rect">
@@ -9848,12 +10188,15 @@
           </a:prstGeom>
         </p:spPr>
         <p:txBody>
-          <a:bodyPr anchorCtr="0" anchor="t" bIns="91425" lIns="91425" rIns="91425" wrap="square" tIns="91425">
+          <a:bodyPr wrap="square" lIns="91425" tIns="91425" rIns="91425" bIns="91425" anchor="t" anchorCtr="0">
             <a:noAutofit/>
           </a:bodyPr>
           <a:lstStyle/>
           <a:p>
-            <a:pPr indent="-336550" lvl="0" marL="457200" rtl="0">
+            <a:pPr marL="457200" lvl="0" indent="-336550" rtl="0">
+              <a:lnSpc>
+                <a:spcPct val="100000"/>
+              </a:lnSpc>
               <a:spcBef>
                 <a:spcPts val="0"/>
               </a:spcBef>
@@ -9864,7 +10207,7 @@
               <a:buFont typeface="Times New Roman"/>
             </a:pPr>
             <a:r>
-              <a:rPr lang="ru" sz="1700">
+              <a:rPr lang="ru" sz="1600" dirty="0">
                 <a:solidFill>
                   <a:srgbClr val="000000"/>
                 </a:solidFill>
@@ -9877,7 +10220,10 @@
             </a:r>
           </a:p>
           <a:p>
-            <a:pPr indent="-336550" lvl="0" marL="457200">
+            <a:pPr marL="457200" lvl="0" indent="-336550">
+              <a:lnSpc>
+                <a:spcPct val="100000"/>
+              </a:lnSpc>
               <a:spcBef>
                 <a:spcPts val="0"/>
               </a:spcBef>
@@ -9888,7 +10234,7 @@
               <a:buFont typeface="Times New Roman"/>
             </a:pPr>
             <a:r>
-              <a:rPr lang="ru" sz="1700">
+              <a:rPr lang="ru" sz="1600" dirty="0">
                 <a:solidFill>
                   <a:srgbClr val="000000"/>
                 </a:solidFill>
@@ -9901,7 +10247,10 @@
             </a:r>
           </a:p>
           <a:p>
-            <a:pPr indent="-336550" lvl="1" marL="914400" rtl="0">
+            <a:pPr marL="914400" lvl="1" indent="-336550" rtl="0">
+              <a:lnSpc>
+                <a:spcPct val="100000"/>
+              </a:lnSpc>
               <a:spcBef>
                 <a:spcPts val="0"/>
               </a:spcBef>
@@ -9912,7 +10261,7 @@
               <a:buFont typeface="Times New Roman"/>
             </a:pPr>
             <a:r>
-              <a:rPr lang="ru" sz="1700">
+              <a:rPr lang="ru" sz="1600" dirty="0">
                 <a:solidFill>
                   <a:srgbClr val="000000"/>
                 </a:solidFill>
@@ -9925,7 +10274,10 @@
             </a:r>
           </a:p>
           <a:p>
-            <a:pPr indent="-336550" lvl="1" marL="914400">
+            <a:pPr marL="914400" lvl="1" indent="-336550">
+              <a:lnSpc>
+                <a:spcPct val="100000"/>
+              </a:lnSpc>
               <a:spcBef>
                 <a:spcPts val="0"/>
               </a:spcBef>
@@ -9936,7 +10288,7 @@
               <a:buFont typeface="Times New Roman"/>
             </a:pPr>
             <a:r>
-              <a:rPr lang="ru" sz="1700">
+              <a:rPr lang="ru" sz="1600" dirty="0">
                 <a:solidFill>
                   <a:srgbClr val="000000"/>
                 </a:solidFill>
@@ -9949,7 +10301,10 @@
             </a:r>
           </a:p>
           <a:p>
-            <a:pPr indent="-336550" lvl="0" marL="457200" rtl="0">
+            <a:pPr marL="457200" lvl="0" indent="-336550" rtl="0">
+              <a:lnSpc>
+                <a:spcPct val="100000"/>
+              </a:lnSpc>
               <a:spcBef>
                 <a:spcPts val="0"/>
               </a:spcBef>
@@ -9960,7 +10315,7 @@
               <a:buFont typeface="Times New Roman"/>
             </a:pPr>
             <a:r>
-              <a:rPr lang="ru" sz="1700">
+              <a:rPr lang="ru" sz="1600" dirty="0">
                 <a:solidFill>
                   <a:srgbClr val="000000"/>
                 </a:solidFill>
@@ -9973,7 +10328,10 @@
             </a:r>
           </a:p>
           <a:p>
-            <a:pPr indent="-336550" lvl="1" marL="914400" rtl="0">
+            <a:pPr marL="914400" lvl="1" indent="-336550" rtl="0">
+              <a:lnSpc>
+                <a:spcPct val="100000"/>
+              </a:lnSpc>
               <a:spcBef>
                 <a:spcPts val="0"/>
               </a:spcBef>
@@ -9984,7 +10342,7 @@
               <a:buFont typeface="Times New Roman"/>
             </a:pPr>
             <a:r>
-              <a:rPr lang="ru" sz="1700">
+              <a:rPr lang="ru" sz="1600" dirty="0">
                 <a:solidFill>
                   <a:srgbClr val="000000"/>
                 </a:solidFill>
@@ -9997,7 +10355,10 @@
             </a:r>
           </a:p>
           <a:p>
-            <a:pPr indent="-336550" lvl="1" marL="914400" rtl="0">
+            <a:pPr marL="914400" lvl="1" indent="-336550" rtl="0">
+              <a:lnSpc>
+                <a:spcPct val="100000"/>
+              </a:lnSpc>
               <a:spcBef>
                 <a:spcPts val="0"/>
               </a:spcBef>
@@ -10008,7 +10369,7 @@
               <a:buFont typeface="Times New Roman"/>
             </a:pPr>
             <a:r>
-              <a:rPr lang="ru" sz="1700">
+              <a:rPr lang="ru" sz="1600" dirty="0">
                 <a:solidFill>
                   <a:srgbClr val="000000"/>
                 </a:solidFill>
@@ -10021,7 +10382,10 @@
             </a:r>
           </a:p>
           <a:p>
-            <a:pPr indent="-336550" lvl="0" marL="457200" rtl="0">
+            <a:pPr marL="457200" lvl="0" indent="-336550" rtl="0">
+              <a:lnSpc>
+                <a:spcPct val="100000"/>
+              </a:lnSpc>
               <a:spcBef>
                 <a:spcPts val="0"/>
               </a:spcBef>
@@ -10032,7 +10396,7 @@
               <a:buFont typeface="Times New Roman"/>
             </a:pPr>
             <a:r>
-              <a:rPr lang="ru" sz="1700">
+              <a:rPr lang="ru" sz="1600" dirty="0">
                 <a:solidFill>
                   <a:srgbClr val="000000"/>
                 </a:solidFill>
@@ -10055,11 +10419,211 @@
 </file>
 
 <file path=ppt/slides/slide8.xml><?xml version="1.0" encoding="utf-8"?>
-<p:sld xmlns:a="http://schemas.openxmlformats.org/drawingml/2006/main" xmlns:r="http://schemas.openxmlformats.org/officeDocument/2006/relationships" xmlns:mc="http://schemas.openxmlformats.org/markup-compatibility/2006" xmlns:mv="urn:schemas-microsoft-com:mac:vml" xmlns:p="http://schemas.openxmlformats.org/presentationml/2006/main" xmlns:c="http://schemas.openxmlformats.org/drawingml/2006/chart" xmlns:dgm="http://schemas.openxmlformats.org/drawingml/2006/diagram" xmlns:o="urn:schemas-microsoft-com:office:office" xmlns:v="urn:schemas-microsoft-com:vml" xmlns:pvml="urn:schemas-microsoft-com:office:powerpoint" xmlns:com="http://schemas.openxmlformats.org/drawingml/2006/compatibility" xmlns:p14="http://schemas.microsoft.com/office/powerpoint/2010/main" xmlns:p15="http://schemas.microsoft.com/office/powerpoint/2012/main">
+<p:sld xmlns:a="http://schemas.openxmlformats.org/drawingml/2006/main" xmlns:r="http://schemas.openxmlformats.org/officeDocument/2006/relationships" xmlns:p="http://schemas.openxmlformats.org/presentationml/2006/main">
   <p:cSld>
     <p:spTree>
       <p:nvGrpSpPr>
-        <p:cNvPr id="176" name="Shape 176"/>
+        <p:cNvPr id="1" name=""/>
+        <p:cNvGrpSpPr/>
+        <p:nvPr/>
+      </p:nvGrpSpPr>
+      <p:grpSpPr>
+        <a:xfrm>
+          <a:off x="0" y="0"/>
+          <a:ext cx="0" cy="0"/>
+          <a:chOff x="0" y="0"/>
+          <a:chExt cx="0" cy="0"/>
+        </a:xfrm>
+      </p:grpSpPr>
+      <p:sp>
+        <p:nvSpPr>
+          <p:cNvPr id="2" name="Заголовок 1">
+            <a:extLst>
+              <a:ext uri="{FF2B5EF4-FFF2-40B4-BE49-F238E27FC236}">
+                <a16:creationId xmlns:a16="http://schemas.microsoft.com/office/drawing/2014/main" id="{46043CB5-411B-473E-ABBA-5200730443C6}"/>
+              </a:ext>
+            </a:extLst>
+          </p:cNvPr>
+          <p:cNvSpPr>
+            <a:spLocks noGrp="1"/>
+          </p:cNvSpPr>
+          <p:nvPr>
+            <p:ph type="title"/>
+          </p:nvPr>
+        </p:nvSpPr>
+        <p:spPr/>
+        <p:txBody>
+          <a:bodyPr/>
+          <a:lstStyle/>
+          <a:p>
+            <a:r>
+              <a:rPr lang="ru-RU" u="sng" dirty="0">
+                <a:solidFill>
+                  <a:srgbClr val="000000"/>
+                </a:solidFill>
+                <a:latin typeface="Times New Roman"/>
+                <a:cs typeface="Times New Roman"/>
+                <a:sym typeface="Times New Roman"/>
+              </a:rPr>
+              <a:t>Библиотека компонент</a:t>
+            </a:r>
+            <a:endParaRPr lang="ru-RU" dirty="0"/>
+          </a:p>
+        </p:txBody>
+      </p:sp>
+      <p:sp>
+        <p:nvSpPr>
+          <p:cNvPr id="3" name="Текст 2">
+            <a:extLst>
+              <a:ext uri="{FF2B5EF4-FFF2-40B4-BE49-F238E27FC236}">
+                <a16:creationId xmlns:a16="http://schemas.microsoft.com/office/drawing/2014/main" id="{BAFFEFB8-5F34-4291-B94C-1169AA1200BF}"/>
+              </a:ext>
+            </a:extLst>
+          </p:cNvPr>
+          <p:cNvSpPr>
+            <a:spLocks noGrp="1"/>
+          </p:cNvSpPr>
+          <p:nvPr>
+            <p:ph type="body" idx="1"/>
+          </p:nvPr>
+        </p:nvSpPr>
+        <p:spPr>
+          <a:xfrm>
+            <a:off x="1297500" y="1307850"/>
+            <a:ext cx="7038900" cy="3170900"/>
+          </a:xfrm>
+        </p:spPr>
+        <p:txBody>
+          <a:bodyPr/>
+          <a:lstStyle/>
+          <a:p>
+            <a:pPr marL="457200" indent="-336550">
+              <a:lnSpc>
+                <a:spcPct val="100000"/>
+              </a:lnSpc>
+              <a:buClr>
+                <a:srgbClr val="000000"/>
+              </a:buClr>
+              <a:buFont typeface="Times New Roman"/>
+              <a:buChar char="●"/>
+            </a:pPr>
+            <a:r>
+              <a:rPr lang="ru-RU" sz="1700" dirty="0">
+                <a:solidFill>
+                  <a:srgbClr val="000000"/>
+                </a:solidFill>
+                <a:latin typeface="Times New Roman" panose="02020603050405020304" pitchFamily="18" charset="0"/>
+                <a:cs typeface="Times New Roman" panose="02020603050405020304" pitchFamily="18" charset="0"/>
+              </a:rPr>
+              <a:t>Все компоненты реализованы с помощью библиотеки </a:t>
+            </a:r>
+            <a:r>
+              <a:rPr lang="ru-RU" sz="1700" dirty="0" err="1">
+                <a:solidFill>
+                  <a:srgbClr val="000000"/>
+                </a:solidFill>
+                <a:latin typeface="Times New Roman" panose="02020603050405020304" pitchFamily="18" charset="0"/>
+                <a:cs typeface="Times New Roman" panose="02020603050405020304" pitchFamily="18" charset="0"/>
+              </a:rPr>
+              <a:t>WebSharper.Formlets</a:t>
+            </a:r>
+            <a:r>
+              <a:rPr lang="ru-RU" sz="1700" dirty="0">
+                <a:solidFill>
+                  <a:srgbClr val="000000"/>
+                </a:solidFill>
+                <a:latin typeface="Times New Roman" panose="02020603050405020304" pitchFamily="18" charset="0"/>
+                <a:cs typeface="Times New Roman" panose="02020603050405020304" pitchFamily="18" charset="0"/>
+              </a:rPr>
+              <a:t>, которая предоставляет набор стандартных веб-элементов</a:t>
+            </a:r>
+            <a:endParaRPr lang="ru" sz="1700" dirty="0">
+              <a:solidFill>
+                <a:srgbClr val="000000"/>
+              </a:solidFill>
+              <a:latin typeface="Times New Roman"/>
+              <a:ea typeface="Times New Roman"/>
+              <a:cs typeface="Times New Roman"/>
+              <a:sym typeface="Times New Roman"/>
+            </a:endParaRPr>
+          </a:p>
+          <a:p>
+            <a:pPr marL="457200" lvl="0" indent="-336550">
+              <a:lnSpc>
+                <a:spcPct val="100000"/>
+              </a:lnSpc>
+              <a:buClr>
+                <a:srgbClr val="000000"/>
+              </a:buClr>
+              <a:buFont typeface="Times New Roman"/>
+            </a:pPr>
+            <a:r>
+              <a:rPr lang="ru-RU" sz="1700" dirty="0">
+                <a:solidFill>
+                  <a:srgbClr val="000000"/>
+                </a:solidFill>
+                <a:latin typeface="Times New Roman"/>
+                <a:ea typeface="Times New Roman"/>
+                <a:cs typeface="Times New Roman"/>
+                <a:sym typeface="Times New Roman"/>
+              </a:rPr>
+              <a:t>Компонента отрисовки графа была реализована с помощью </a:t>
+            </a:r>
+            <a:r>
+              <a:rPr lang="ru-RU" sz="1700" dirty="0" err="1">
+                <a:solidFill>
+                  <a:srgbClr val="000000"/>
+                </a:solidFill>
+                <a:latin typeface="Times New Roman"/>
+                <a:ea typeface="Times New Roman"/>
+                <a:cs typeface="Times New Roman"/>
+                <a:sym typeface="Times New Roman"/>
+              </a:rPr>
+              <a:t>JavaScript</a:t>
+            </a:r>
+            <a:r>
+              <a:rPr lang="ru-RU" sz="1700" dirty="0">
+                <a:solidFill>
+                  <a:srgbClr val="000000"/>
+                </a:solidFill>
+                <a:latin typeface="Times New Roman"/>
+                <a:ea typeface="Times New Roman"/>
+                <a:cs typeface="Times New Roman"/>
+                <a:sym typeface="Times New Roman"/>
+              </a:rPr>
+              <a:t> библиотеки Dracula.js</a:t>
+            </a:r>
+            <a:endParaRPr lang="ru-RU" sz="1500" dirty="0">
+              <a:solidFill>
+                <a:srgbClr val="000000"/>
+              </a:solidFill>
+              <a:latin typeface="Times New Roman" panose="02020603050405020304" pitchFamily="18" charset="0"/>
+              <a:ea typeface="Times New Roman"/>
+              <a:cs typeface="Times New Roman" panose="02020603050405020304" pitchFamily="18" charset="0"/>
+              <a:sym typeface="Times New Roman"/>
+            </a:endParaRPr>
+          </a:p>
+        </p:txBody>
+      </p:sp>
+    </p:spTree>
+    <p:extLst>
+      <p:ext uri="{BB962C8B-B14F-4D97-AF65-F5344CB8AC3E}">
+        <p14:creationId xmlns:p14="http://schemas.microsoft.com/office/powerpoint/2010/main" val="871550425"/>
+      </p:ext>
+    </p:extLst>
+  </p:cSld>
+  <p:clrMapOvr>
+    <a:masterClrMapping/>
+  </p:clrMapOvr>
+</p:sld>
+</file>
+
+<file path=ppt/slides/slide9.xml><?xml version="1.0" encoding="utf-8"?>
+<p:sld xmlns:a="http://schemas.openxmlformats.org/drawingml/2006/main" xmlns:r="http://schemas.openxmlformats.org/officeDocument/2006/relationships" xmlns:p="http://schemas.openxmlformats.org/presentationml/2006/main">
+  <p:cSld>
+    <p:spTree>
+      <p:nvGrpSpPr>
+        <p:cNvPr id="1" name="Shape 176"/>
         <p:cNvGrpSpPr/>
         <p:nvPr/>
       </p:nvGrpSpPr>
@@ -10074,7 +10638,9 @@
       <p:sp>
         <p:nvSpPr>
           <p:cNvPr id="177" name="Shape 177"/>
-          <p:cNvSpPr txBox="1"/>
+          <p:cNvSpPr txBox="1">
+            <a:spLocks noGrp="1"/>
+          </p:cNvSpPr>
           <p:nvPr>
             <p:ph type="title"/>
           </p:nvPr>
@@ -10089,7 +10655,7 @@
           </a:prstGeom>
         </p:spPr>
         <p:txBody>
-          <a:bodyPr anchorCtr="0" anchor="t" bIns="91425" lIns="91425" rIns="91425" wrap="square" tIns="91425">
+          <a:bodyPr wrap="square" lIns="91425" tIns="91425" rIns="91425" bIns="91425" anchor="t" anchorCtr="0">
             <a:noAutofit/>
           </a:bodyPr>
           <a:lstStyle/>
@@ -10124,9 +10690,11 @@
       <p:sp>
         <p:nvSpPr>
           <p:cNvPr id="178" name="Shape 178"/>
-          <p:cNvSpPr txBox="1"/>
+          <p:cNvSpPr txBox="1">
+            <a:spLocks noGrp="1"/>
+          </p:cNvSpPr>
           <p:nvPr>
-            <p:ph idx="1" type="body"/>
+            <p:ph type="body" idx="1"/>
           </p:nvPr>
         </p:nvSpPr>
         <p:spPr>
@@ -10139,7 +10707,7 @@
           </a:prstGeom>
         </p:spPr>
         <p:txBody>
-          <a:bodyPr anchorCtr="0" anchor="t" bIns="91425" lIns="91425" rIns="91425" wrap="square" tIns="91425">
+          <a:bodyPr wrap="square" lIns="91425" tIns="91425" rIns="91425" bIns="91425" anchor="t" anchorCtr="0">
             <a:noAutofit/>
           </a:bodyPr>
           <a:lstStyle/>
@@ -10151,7 +10719,7 @@
               <a:buNone/>
             </a:pPr>
             <a:r>
-              <a:rPr lang="ru" sz="2000">
+              <a:rPr lang="ru" sz="2000" dirty="0">
                 <a:solidFill>
                   <a:srgbClr val="000000"/>
                 </a:solidFill>
@@ -10171,7 +10739,7 @@
               <a:buNone/>
             </a:pPr>
             <a:r>
-              <a:rPr lang="ru" sz="2000">
+              <a:rPr lang="ru" sz="2000" dirty="0">
                 <a:solidFill>
                   <a:srgbClr val="000000"/>
                 </a:solidFill>
@@ -10193,141 +10761,8 @@
 </p:sld>
 </file>
 
-<file path=ppt/slides/slide9.xml><?xml version="1.0" encoding="utf-8"?>
-<p:sld xmlns:a="http://schemas.openxmlformats.org/drawingml/2006/main" xmlns:r="http://schemas.openxmlformats.org/officeDocument/2006/relationships" xmlns:mc="http://schemas.openxmlformats.org/markup-compatibility/2006" xmlns:mv="urn:schemas-microsoft-com:mac:vml" xmlns:p="http://schemas.openxmlformats.org/presentationml/2006/main" xmlns:c="http://schemas.openxmlformats.org/drawingml/2006/chart" xmlns:dgm="http://schemas.openxmlformats.org/drawingml/2006/diagram" xmlns:o="urn:schemas-microsoft-com:office:office" xmlns:v="urn:schemas-microsoft-com:vml" xmlns:pvml="urn:schemas-microsoft-com:office:powerpoint" xmlns:com="http://schemas.openxmlformats.org/drawingml/2006/compatibility" xmlns:p14="http://schemas.microsoft.com/office/powerpoint/2010/main" xmlns:p15="http://schemas.microsoft.com/office/powerpoint/2012/main">
-  <p:cSld>
-    <p:spTree>
-      <p:nvGrpSpPr>
-        <p:cNvPr id="182" name="Shape 182"/>
-        <p:cNvGrpSpPr/>
-        <p:nvPr/>
-      </p:nvGrpSpPr>
-      <p:grpSpPr>
-        <a:xfrm>
-          <a:off x="0" y="0"/>
-          <a:ext cx="0" cy="0"/>
-          <a:chOff x="0" y="0"/>
-          <a:chExt cx="0" cy="0"/>
-        </a:xfrm>
-      </p:grpSpPr>
-      <p:sp>
-        <p:nvSpPr>
-          <p:cNvPr id="183" name="Shape 183"/>
-          <p:cNvSpPr txBox="1"/>
-          <p:nvPr>
-            <p:ph type="title"/>
-          </p:nvPr>
-        </p:nvSpPr>
-        <p:spPr>
-          <a:xfrm>
-            <a:off x="1297500" y="393750"/>
-            <a:ext cx="7038900" cy="914100"/>
-          </a:xfrm>
-          <a:prstGeom prst="rect">
-            <a:avLst/>
-          </a:prstGeom>
-        </p:spPr>
-        <p:txBody>
-          <a:bodyPr anchorCtr="0" anchor="t" bIns="91425" lIns="91425" rIns="91425" wrap="square" tIns="91425">
-            <a:noAutofit/>
-          </a:bodyPr>
-          <a:lstStyle/>
-          <a:p>
-            <a:pPr lvl="0">
-              <a:spcBef>
-                <a:spcPts val="0"/>
-              </a:spcBef>
-              <a:buNone/>
-            </a:pPr>
-            <a:r>
-              <a:rPr lang="ru" sz="3000" u="sng">
-                <a:solidFill>
-                  <a:srgbClr val="000000"/>
-                </a:solidFill>
-                <a:latin typeface="Times New Roman"/>
-                <a:ea typeface="Times New Roman"/>
-                <a:cs typeface="Times New Roman"/>
-                <a:sym typeface="Times New Roman"/>
-              </a:rPr>
-              <a:t>Структура YC.Web</a:t>
-            </a:r>
-          </a:p>
-        </p:txBody>
-      </p:sp>
-      <p:sp>
-        <p:nvSpPr>
-          <p:cNvPr id="184" name="Shape 184"/>
-          <p:cNvSpPr txBox="1"/>
-          <p:nvPr>
-            <p:ph idx="1" type="body"/>
-          </p:nvPr>
-        </p:nvSpPr>
-        <p:spPr>
-          <a:xfrm>
-            <a:off x="1297500" y="1567550"/>
-            <a:ext cx="7038900" cy="2911200"/>
-          </a:xfrm>
-          <a:prstGeom prst="rect">
-            <a:avLst/>
-          </a:prstGeom>
-        </p:spPr>
-        <p:txBody>
-          <a:bodyPr anchorCtr="0" anchor="t" bIns="91425" lIns="91425" rIns="91425" wrap="square" tIns="91425">
-            <a:noAutofit/>
-          </a:bodyPr>
-          <a:lstStyle/>
-          <a:p>
-            <a:pPr lvl="0">
-              <a:spcBef>
-                <a:spcPts val="0"/>
-              </a:spcBef>
-              <a:buNone/>
-            </a:pPr>
-            <a:r>
-              <a:t/>
-            </a:r>
-            <a:endParaRPr/>
-          </a:p>
-        </p:txBody>
-      </p:sp>
-      <p:pic>
-        <p:nvPicPr>
-          <p:cNvPr id="185" name="Shape 185"/>
-          <p:cNvPicPr preferRelativeResize="0"/>
-          <p:nvPr/>
-        </p:nvPicPr>
-        <p:blipFill>
-          <a:blip r:embed="rId3">
-            <a:alphaModFix/>
-          </a:blip>
-          <a:stretch>
-            <a:fillRect/>
-          </a:stretch>
-        </p:blipFill>
-        <p:spPr>
-          <a:xfrm>
-            <a:off x="1195425" y="925000"/>
-            <a:ext cx="7663500" cy="4218501"/>
-          </a:xfrm>
-          <a:prstGeom prst="rect">
-            <a:avLst/>
-          </a:prstGeom>
-          <a:noFill/>
-          <a:ln>
-            <a:noFill/>
-          </a:ln>
-        </p:spPr>
-      </p:pic>
-    </p:spTree>
-  </p:cSld>
-  <p:clrMapOvr>
-    <a:masterClrMapping/>
-  </p:clrMapOvr>
-</p:sld>
-</file>
-
 <file path=ppt/theme/theme1.xml><?xml version="1.0" encoding="utf-8"?>
-<a:theme xmlns:a="http://schemas.openxmlformats.org/drawingml/2006/main" xmlns:r="http://schemas.openxmlformats.org/officeDocument/2006/relationships" name="Focus">
+<a:theme xmlns:a="http://schemas.openxmlformats.org/drawingml/2006/main" name="Focus">
   <a:themeElements>
     <a:clrScheme name="Focus">
       <a:dk1>
@@ -10602,11 +11037,13 @@
       </a:bgFillStyleLst>
     </a:fmtScheme>
   </a:themeElements>
+  <a:objectDefaults/>
+  <a:extraClrSchemeLst/>
 </a:theme>
 </file>
 
 <file path=ppt/theme/theme2.xml><?xml version="1.0" encoding="utf-8"?>
-<a:theme xmlns:a="http://schemas.openxmlformats.org/drawingml/2006/main" xmlns:r="http://schemas.openxmlformats.org/officeDocument/2006/relationships" name="Custom Theme">
+<a:theme xmlns:a="http://schemas.openxmlformats.org/drawingml/2006/main" name="Custom Theme">
   <a:themeElements>
     <a:clrScheme name="Default">
       <a:dk1>
@@ -10881,5 +11318,7 @@
       </a:bgFillStyleLst>
     </a:fmtScheme>
   </a:themeElements>
+  <a:objectDefaults/>
+  <a:extraClrSchemeLst/>
 </a:theme>
 </file>